--- a/[MLUP18] 01. Pengenalan Machine Learning.pptx
+++ b/[MLUP18] 01. Pengenalan Machine Learning.pptx
@@ -5,7 +5,7 @@
     <p:sldMasterId id="2147483648" r:id="rId1"/>
   </p:sldMasterIdLst>
   <p:notesMasterIdLst>
-    <p:notesMasterId r:id="rId16"/>
+    <p:notesMasterId r:id="rId22"/>
   </p:notesMasterIdLst>
   <p:sldIdLst>
     <p:sldId id="256" r:id="rId2"/>
@@ -13,15 +13,21 @@
     <p:sldId id="258" r:id="rId4"/>
     <p:sldId id="259" r:id="rId5"/>
     <p:sldId id="260" r:id="rId6"/>
-    <p:sldId id="261" r:id="rId7"/>
-    <p:sldId id="264" r:id="rId8"/>
-    <p:sldId id="265" r:id="rId9"/>
-    <p:sldId id="263" r:id="rId10"/>
-    <p:sldId id="262" r:id="rId11"/>
-    <p:sldId id="266" r:id="rId12"/>
-    <p:sldId id="267" r:id="rId13"/>
-    <p:sldId id="268" r:id="rId14"/>
-    <p:sldId id="269" r:id="rId15"/>
+    <p:sldId id="270" r:id="rId7"/>
+    <p:sldId id="272" r:id="rId8"/>
+    <p:sldId id="273" r:id="rId9"/>
+    <p:sldId id="261" r:id="rId10"/>
+    <p:sldId id="275" r:id="rId11"/>
+    <p:sldId id="276" r:id="rId12"/>
+    <p:sldId id="274" r:id="rId13"/>
+    <p:sldId id="264" r:id="rId14"/>
+    <p:sldId id="265" r:id="rId15"/>
+    <p:sldId id="263" r:id="rId16"/>
+    <p:sldId id="262" r:id="rId17"/>
+    <p:sldId id="266" r:id="rId18"/>
+    <p:sldId id="267" r:id="rId19"/>
+    <p:sldId id="268" r:id="rId20"/>
+    <p:sldId id="269" r:id="rId21"/>
   </p:sldIdLst>
   <p:sldSz cx="12192000" cy="6858000"/>
   <p:notesSz cx="6858000" cy="9144000"/>
@@ -120,7 +126,695 @@
       </a:defRPr>
     </a:lvl9pPr>
   </p:defaultTextStyle>
+  <p:extLst>
+    <p:ext uri="{EFAFB233-063F-42B5-8137-9DF3F51BA10A}">
+      <p15:sldGuideLst xmlns:p15="http://schemas.microsoft.com/office/powerpoint/2012/main"/>
+    </p:ext>
+  </p:extLst>
 </p:presentation>
+</file>
+
+<file path=ppt/revisionInfo.xml><?xml version="1.0" encoding="utf-8"?>
+<p1510:revInfo xmlns:a="http://schemas.openxmlformats.org/drawingml/2006/main" xmlns:r="http://schemas.openxmlformats.org/officeDocument/2006/relationships" xmlns:p1510="http://schemas.microsoft.com/office/powerpoint/2015/10/main">
+  <p1510:revLst>
+    <p1510:client id="{F13D8770-9339-442A-9DEE-8CE90D735E0A}" v="1221" dt="2018-07-04T17:18:54.749"/>
+  </p1510:revLst>
+</p1510:revInfo>
+</file>
+
+<file path=ppt/changesInfos/changesInfo1.xml><?xml version="1.0" encoding="utf-8"?>
+<pc:chgInfo xmlns:a="http://schemas.openxmlformats.org/drawingml/2006/main" xmlns:r="http://schemas.openxmlformats.org/officeDocument/2006/relationships" xmlns:ac="http://schemas.microsoft.com/office/drawing/2013/main/command" xmlns:pc="http://schemas.microsoft.com/office/powerpoint/2013/main/command">
+  <pc:docChgLst>
+    <pc:chgData name="Hani Ramadhan" userId="ec6b8f99054495dc" providerId="LiveId" clId="{F13D8770-9339-442A-9DEE-8CE90D735E0A}"/>
+    <pc:docChg chg="undo custSel addSld delSld modSld">
+      <pc:chgData name="Hani Ramadhan" userId="ec6b8f99054495dc" providerId="LiveId" clId="{F13D8770-9339-442A-9DEE-8CE90D735E0A}" dt="2018-07-04T17:18:54.749" v="1219" actId="1076"/>
+      <pc:docMkLst>
+        <pc:docMk/>
+      </pc:docMkLst>
+      <pc:sldChg chg="addSp modSp">
+        <pc:chgData name="Hani Ramadhan" userId="ec6b8f99054495dc" providerId="LiveId" clId="{F13D8770-9339-442A-9DEE-8CE90D735E0A}" dt="2018-07-04T16:34:08.435" v="91" actId="403"/>
+        <pc:sldMkLst>
+          <pc:docMk/>
+          <pc:sldMk cId="1535929547" sldId="260"/>
+        </pc:sldMkLst>
+        <pc:spChg chg="mod">
+          <ac:chgData name="Hani Ramadhan" userId="ec6b8f99054495dc" providerId="LiveId" clId="{F13D8770-9339-442A-9DEE-8CE90D735E0A}" dt="2018-07-04T16:32:22.112" v="65" actId="27636"/>
+          <ac:spMkLst>
+            <pc:docMk/>
+            <pc:sldMk cId="1535929547" sldId="260"/>
+            <ac:spMk id="3" creationId="{9E39C801-42A7-44E1-A9C9-B464F6770615}"/>
+          </ac:spMkLst>
+        </pc:spChg>
+        <pc:spChg chg="add mod">
+          <ac:chgData name="Hani Ramadhan" userId="ec6b8f99054495dc" providerId="LiveId" clId="{F13D8770-9339-442A-9DEE-8CE90D735E0A}" dt="2018-07-04T16:33:28.559" v="79" actId="13822"/>
+          <ac:spMkLst>
+            <pc:docMk/>
+            <pc:sldMk cId="1535929547" sldId="260"/>
+            <ac:spMk id="4" creationId="{57457AA9-B70A-4631-B58A-387BE9FB7345}"/>
+          </ac:spMkLst>
+        </pc:spChg>
+        <pc:spChg chg="add mod">
+          <ac:chgData name="Hani Ramadhan" userId="ec6b8f99054495dc" providerId="LiveId" clId="{F13D8770-9339-442A-9DEE-8CE90D735E0A}" dt="2018-07-04T16:33:32.979" v="80" actId="13822"/>
+          <ac:spMkLst>
+            <pc:docMk/>
+            <pc:sldMk cId="1535929547" sldId="260"/>
+            <ac:spMk id="5" creationId="{06A9AA24-9584-436A-94A1-978E4660800B}"/>
+          </ac:spMkLst>
+        </pc:spChg>
+        <pc:spChg chg="add mod">
+          <ac:chgData name="Hani Ramadhan" userId="ec6b8f99054495dc" providerId="LiveId" clId="{F13D8770-9339-442A-9DEE-8CE90D735E0A}" dt="2018-07-04T16:33:37.591" v="81" actId="13822"/>
+          <ac:spMkLst>
+            <pc:docMk/>
+            <pc:sldMk cId="1535929547" sldId="260"/>
+            <ac:spMk id="6" creationId="{2C448396-C6B4-4C12-8B20-EEDD1018F6BD}"/>
+          </ac:spMkLst>
+        </pc:spChg>
+        <pc:spChg chg="add mod">
+          <ac:chgData name="Hani Ramadhan" userId="ec6b8f99054495dc" providerId="LiveId" clId="{F13D8770-9339-442A-9DEE-8CE90D735E0A}" dt="2018-07-04T16:34:08.435" v="91" actId="403"/>
+          <ac:spMkLst>
+            <pc:docMk/>
+            <pc:sldMk cId="1535929547" sldId="260"/>
+            <ac:spMk id="7" creationId="{7F50EF36-CA57-45EE-AEA2-117140FE67FC}"/>
+          </ac:spMkLst>
+        </pc:spChg>
+        <pc:cxnChg chg="add mod">
+          <ac:chgData name="Hani Ramadhan" userId="ec6b8f99054495dc" providerId="LiveId" clId="{F13D8770-9339-442A-9DEE-8CE90D735E0A}" dt="2018-07-04T16:33:54.958" v="83" actId="208"/>
+          <ac:cxnSpMkLst>
+            <pc:docMk/>
+            <pc:sldMk cId="1535929547" sldId="260"/>
+            <ac:cxnSpMk id="9" creationId="{13B665A3-B2B0-48DC-B78A-449EB0FA3FC7}"/>
+          </ac:cxnSpMkLst>
+        </pc:cxnChg>
+        <pc:cxnChg chg="add mod">
+          <ac:chgData name="Hani Ramadhan" userId="ec6b8f99054495dc" providerId="LiveId" clId="{F13D8770-9339-442A-9DEE-8CE90D735E0A}" dt="2018-07-04T16:33:54.958" v="83" actId="208"/>
+          <ac:cxnSpMkLst>
+            <pc:docMk/>
+            <pc:sldMk cId="1535929547" sldId="260"/>
+            <ac:cxnSpMk id="11" creationId="{EFCE908B-3BB1-4DA2-92C9-E99D57E680A4}"/>
+          </ac:cxnSpMkLst>
+        </pc:cxnChg>
+        <pc:cxnChg chg="add mod">
+          <ac:chgData name="Hani Ramadhan" userId="ec6b8f99054495dc" providerId="LiveId" clId="{F13D8770-9339-442A-9DEE-8CE90D735E0A}" dt="2018-07-04T16:33:54.958" v="83" actId="208"/>
+          <ac:cxnSpMkLst>
+            <pc:docMk/>
+            <pc:sldMk cId="1535929547" sldId="260"/>
+            <ac:cxnSpMk id="14" creationId="{087586B9-20DE-4DE7-8C94-5371EC3B055D}"/>
+          </ac:cxnSpMkLst>
+        </pc:cxnChg>
+      </pc:sldChg>
+      <pc:sldChg chg="addSp delSp modSp">
+        <pc:chgData name="Hani Ramadhan" userId="ec6b8f99054495dc" providerId="LiveId" clId="{F13D8770-9339-442A-9DEE-8CE90D735E0A}" dt="2018-07-04T17:07:32.487" v="922"/>
+        <pc:sldMkLst>
+          <pc:docMk/>
+          <pc:sldMk cId="1121772583" sldId="261"/>
+        </pc:sldMkLst>
+        <pc:spChg chg="mod">
+          <ac:chgData name="Hani Ramadhan" userId="ec6b8f99054495dc" providerId="LiveId" clId="{F13D8770-9339-442A-9DEE-8CE90D735E0A}" dt="2018-07-04T17:05:20.307" v="852" actId="27636"/>
+          <ac:spMkLst>
+            <pc:docMk/>
+            <pc:sldMk cId="1121772583" sldId="261"/>
+            <ac:spMk id="3" creationId="{CF3A5276-A149-42FA-BE7E-90C801BDBD70}"/>
+          </ac:spMkLst>
+        </pc:spChg>
+        <pc:spChg chg="add mod">
+          <ac:chgData name="Hani Ramadhan" userId="ec6b8f99054495dc" providerId="LiveId" clId="{F13D8770-9339-442A-9DEE-8CE90D735E0A}" dt="2018-07-04T17:05:31.518" v="854" actId="2085"/>
+          <ac:spMkLst>
+            <pc:docMk/>
+            <pc:sldMk cId="1121772583" sldId="261"/>
+            <ac:spMk id="4" creationId="{2E7960A5-393E-4871-8F14-3B8C78AF1198}"/>
+          </ac:spMkLst>
+        </pc:spChg>
+        <pc:spChg chg="add mod">
+          <ac:chgData name="Hani Ramadhan" userId="ec6b8f99054495dc" providerId="LiveId" clId="{F13D8770-9339-442A-9DEE-8CE90D735E0A}" dt="2018-07-04T17:05:31.518" v="854" actId="2085"/>
+          <ac:spMkLst>
+            <pc:docMk/>
+            <pc:sldMk cId="1121772583" sldId="261"/>
+            <ac:spMk id="9" creationId="{7A41C1A4-6536-49BB-90FC-EB84A0DD4049}"/>
+          </ac:spMkLst>
+        </pc:spChg>
+        <pc:spChg chg="add del mod">
+          <ac:chgData name="Hani Ramadhan" userId="ec6b8f99054495dc" providerId="LiveId" clId="{F13D8770-9339-442A-9DEE-8CE90D735E0A}" dt="2018-07-04T17:07:31.991" v="921" actId="478"/>
+          <ac:spMkLst>
+            <pc:docMk/>
+            <pc:sldMk cId="1121772583" sldId="261"/>
+            <ac:spMk id="10" creationId="{D787B1D6-E8C1-408F-B3F9-015685B397E2}"/>
+          </ac:spMkLst>
+        </pc:spChg>
+        <pc:spChg chg="add mod ord">
+          <ac:chgData name="Hani Ramadhan" userId="ec6b8f99054495dc" providerId="LiveId" clId="{F13D8770-9339-442A-9DEE-8CE90D735E0A}" dt="2018-07-04T17:05:31.518" v="854" actId="2085"/>
+          <ac:spMkLst>
+            <pc:docMk/>
+            <pc:sldMk cId="1121772583" sldId="261"/>
+            <ac:spMk id="11" creationId="{E2582210-5A39-45CB-B824-2DE4129AF0AD}"/>
+          </ac:spMkLst>
+        </pc:spChg>
+        <pc:spChg chg="add mod ord">
+          <ac:chgData name="Hani Ramadhan" userId="ec6b8f99054495dc" providerId="LiveId" clId="{F13D8770-9339-442A-9DEE-8CE90D735E0A}" dt="2018-07-04T17:05:31.518" v="854" actId="2085"/>
+          <ac:spMkLst>
+            <pc:docMk/>
+            <pc:sldMk cId="1121772583" sldId="261"/>
+            <ac:spMk id="12" creationId="{44711850-C664-4ED8-800E-BAD3E2FFE6CB}"/>
+          </ac:spMkLst>
+        </pc:spChg>
+        <pc:spChg chg="add">
+          <ac:chgData name="Hani Ramadhan" userId="ec6b8f99054495dc" providerId="LiveId" clId="{F13D8770-9339-442A-9DEE-8CE90D735E0A}" dt="2018-07-04T17:07:32.487" v="922"/>
+          <ac:spMkLst>
+            <pc:docMk/>
+            <pc:sldMk cId="1121772583" sldId="261"/>
+            <ac:spMk id="14" creationId="{14490864-C169-4D8C-8AD3-89081F92FB45}"/>
+          </ac:spMkLst>
+        </pc:spChg>
+        <pc:picChg chg="add del mod">
+          <ac:chgData name="Hani Ramadhan" userId="ec6b8f99054495dc" providerId="LiveId" clId="{F13D8770-9339-442A-9DEE-8CE90D735E0A}" dt="2018-07-04T17:07:31.991" v="921" actId="478"/>
+          <ac:picMkLst>
+            <pc:docMk/>
+            <pc:sldMk cId="1121772583" sldId="261"/>
+            <ac:picMk id="6" creationId="{1139E856-FF65-4010-A771-E1A5083E6A6A}"/>
+          </ac:picMkLst>
+        </pc:picChg>
+        <pc:picChg chg="add mod">
+          <ac:chgData name="Hani Ramadhan" userId="ec6b8f99054495dc" providerId="LiveId" clId="{F13D8770-9339-442A-9DEE-8CE90D735E0A}" dt="2018-07-04T17:05:31.518" v="854" actId="2085"/>
+          <ac:picMkLst>
+            <pc:docMk/>
+            <pc:sldMk cId="1121772583" sldId="261"/>
+            <ac:picMk id="8" creationId="{2277B0C9-DEC5-4CEA-9A53-1AF06B1FF21E}"/>
+          </ac:picMkLst>
+        </pc:picChg>
+        <pc:picChg chg="add">
+          <ac:chgData name="Hani Ramadhan" userId="ec6b8f99054495dc" providerId="LiveId" clId="{F13D8770-9339-442A-9DEE-8CE90D735E0A}" dt="2018-07-04T17:07:32.487" v="922"/>
+          <ac:picMkLst>
+            <pc:docMk/>
+            <pc:sldMk cId="1121772583" sldId="261"/>
+            <ac:picMk id="13" creationId="{D50411F7-812B-47E7-A244-C08ADAFE9BE8}"/>
+          </ac:picMkLst>
+        </pc:picChg>
+      </pc:sldChg>
+      <pc:sldChg chg="addSp modSp">
+        <pc:chgData name="Hani Ramadhan" userId="ec6b8f99054495dc" providerId="LiveId" clId="{F13D8770-9339-442A-9DEE-8CE90D735E0A}" dt="2018-07-04T17:16:12.580" v="1186" actId="207"/>
+        <pc:sldMkLst>
+          <pc:docMk/>
+          <pc:sldMk cId="2202440231" sldId="265"/>
+        </pc:sldMkLst>
+        <pc:spChg chg="mod">
+          <ac:chgData name="Hani Ramadhan" userId="ec6b8f99054495dc" providerId="LiveId" clId="{F13D8770-9339-442A-9DEE-8CE90D735E0A}" dt="2018-07-04T17:15:40.431" v="1177" actId="2085"/>
+          <ac:spMkLst>
+            <pc:docMk/>
+            <pc:sldMk cId="2202440231" sldId="265"/>
+            <ac:spMk id="4" creationId="{75FFA2F6-E461-4E63-AA54-1B7B1C8F81AF}"/>
+          </ac:spMkLst>
+        </pc:spChg>
+        <pc:spChg chg="mod">
+          <ac:chgData name="Hani Ramadhan" userId="ec6b8f99054495dc" providerId="LiveId" clId="{F13D8770-9339-442A-9DEE-8CE90D735E0A}" dt="2018-07-04T17:14:24.859" v="1161" actId="693"/>
+          <ac:spMkLst>
+            <pc:docMk/>
+            <pc:sldMk cId="2202440231" sldId="265"/>
+            <ac:spMk id="5" creationId="{82CAE6DD-3A48-4137-846C-42DD5A03E76F}"/>
+          </ac:spMkLst>
+        </pc:spChg>
+        <pc:spChg chg="mod">
+          <ac:chgData name="Hani Ramadhan" userId="ec6b8f99054495dc" providerId="LiveId" clId="{F13D8770-9339-442A-9DEE-8CE90D735E0A}" dt="2018-07-04T17:14:11.536" v="1158" actId="1582"/>
+          <ac:spMkLst>
+            <pc:docMk/>
+            <pc:sldMk cId="2202440231" sldId="265"/>
+            <ac:spMk id="7" creationId="{38FBBED4-D0ED-433B-A048-3DC201602FE2}"/>
+          </ac:spMkLst>
+        </pc:spChg>
+        <pc:spChg chg="mod">
+          <ac:chgData name="Hani Ramadhan" userId="ec6b8f99054495dc" providerId="LiveId" clId="{F13D8770-9339-442A-9DEE-8CE90D735E0A}" dt="2018-07-04T17:16:06.857" v="1184" actId="14100"/>
+          <ac:spMkLst>
+            <pc:docMk/>
+            <pc:sldMk cId="2202440231" sldId="265"/>
+            <ac:spMk id="12" creationId="{6696CC56-768D-4DAC-993F-3D110198BC57}"/>
+          </ac:spMkLst>
+        </pc:spChg>
+        <pc:picChg chg="add mod">
+          <ac:chgData name="Hani Ramadhan" userId="ec6b8f99054495dc" providerId="LiveId" clId="{F13D8770-9339-442A-9DEE-8CE90D735E0A}" dt="2018-07-04T17:14:34.092" v="1162" actId="207"/>
+          <ac:picMkLst>
+            <pc:docMk/>
+            <pc:sldMk cId="2202440231" sldId="265"/>
+            <ac:picMk id="6" creationId="{4BE3360A-AD23-454A-950B-643799C5F7F9}"/>
+          </ac:picMkLst>
+        </pc:picChg>
+        <pc:picChg chg="add mod">
+          <ac:chgData name="Hani Ramadhan" userId="ec6b8f99054495dc" providerId="LiveId" clId="{F13D8770-9339-442A-9DEE-8CE90D735E0A}" dt="2018-07-04T17:14:34.092" v="1162" actId="207"/>
+          <ac:picMkLst>
+            <pc:docMk/>
+            <pc:sldMk cId="2202440231" sldId="265"/>
+            <ac:picMk id="9" creationId="{902588FF-231D-4EC0-AE64-CDCDB74C6D3C}"/>
+          </ac:picMkLst>
+        </pc:picChg>
+        <pc:picChg chg="add mod">
+          <ac:chgData name="Hani Ramadhan" userId="ec6b8f99054495dc" providerId="LiveId" clId="{F13D8770-9339-442A-9DEE-8CE90D735E0A}" dt="2018-07-04T17:14:48.495" v="1166" actId="1076"/>
+          <ac:picMkLst>
+            <pc:docMk/>
+            <pc:sldMk cId="2202440231" sldId="265"/>
+            <ac:picMk id="14" creationId="{5A9A04CA-EF0E-48CF-B582-C61A88BB72CA}"/>
+          </ac:picMkLst>
+        </pc:picChg>
+        <pc:picChg chg="add mod">
+          <ac:chgData name="Hani Ramadhan" userId="ec6b8f99054495dc" providerId="LiveId" clId="{F13D8770-9339-442A-9DEE-8CE90D735E0A}" dt="2018-07-04T17:16:12.580" v="1186" actId="207"/>
+          <ac:picMkLst>
+            <pc:docMk/>
+            <pc:sldMk cId="2202440231" sldId="265"/>
+            <ac:picMk id="16" creationId="{2EA0FC2D-FE61-4CFE-B1AB-1D6F2B085924}"/>
+          </ac:picMkLst>
+        </pc:picChg>
+        <pc:picChg chg="add mod">
+          <ac:chgData name="Hani Ramadhan" userId="ec6b8f99054495dc" providerId="LiveId" clId="{F13D8770-9339-442A-9DEE-8CE90D735E0A}" dt="2018-07-04T17:14:34.092" v="1162" actId="207"/>
+          <ac:picMkLst>
+            <pc:docMk/>
+            <pc:sldMk cId="2202440231" sldId="265"/>
+            <ac:picMk id="19" creationId="{CC1BCA33-783E-4F3A-9BFD-6DDF33FAA08B}"/>
+          </ac:picMkLst>
+        </pc:picChg>
+        <pc:picChg chg="add mod">
+          <ac:chgData name="Hani Ramadhan" userId="ec6b8f99054495dc" providerId="LiveId" clId="{F13D8770-9339-442A-9DEE-8CE90D735E0A}" dt="2018-07-04T17:15:01.989" v="1169" actId="207"/>
+          <ac:picMkLst>
+            <pc:docMk/>
+            <pc:sldMk cId="2202440231" sldId="265"/>
+            <ac:picMk id="20" creationId="{CD668B4A-BD9B-46E7-827A-F64A4298B938}"/>
+          </ac:picMkLst>
+        </pc:picChg>
+      </pc:sldChg>
+      <pc:sldChg chg="addSp delSp modSp add">
+        <pc:chgData name="Hani Ramadhan" userId="ec6b8f99054495dc" providerId="LiveId" clId="{F13D8770-9339-442A-9DEE-8CE90D735E0A}" dt="2018-07-04T16:52:50.471" v="305" actId="208"/>
+        <pc:sldMkLst>
+          <pc:docMk/>
+          <pc:sldMk cId="2798116177" sldId="270"/>
+        </pc:sldMkLst>
+        <pc:spChg chg="del mod">
+          <ac:chgData name="Hani Ramadhan" userId="ec6b8f99054495dc" providerId="LiveId" clId="{F13D8770-9339-442A-9DEE-8CE90D735E0A}" dt="2018-07-04T16:35:22.487" v="95" actId="478"/>
+          <ac:spMkLst>
+            <pc:docMk/>
+            <pc:sldMk cId="2798116177" sldId="270"/>
+            <ac:spMk id="3" creationId="{9E39C801-42A7-44E1-A9C9-B464F6770615}"/>
+          </ac:spMkLst>
+        </pc:spChg>
+        <pc:spChg chg="add del mod">
+          <ac:chgData name="Hani Ramadhan" userId="ec6b8f99054495dc" providerId="LiveId" clId="{F13D8770-9339-442A-9DEE-8CE90D735E0A}" dt="2018-07-04T16:50:56.231" v="208" actId="478"/>
+          <ac:spMkLst>
+            <pc:docMk/>
+            <pc:sldMk cId="2798116177" sldId="270"/>
+            <ac:spMk id="5" creationId="{16DBEC0D-7E05-4256-AB7B-DF89FF0EF045}"/>
+          </ac:spMkLst>
+        </pc:spChg>
+        <pc:spChg chg="add mod">
+          <ac:chgData name="Hani Ramadhan" userId="ec6b8f99054495dc" providerId="LiveId" clId="{F13D8770-9339-442A-9DEE-8CE90D735E0A}" dt="2018-07-04T16:36:20.838" v="106" actId="1076"/>
+          <ac:spMkLst>
+            <pc:docMk/>
+            <pc:sldMk cId="2798116177" sldId="270"/>
+            <ac:spMk id="6" creationId="{700CE686-AE63-4F4F-9841-D1615FF5491B}"/>
+          </ac:spMkLst>
+        </pc:spChg>
+        <pc:spChg chg="add del mod">
+          <ac:chgData name="Hani Ramadhan" userId="ec6b8f99054495dc" providerId="LiveId" clId="{F13D8770-9339-442A-9DEE-8CE90D735E0A}" dt="2018-07-04T16:35:42.084" v="99" actId="478"/>
+          <ac:spMkLst>
+            <pc:docMk/>
+            <pc:sldMk cId="2798116177" sldId="270"/>
+            <ac:spMk id="7" creationId="{02C65DA9-3B47-4211-A1A4-00229382CE89}"/>
+          </ac:spMkLst>
+        </pc:spChg>
+        <pc:spChg chg="add del mod">
+          <ac:chgData name="Hani Ramadhan" userId="ec6b8f99054495dc" providerId="LiveId" clId="{F13D8770-9339-442A-9DEE-8CE90D735E0A}" dt="2018-07-04T16:35:42.084" v="99" actId="478"/>
+          <ac:spMkLst>
+            <pc:docMk/>
+            <pc:sldMk cId="2798116177" sldId="270"/>
+            <ac:spMk id="8" creationId="{AAFB58BD-F474-44F8-85F5-9AE18034DBFC}"/>
+          </ac:spMkLst>
+        </pc:spChg>
+        <pc:spChg chg="add mod">
+          <ac:chgData name="Hani Ramadhan" userId="ec6b8f99054495dc" providerId="LiveId" clId="{F13D8770-9339-442A-9DEE-8CE90D735E0A}" dt="2018-07-04T16:36:20.838" v="106" actId="1076"/>
+          <ac:spMkLst>
+            <pc:docMk/>
+            <pc:sldMk cId="2798116177" sldId="270"/>
+            <ac:spMk id="9" creationId="{8E08B3A2-BBC7-4910-869A-4A9E2B6F2C19}"/>
+          </ac:spMkLst>
+        </pc:spChg>
+        <pc:spChg chg="add mod">
+          <ac:chgData name="Hani Ramadhan" userId="ec6b8f99054495dc" providerId="LiveId" clId="{F13D8770-9339-442A-9DEE-8CE90D735E0A}" dt="2018-07-04T16:51:34.728" v="221" actId="1076"/>
+          <ac:spMkLst>
+            <pc:docMk/>
+            <pc:sldMk cId="2798116177" sldId="270"/>
+            <ac:spMk id="17" creationId="{8C6C3EF9-9078-4681-B60A-B6154278B6F2}"/>
+          </ac:spMkLst>
+        </pc:spChg>
+        <pc:spChg chg="add mod ord">
+          <ac:chgData name="Hani Ramadhan" userId="ec6b8f99054495dc" providerId="LiveId" clId="{F13D8770-9339-442A-9DEE-8CE90D735E0A}" dt="2018-07-04T16:52:19.202" v="229" actId="208"/>
+          <ac:spMkLst>
+            <pc:docMk/>
+            <pc:sldMk cId="2798116177" sldId="270"/>
+            <ac:spMk id="18" creationId="{435F74A4-AC60-433B-9FD7-F667F37D6E3A}"/>
+          </ac:spMkLst>
+        </pc:spChg>
+        <pc:spChg chg="add mod">
+          <ac:chgData name="Hani Ramadhan" userId="ec6b8f99054495dc" providerId="LiveId" clId="{F13D8770-9339-442A-9DEE-8CE90D735E0A}" dt="2018-07-04T16:51:39.713" v="222" actId="1076"/>
+          <ac:spMkLst>
+            <pc:docMk/>
+            <pc:sldMk cId="2798116177" sldId="270"/>
+            <ac:spMk id="19" creationId="{13EB272F-E7CA-425F-8F12-F58D54DE55BD}"/>
+          </ac:spMkLst>
+        </pc:spChg>
+        <pc:spChg chg="add mod">
+          <ac:chgData name="Hani Ramadhan" userId="ec6b8f99054495dc" providerId="LiveId" clId="{F13D8770-9339-442A-9DEE-8CE90D735E0A}" dt="2018-07-04T16:52:13.405" v="228" actId="2085"/>
+          <ac:spMkLst>
+            <pc:docMk/>
+            <pc:sldMk cId="2798116177" sldId="270"/>
+            <ac:spMk id="20" creationId="{FF7F6578-9BD1-441B-AF44-4B673AAD663D}"/>
+          </ac:spMkLst>
+        </pc:spChg>
+        <pc:spChg chg="add mod">
+          <ac:chgData name="Hani Ramadhan" userId="ec6b8f99054495dc" providerId="LiveId" clId="{F13D8770-9339-442A-9DEE-8CE90D735E0A}" dt="2018-07-04T16:52:50.471" v="305" actId="208"/>
+          <ac:spMkLst>
+            <pc:docMk/>
+            <pc:sldMk cId="2798116177" sldId="270"/>
+            <ac:spMk id="21" creationId="{2DEB9D86-02EA-419A-A4A9-FCE8099F02AC}"/>
+          </ac:spMkLst>
+        </pc:spChg>
+        <pc:cxnChg chg="add mod">
+          <ac:chgData name="Hani Ramadhan" userId="ec6b8f99054495dc" providerId="LiveId" clId="{F13D8770-9339-442A-9DEE-8CE90D735E0A}" dt="2018-07-04T16:36:20.838" v="106" actId="1076"/>
+          <ac:cxnSpMkLst>
+            <pc:docMk/>
+            <pc:sldMk cId="2798116177" sldId="270"/>
+            <ac:cxnSpMk id="10" creationId="{1B30A204-F859-4892-9A14-227CC6426BE8}"/>
+          </ac:cxnSpMkLst>
+        </pc:cxnChg>
+        <pc:cxnChg chg="add del mod">
+          <ac:chgData name="Hani Ramadhan" userId="ec6b8f99054495dc" providerId="LiveId" clId="{F13D8770-9339-442A-9DEE-8CE90D735E0A}" dt="2018-07-04T16:35:46.624" v="101" actId="478"/>
+          <ac:cxnSpMkLst>
+            <pc:docMk/>
+            <pc:sldMk cId="2798116177" sldId="270"/>
+            <ac:cxnSpMk id="11" creationId="{E7BC78EE-9344-41A9-8976-2C18DBB2BB3D}"/>
+          </ac:cxnSpMkLst>
+        </pc:cxnChg>
+        <pc:cxnChg chg="add del mod">
+          <ac:chgData name="Hani Ramadhan" userId="ec6b8f99054495dc" providerId="LiveId" clId="{F13D8770-9339-442A-9DEE-8CE90D735E0A}" dt="2018-07-04T16:35:46.624" v="101" actId="478"/>
+          <ac:cxnSpMkLst>
+            <pc:docMk/>
+            <pc:sldMk cId="2798116177" sldId="270"/>
+            <ac:cxnSpMk id="12" creationId="{2FB41D34-4832-43BE-ADDF-61611525BF1B}"/>
+          </ac:cxnSpMkLst>
+        </pc:cxnChg>
+      </pc:sldChg>
+      <pc:sldChg chg="add del">
+        <pc:chgData name="Hani Ramadhan" userId="ec6b8f99054495dc" providerId="LiveId" clId="{F13D8770-9339-442A-9DEE-8CE90D735E0A}" dt="2018-07-04T16:57:59.970" v="771" actId="2696"/>
+        <pc:sldMkLst>
+          <pc:docMk/>
+          <pc:sldMk cId="1184269776" sldId="271"/>
+        </pc:sldMkLst>
+      </pc:sldChg>
+      <pc:sldChg chg="modSp add">
+        <pc:chgData name="Hani Ramadhan" userId="ec6b8f99054495dc" providerId="LiveId" clId="{F13D8770-9339-442A-9DEE-8CE90D735E0A}" dt="2018-07-04T16:54:49.091" v="511" actId="20577"/>
+        <pc:sldMkLst>
+          <pc:docMk/>
+          <pc:sldMk cId="3137534204" sldId="272"/>
+        </pc:sldMkLst>
+        <pc:spChg chg="mod">
+          <ac:chgData name="Hani Ramadhan" userId="ec6b8f99054495dc" providerId="LiveId" clId="{F13D8770-9339-442A-9DEE-8CE90D735E0A}" dt="2018-07-04T16:53:20.505" v="336" actId="208"/>
+          <ac:spMkLst>
+            <pc:docMk/>
+            <pc:sldMk cId="3137534204" sldId="272"/>
+            <ac:spMk id="6" creationId="{700CE686-AE63-4F4F-9841-D1615FF5491B}"/>
+          </ac:spMkLst>
+        </pc:spChg>
+        <pc:spChg chg="mod">
+          <ac:chgData name="Hani Ramadhan" userId="ec6b8f99054495dc" providerId="LiveId" clId="{F13D8770-9339-442A-9DEE-8CE90D735E0A}" dt="2018-07-04T16:54:04.609" v="379" actId="207"/>
+          <ac:spMkLst>
+            <pc:docMk/>
+            <pc:sldMk cId="3137534204" sldId="272"/>
+            <ac:spMk id="17" creationId="{8C6C3EF9-9078-4681-B60A-B6154278B6F2}"/>
+          </ac:spMkLst>
+        </pc:spChg>
+        <pc:spChg chg="mod">
+          <ac:chgData name="Hani Ramadhan" userId="ec6b8f99054495dc" providerId="LiveId" clId="{F13D8770-9339-442A-9DEE-8CE90D735E0A}" dt="2018-07-04T16:54:29.405" v="438" actId="20577"/>
+          <ac:spMkLst>
+            <pc:docMk/>
+            <pc:sldMk cId="3137534204" sldId="272"/>
+            <ac:spMk id="18" creationId="{435F74A4-AC60-433B-9FD7-F667F37D6E3A}"/>
+          </ac:spMkLst>
+        </pc:spChg>
+        <pc:spChg chg="mod">
+          <ac:chgData name="Hani Ramadhan" userId="ec6b8f99054495dc" providerId="LiveId" clId="{F13D8770-9339-442A-9DEE-8CE90D735E0A}" dt="2018-07-04T16:54:10.472" v="380" actId="1076"/>
+          <ac:spMkLst>
+            <pc:docMk/>
+            <pc:sldMk cId="3137534204" sldId="272"/>
+            <ac:spMk id="19" creationId="{13EB272F-E7CA-425F-8F12-F58D54DE55BD}"/>
+          </ac:spMkLst>
+        </pc:spChg>
+        <pc:spChg chg="mod">
+          <ac:chgData name="Hani Ramadhan" userId="ec6b8f99054495dc" providerId="LiveId" clId="{F13D8770-9339-442A-9DEE-8CE90D735E0A}" dt="2018-07-04T16:54:49.091" v="511" actId="20577"/>
+          <ac:spMkLst>
+            <pc:docMk/>
+            <pc:sldMk cId="3137534204" sldId="272"/>
+            <ac:spMk id="21" creationId="{2DEB9D86-02EA-419A-A4A9-FCE8099F02AC}"/>
+          </ac:spMkLst>
+        </pc:spChg>
+        <pc:cxnChg chg="mod">
+          <ac:chgData name="Hani Ramadhan" userId="ec6b8f99054495dc" providerId="LiveId" clId="{F13D8770-9339-442A-9DEE-8CE90D735E0A}" dt="2018-07-04T16:53:14.234" v="335" actId="14100"/>
+          <ac:cxnSpMkLst>
+            <pc:docMk/>
+            <pc:sldMk cId="3137534204" sldId="272"/>
+            <ac:cxnSpMk id="10" creationId="{1B30A204-F859-4892-9A14-227CC6426BE8}"/>
+          </ac:cxnSpMkLst>
+        </pc:cxnChg>
+      </pc:sldChg>
+      <pc:sldChg chg="delSp modSp add">
+        <pc:chgData name="Hani Ramadhan" userId="ec6b8f99054495dc" providerId="LiveId" clId="{F13D8770-9339-442A-9DEE-8CE90D735E0A}" dt="2018-07-04T16:57:46.267" v="770" actId="20577"/>
+        <pc:sldMkLst>
+          <pc:docMk/>
+          <pc:sldMk cId="482864300" sldId="273"/>
+        </pc:sldMkLst>
+        <pc:spChg chg="mod">
+          <ac:chgData name="Hani Ramadhan" userId="ec6b8f99054495dc" providerId="LiveId" clId="{F13D8770-9339-442A-9DEE-8CE90D735E0A}" dt="2018-07-04T16:55:09.615" v="523" actId="20577"/>
+          <ac:spMkLst>
+            <pc:docMk/>
+            <pc:sldMk cId="482864300" sldId="273"/>
+            <ac:spMk id="6" creationId="{700CE686-AE63-4F4F-9841-D1615FF5491B}"/>
+          </ac:spMkLst>
+        </pc:spChg>
+        <pc:spChg chg="mod">
+          <ac:chgData name="Hani Ramadhan" userId="ec6b8f99054495dc" providerId="LiveId" clId="{F13D8770-9339-442A-9DEE-8CE90D735E0A}" dt="2018-07-04T16:55:31.068" v="533" actId="20577"/>
+          <ac:spMkLst>
+            <pc:docMk/>
+            <pc:sldMk cId="482864300" sldId="273"/>
+            <ac:spMk id="17" creationId="{8C6C3EF9-9078-4681-B60A-B6154278B6F2}"/>
+          </ac:spMkLst>
+        </pc:spChg>
+        <pc:spChg chg="mod">
+          <ac:chgData name="Hani Ramadhan" userId="ec6b8f99054495dc" providerId="LiveId" clId="{F13D8770-9339-442A-9DEE-8CE90D735E0A}" dt="2018-07-04T16:56:58.024" v="644" actId="14100"/>
+          <ac:spMkLst>
+            <pc:docMk/>
+            <pc:sldMk cId="482864300" sldId="273"/>
+            <ac:spMk id="18" creationId="{435F74A4-AC60-433B-9FD7-F667F37D6E3A}"/>
+          </ac:spMkLst>
+        </pc:spChg>
+        <pc:spChg chg="del">
+          <ac:chgData name="Hani Ramadhan" userId="ec6b8f99054495dc" providerId="LiveId" clId="{F13D8770-9339-442A-9DEE-8CE90D735E0A}" dt="2018-07-04T16:55:34.939" v="534" actId="478"/>
+          <ac:spMkLst>
+            <pc:docMk/>
+            <pc:sldMk cId="482864300" sldId="273"/>
+            <ac:spMk id="19" creationId="{13EB272F-E7CA-425F-8F12-F58D54DE55BD}"/>
+          </ac:spMkLst>
+        </pc:spChg>
+        <pc:spChg chg="mod">
+          <ac:chgData name="Hani Ramadhan" userId="ec6b8f99054495dc" providerId="LiveId" clId="{F13D8770-9339-442A-9DEE-8CE90D735E0A}" dt="2018-07-04T16:57:12.627" v="646" actId="1076"/>
+          <ac:spMkLst>
+            <pc:docMk/>
+            <pc:sldMk cId="482864300" sldId="273"/>
+            <ac:spMk id="20" creationId="{FF7F6578-9BD1-441B-AF44-4B673AAD663D}"/>
+          </ac:spMkLst>
+        </pc:spChg>
+        <pc:spChg chg="mod">
+          <ac:chgData name="Hani Ramadhan" userId="ec6b8f99054495dc" providerId="LiveId" clId="{F13D8770-9339-442A-9DEE-8CE90D735E0A}" dt="2018-07-04T16:57:46.267" v="770" actId="20577"/>
+          <ac:spMkLst>
+            <pc:docMk/>
+            <pc:sldMk cId="482864300" sldId="273"/>
+            <ac:spMk id="21" creationId="{2DEB9D86-02EA-419A-A4A9-FCE8099F02AC}"/>
+          </ac:spMkLst>
+        </pc:spChg>
+      </pc:sldChg>
+      <pc:sldChg chg="addSp modSp add">
+        <pc:chgData name="Hani Ramadhan" userId="ec6b8f99054495dc" providerId="LiveId" clId="{F13D8770-9339-442A-9DEE-8CE90D735E0A}" dt="2018-07-04T17:18:54.749" v="1219" actId="1076"/>
+        <pc:sldMkLst>
+          <pc:docMk/>
+          <pc:sldMk cId="208449404" sldId="274"/>
+        </pc:sldMkLst>
+        <pc:spChg chg="mod">
+          <ac:chgData name="Hani Ramadhan" userId="ec6b8f99054495dc" providerId="LiveId" clId="{F13D8770-9339-442A-9DEE-8CE90D735E0A}" dt="2018-07-04T17:17:32.314" v="1199" actId="27636"/>
+          <ac:spMkLst>
+            <pc:docMk/>
+            <pc:sldMk cId="208449404" sldId="274"/>
+            <ac:spMk id="3" creationId="{CF3A5276-A149-42FA-BE7E-90C801BDBD70}"/>
+          </ac:spMkLst>
+        </pc:spChg>
+        <pc:spChg chg="add mod">
+          <ac:chgData name="Hani Ramadhan" userId="ec6b8f99054495dc" providerId="LiveId" clId="{F13D8770-9339-442A-9DEE-8CE90D735E0A}" dt="2018-07-04T17:18:54.749" v="1219" actId="1076"/>
+          <ac:spMkLst>
+            <pc:docMk/>
+            <pc:sldMk cId="208449404" sldId="274"/>
+            <ac:spMk id="6" creationId="{7B8D9821-9F4B-4DC9-B727-5CD58BDA8D32}"/>
+          </ac:spMkLst>
+        </pc:spChg>
+        <pc:picChg chg="add mod">
+          <ac:chgData name="Hani Ramadhan" userId="ec6b8f99054495dc" providerId="LiveId" clId="{F13D8770-9339-442A-9DEE-8CE90D735E0A}" dt="2018-07-04T17:18:54.749" v="1219" actId="1076"/>
+          <ac:picMkLst>
+            <pc:docMk/>
+            <pc:sldMk cId="208449404" sldId="274"/>
+            <ac:picMk id="5" creationId="{78AF6D89-FFA4-47E2-AEFF-803FD8B5D0CB}"/>
+          </ac:picMkLst>
+        </pc:picChg>
+        <pc:picChg chg="add mod">
+          <ac:chgData name="Hani Ramadhan" userId="ec6b8f99054495dc" providerId="LiveId" clId="{F13D8770-9339-442A-9DEE-8CE90D735E0A}" dt="2018-07-04T17:18:54.749" v="1219" actId="1076"/>
+          <ac:picMkLst>
+            <pc:docMk/>
+            <pc:sldMk cId="208449404" sldId="274"/>
+            <ac:picMk id="7" creationId="{D9BFD860-4334-4A1B-A334-AED770C77805}"/>
+          </ac:picMkLst>
+        </pc:picChg>
+      </pc:sldChg>
+      <pc:sldChg chg="delSp modSp add">
+        <pc:chgData name="Hani Ramadhan" userId="ec6b8f99054495dc" providerId="LiveId" clId="{F13D8770-9339-442A-9DEE-8CE90D735E0A}" dt="2018-07-04T17:07:26.308" v="920" actId="1076"/>
+        <pc:sldMkLst>
+          <pc:docMk/>
+          <pc:sldMk cId="4185466882" sldId="275"/>
+        </pc:sldMkLst>
+        <pc:spChg chg="ord">
+          <ac:chgData name="Hani Ramadhan" userId="ec6b8f99054495dc" providerId="LiveId" clId="{F13D8770-9339-442A-9DEE-8CE90D735E0A}" dt="2018-07-04T17:07:01.334" v="916" actId="167"/>
+          <ac:spMkLst>
+            <pc:docMk/>
+            <pc:sldMk cId="4185466882" sldId="275"/>
+            <ac:spMk id="3" creationId="{CF3A5276-A149-42FA-BE7E-90C801BDBD70}"/>
+          </ac:spMkLst>
+        </pc:spChg>
+        <pc:spChg chg="mod">
+          <ac:chgData name="Hani Ramadhan" userId="ec6b8f99054495dc" providerId="LiveId" clId="{F13D8770-9339-442A-9DEE-8CE90D735E0A}" dt="2018-07-04T17:06:50.993" v="915" actId="20577"/>
+          <ac:spMkLst>
+            <pc:docMk/>
+            <pc:sldMk cId="4185466882" sldId="275"/>
+            <ac:spMk id="9" creationId="{7A41C1A4-6536-49BB-90FC-EB84A0DD4049}"/>
+          </ac:spMkLst>
+        </pc:spChg>
+        <pc:spChg chg="mod">
+          <ac:chgData name="Hani Ramadhan" userId="ec6b8f99054495dc" providerId="LiveId" clId="{F13D8770-9339-442A-9DEE-8CE90D735E0A}" dt="2018-07-04T17:07:26.308" v="920" actId="1076"/>
+          <ac:spMkLst>
+            <pc:docMk/>
+            <pc:sldMk cId="4185466882" sldId="275"/>
+            <ac:spMk id="10" creationId="{D787B1D6-E8C1-408F-B3F9-015685B397E2}"/>
+          </ac:spMkLst>
+        </pc:spChg>
+        <pc:spChg chg="mod">
+          <ac:chgData name="Hani Ramadhan" userId="ec6b8f99054495dc" providerId="LiveId" clId="{F13D8770-9339-442A-9DEE-8CE90D735E0A}" dt="2018-07-04T17:07:12.935" v="918" actId="14100"/>
+          <ac:spMkLst>
+            <pc:docMk/>
+            <pc:sldMk cId="4185466882" sldId="275"/>
+            <ac:spMk id="11" creationId="{E2582210-5A39-45CB-B824-2DE4129AF0AD}"/>
+          </ac:spMkLst>
+        </pc:spChg>
+        <pc:spChg chg="mod">
+          <ac:chgData name="Hani Ramadhan" userId="ec6b8f99054495dc" providerId="LiveId" clId="{F13D8770-9339-442A-9DEE-8CE90D735E0A}" dt="2018-07-04T17:07:07.414" v="917" actId="14100"/>
+          <ac:spMkLst>
+            <pc:docMk/>
+            <pc:sldMk cId="4185466882" sldId="275"/>
+            <ac:spMk id="12" creationId="{44711850-C664-4ED8-800E-BAD3E2FFE6CB}"/>
+          </ac:spMkLst>
+        </pc:spChg>
+        <pc:picChg chg="mod">
+          <ac:chgData name="Hani Ramadhan" userId="ec6b8f99054495dc" providerId="LiveId" clId="{F13D8770-9339-442A-9DEE-8CE90D735E0A}" dt="2018-07-04T17:07:26.308" v="920" actId="1076"/>
+          <ac:picMkLst>
+            <pc:docMk/>
+            <pc:sldMk cId="4185466882" sldId="275"/>
+            <ac:picMk id="6" creationId="{1139E856-FF65-4010-A771-E1A5083E6A6A}"/>
+          </ac:picMkLst>
+        </pc:picChg>
+        <pc:picChg chg="del">
+          <ac:chgData name="Hani Ramadhan" userId="ec6b8f99054495dc" providerId="LiveId" clId="{F13D8770-9339-442A-9DEE-8CE90D735E0A}" dt="2018-07-04T17:05:56.216" v="856" actId="478"/>
+          <ac:picMkLst>
+            <pc:docMk/>
+            <pc:sldMk cId="4185466882" sldId="275"/>
+            <ac:picMk id="8" creationId="{2277B0C9-DEC5-4CEA-9A53-1AF06B1FF21E}"/>
+          </ac:picMkLst>
+        </pc:picChg>
+      </pc:sldChg>
+      <pc:sldChg chg="addSp delSp modSp add">
+        <pc:chgData name="Hani Ramadhan" userId="ec6b8f99054495dc" providerId="LiveId" clId="{F13D8770-9339-442A-9DEE-8CE90D735E0A}" dt="2018-07-04T17:11:33.127" v="1034" actId="1076"/>
+        <pc:sldMkLst>
+          <pc:docMk/>
+          <pc:sldMk cId="2391403789" sldId="276"/>
+        </pc:sldMkLst>
+        <pc:spChg chg="mod">
+          <ac:chgData name="Hani Ramadhan" userId="ec6b8f99054495dc" providerId="LiveId" clId="{F13D8770-9339-442A-9DEE-8CE90D735E0A}" dt="2018-07-04T17:11:33.127" v="1034" actId="1076"/>
+          <ac:spMkLst>
+            <pc:docMk/>
+            <pc:sldMk cId="2391403789" sldId="276"/>
+            <ac:spMk id="4" creationId="{2E7960A5-393E-4871-8F14-3B8C78AF1198}"/>
+          </ac:spMkLst>
+        </pc:spChg>
+        <pc:spChg chg="del">
+          <ac:chgData name="Hani Ramadhan" userId="ec6b8f99054495dc" providerId="LiveId" clId="{F13D8770-9339-442A-9DEE-8CE90D735E0A}" dt="2018-07-04T17:10:35.347" v="1026" actId="478"/>
+          <ac:spMkLst>
+            <pc:docMk/>
+            <pc:sldMk cId="2391403789" sldId="276"/>
+            <ac:spMk id="9" creationId="{7A41C1A4-6536-49BB-90FC-EB84A0DD4049}"/>
+          </ac:spMkLst>
+        </pc:spChg>
+        <pc:spChg chg="del">
+          <ac:chgData name="Hani Ramadhan" userId="ec6b8f99054495dc" providerId="LiveId" clId="{F13D8770-9339-442A-9DEE-8CE90D735E0A}" dt="2018-07-04T17:10:35.347" v="1026" actId="478"/>
+          <ac:spMkLst>
+            <pc:docMk/>
+            <pc:sldMk cId="2391403789" sldId="276"/>
+            <ac:spMk id="10" creationId="{D787B1D6-E8C1-408F-B3F9-015685B397E2}"/>
+          </ac:spMkLst>
+        </pc:spChg>
+        <pc:spChg chg="del">
+          <ac:chgData name="Hani Ramadhan" userId="ec6b8f99054495dc" providerId="LiveId" clId="{F13D8770-9339-442A-9DEE-8CE90D735E0A}" dt="2018-07-04T17:10:35.347" v="1026" actId="478"/>
+          <ac:spMkLst>
+            <pc:docMk/>
+            <pc:sldMk cId="2391403789" sldId="276"/>
+            <ac:spMk id="11" creationId="{E2582210-5A39-45CB-B824-2DE4129AF0AD}"/>
+          </ac:spMkLst>
+        </pc:spChg>
+        <pc:spChg chg="del">
+          <ac:chgData name="Hani Ramadhan" userId="ec6b8f99054495dc" providerId="LiveId" clId="{F13D8770-9339-442A-9DEE-8CE90D735E0A}" dt="2018-07-04T17:10:35.347" v="1026" actId="478"/>
+          <ac:spMkLst>
+            <pc:docMk/>
+            <pc:sldMk cId="2391403789" sldId="276"/>
+            <ac:spMk id="12" creationId="{44711850-C664-4ED8-800E-BAD3E2FFE6CB}"/>
+          </ac:spMkLst>
+        </pc:spChg>
+        <pc:spChg chg="add mod">
+          <ac:chgData name="Hani Ramadhan" userId="ec6b8f99054495dc" providerId="LiveId" clId="{F13D8770-9339-442A-9DEE-8CE90D735E0A}" dt="2018-07-04T17:11:33.127" v="1034" actId="1076"/>
+          <ac:spMkLst>
+            <pc:docMk/>
+            <pc:sldMk cId="2391403789" sldId="276"/>
+            <ac:spMk id="13" creationId="{D5B80DB3-EC6C-407B-BDD7-C7870DCD202A}"/>
+          </ac:spMkLst>
+        </pc:spChg>
+        <pc:picChg chg="del">
+          <ac:chgData name="Hani Ramadhan" userId="ec6b8f99054495dc" providerId="LiveId" clId="{F13D8770-9339-442A-9DEE-8CE90D735E0A}" dt="2018-07-04T17:10:35.347" v="1026" actId="478"/>
+          <ac:picMkLst>
+            <pc:docMk/>
+            <pc:sldMk cId="2391403789" sldId="276"/>
+            <ac:picMk id="6" creationId="{1139E856-FF65-4010-A771-E1A5083E6A6A}"/>
+          </ac:picMkLst>
+        </pc:picChg>
+        <pc:picChg chg="add mod">
+          <ac:chgData name="Hani Ramadhan" userId="ec6b8f99054495dc" providerId="LiveId" clId="{F13D8770-9339-442A-9DEE-8CE90D735E0A}" dt="2018-07-04T17:11:33.127" v="1034" actId="1076"/>
+          <ac:picMkLst>
+            <pc:docMk/>
+            <pc:sldMk cId="2391403789" sldId="276"/>
+            <ac:picMk id="7" creationId="{B4163B90-ED23-46DA-BC90-4BE4B48D01EF}"/>
+          </ac:picMkLst>
+        </pc:picChg>
+      </pc:sldChg>
+      <pc:sldChg chg="add del">
+        <pc:chgData name="Hani Ramadhan" userId="ec6b8f99054495dc" providerId="LiveId" clId="{F13D8770-9339-442A-9DEE-8CE90D735E0A}" dt="2018-07-04T17:11:51.201" v="1036" actId="2696"/>
+        <pc:sldMkLst>
+          <pc:docMk/>
+          <pc:sldMk cId="2435698366" sldId="277"/>
+        </pc:sldMkLst>
+      </pc:sldChg>
+    </pc:docChg>
+  </pc:docChgLst>
+</pc:chgInfo>
 </file>
 
 <file path=ppt/notesMasters/notesMaster1.xml><?xml version="1.0" encoding="utf-8"?>
@@ -205,7 +899,7 @@
           <a:p>
             <a:fld id="{B1B02333-3563-4F5D-B13D-ED9238BF91F0}" type="datetimeFigureOut">
               <a:rPr lang="fr-FR" smtClean="0"/>
-              <a:t>25/06/2018</a:t>
+              <a:t>05/07/2018</a:t>
             </a:fld>
             <a:endParaRPr lang="fr-FR"/>
           </a:p>
@@ -622,7 +1316,7 @@
           <a:p>
             <a:fld id="{7705D77F-5058-4D0C-B5EA-04525CAE876F}" type="datetimeFigureOut">
               <a:rPr lang="fr-FR" smtClean="0"/>
-              <a:t>25/06/2018</a:t>
+              <a:t>05/07/2018</a:t>
             </a:fld>
             <a:endParaRPr lang="fr-FR"/>
           </a:p>
@@ -822,7 +1516,7 @@
           <a:p>
             <a:fld id="{7705D77F-5058-4D0C-B5EA-04525CAE876F}" type="datetimeFigureOut">
               <a:rPr lang="fr-FR" smtClean="0"/>
-              <a:t>25/06/2018</a:t>
+              <a:t>05/07/2018</a:t>
             </a:fld>
             <a:endParaRPr lang="fr-FR"/>
           </a:p>
@@ -1032,7 +1726,7 @@
           <a:p>
             <a:fld id="{7705D77F-5058-4D0C-B5EA-04525CAE876F}" type="datetimeFigureOut">
               <a:rPr lang="fr-FR" smtClean="0"/>
-              <a:t>25/06/2018</a:t>
+              <a:t>05/07/2018</a:t>
             </a:fld>
             <a:endParaRPr lang="fr-FR"/>
           </a:p>
@@ -1232,7 +1926,7 @@
           <a:p>
             <a:fld id="{7705D77F-5058-4D0C-B5EA-04525CAE876F}" type="datetimeFigureOut">
               <a:rPr lang="fr-FR" smtClean="0"/>
-              <a:t>25/06/2018</a:t>
+              <a:t>05/07/2018</a:t>
             </a:fld>
             <a:endParaRPr lang="fr-FR"/>
           </a:p>
@@ -1508,7 +2202,7 @@
           <a:p>
             <a:fld id="{7705D77F-5058-4D0C-B5EA-04525CAE876F}" type="datetimeFigureOut">
               <a:rPr lang="fr-FR" smtClean="0"/>
-              <a:t>25/06/2018</a:t>
+              <a:t>05/07/2018</a:t>
             </a:fld>
             <a:endParaRPr lang="fr-FR"/>
           </a:p>
@@ -1776,7 +2470,7 @@
           <a:p>
             <a:fld id="{7705D77F-5058-4D0C-B5EA-04525CAE876F}" type="datetimeFigureOut">
               <a:rPr lang="fr-FR" smtClean="0"/>
-              <a:t>25/06/2018</a:t>
+              <a:t>05/07/2018</a:t>
             </a:fld>
             <a:endParaRPr lang="fr-FR"/>
           </a:p>
@@ -2191,7 +2885,7 @@
           <a:p>
             <a:fld id="{7705D77F-5058-4D0C-B5EA-04525CAE876F}" type="datetimeFigureOut">
               <a:rPr lang="fr-FR" smtClean="0"/>
-              <a:t>25/06/2018</a:t>
+              <a:t>05/07/2018</a:t>
             </a:fld>
             <a:endParaRPr lang="fr-FR"/>
           </a:p>
@@ -2333,7 +3027,7 @@
           <a:p>
             <a:fld id="{7705D77F-5058-4D0C-B5EA-04525CAE876F}" type="datetimeFigureOut">
               <a:rPr lang="fr-FR" smtClean="0"/>
-              <a:t>25/06/2018</a:t>
+              <a:t>05/07/2018</a:t>
             </a:fld>
             <a:endParaRPr lang="fr-FR"/>
           </a:p>
@@ -2446,7 +3140,7 @@
           <a:p>
             <a:fld id="{7705D77F-5058-4D0C-B5EA-04525CAE876F}" type="datetimeFigureOut">
               <a:rPr lang="fr-FR" smtClean="0"/>
-              <a:t>25/06/2018</a:t>
+              <a:t>05/07/2018</a:t>
             </a:fld>
             <a:endParaRPr lang="fr-FR"/>
           </a:p>
@@ -2759,7 +3453,7 @@
           <a:p>
             <a:fld id="{7705D77F-5058-4D0C-B5EA-04525CAE876F}" type="datetimeFigureOut">
               <a:rPr lang="fr-FR" smtClean="0"/>
-              <a:t>25/06/2018</a:t>
+              <a:t>05/07/2018</a:t>
             </a:fld>
             <a:endParaRPr lang="fr-FR"/>
           </a:p>
@@ -3048,7 +3742,7 @@
           <a:p>
             <a:fld id="{7705D77F-5058-4D0C-B5EA-04525CAE876F}" type="datetimeFigureOut">
               <a:rPr lang="fr-FR" smtClean="0"/>
-              <a:t>25/06/2018</a:t>
+              <a:t>05/07/2018</a:t>
             </a:fld>
             <a:endParaRPr lang="fr-FR"/>
           </a:p>
@@ -3291,7 +3985,7 @@
           <a:p>
             <a:fld id="{7705D77F-5058-4D0C-B5EA-04525CAE876F}" type="datetimeFigureOut">
               <a:rPr lang="fr-FR" smtClean="0"/>
-              <a:t>25/06/2018</a:t>
+              <a:t>05/07/2018</a:t>
             </a:fld>
             <a:endParaRPr lang="fr-FR"/>
           </a:p>
@@ -3802,10 +4496,10 @@
       </p:grpSpPr>
       <p:sp>
         <p:nvSpPr>
-          <p:cNvPr id="2" name="Judul 1">
-            <a:extLst>
-              <a:ext uri="{FF2B5EF4-FFF2-40B4-BE49-F238E27FC236}">
-                <a16:creationId xmlns:a16="http://schemas.microsoft.com/office/drawing/2014/main" id="{0106CD43-BEB3-42A7-A3FE-4698C6C6FC1E}"/>
+          <p:cNvPr id="3" name="Tampungan Konten 2">
+            <a:extLst>
+              <a:ext uri="{FF2B5EF4-FFF2-40B4-BE49-F238E27FC236}">
+                <a16:creationId xmlns:a16="http://schemas.microsoft.com/office/drawing/2014/main" id="{CF3A5276-A149-42FA-BE7E-90C801BDBD70}"/>
               </a:ext>
             </a:extLst>
           </p:cNvPr>
@@ -3813,7 +4507,7 @@
             <a:spLocks noGrp="1"/>
           </p:cNvSpPr>
           <p:nvPr>
-            <p:ph type="title"/>
+            <p:ph idx="1"/>
           </p:nvPr>
         </p:nvSpPr>
         <p:spPr/>
@@ -3824,18 +4518,21 @@
           <a:lstStyle/>
           <a:p>
             <a:r>
-              <a:rPr lang="fr-FR" dirty="0"/>
-              <a:t>Perbedaan Artificial Intelligence, Data Science, dan Machine Learning</a:t>
-            </a:r>
-          </a:p>
-        </p:txBody>
-      </p:sp>
-      <p:sp>
-        <p:nvSpPr>
-          <p:cNvPr id="4" name="Oval 3">
-            <a:extLst>
-              <a:ext uri="{FF2B5EF4-FFF2-40B4-BE49-F238E27FC236}">
-                <a16:creationId xmlns:a16="http://schemas.microsoft.com/office/drawing/2014/main" id="{DC722B05-4667-4C02-B1C4-7E491A492F30}"/>
+              <a:rPr lang="fr-FR" dirty="0">
+                <a:hlinkClick r:id="rId2"/>
+              </a:rPr>
+              <a:t>https://www.forbes.com/sites/bernardmarr/2015/09/30/big-data-20-mind-boggling-facts-everyone-must-read/#2f21b37d17b1</a:t>
+            </a:r>
+            <a:endParaRPr lang="fr-FR" dirty="0"/>
+          </a:p>
+        </p:txBody>
+      </p:sp>
+      <p:sp>
+        <p:nvSpPr>
+          <p:cNvPr id="12" name="Persegi Panjang 11">
+            <a:extLst>
+              <a:ext uri="{FF2B5EF4-FFF2-40B4-BE49-F238E27FC236}">
+                <a16:creationId xmlns:a16="http://schemas.microsoft.com/office/drawing/2014/main" id="{44711850-C664-4ED8-800E-BAD3E2FFE6CB}"/>
               </a:ext>
             </a:extLst>
           </p:cNvPr>
@@ -3844,20 +4541,18 @@
         </p:nvSpPr>
         <p:spPr>
           <a:xfrm>
-            <a:off x="970547" y="1967916"/>
-            <a:ext cx="4154905" cy="4154905"/>
-          </a:xfrm>
-          <a:prstGeom prst="ellipse">
+            <a:off x="6425958" y="4633544"/>
+            <a:ext cx="3757132" cy="1444474"/>
+          </a:xfrm>
+          <a:prstGeom prst="rect">
             <a:avLst/>
           </a:prstGeom>
           <a:solidFill>
-            <a:schemeClr val="accent1">
-              <a:lumMod val="20000"/>
-              <a:lumOff val="80000"/>
-              <a:alpha val="50000"/>
-            </a:schemeClr>
+            <a:schemeClr val="accent2"/>
           </a:solidFill>
-          <a:ln w="28575"/>
+          <a:ln>
+            <a:noFill/>
+          </a:ln>
         </p:spPr>
         <p:style>
           <a:lnRef idx="2">
@@ -3886,10 +4581,10 @@
       </p:sp>
       <p:sp>
         <p:nvSpPr>
-          <p:cNvPr id="5" name="Oval 4">
-            <a:extLst>
-              <a:ext uri="{FF2B5EF4-FFF2-40B4-BE49-F238E27FC236}">
-                <a16:creationId xmlns:a16="http://schemas.microsoft.com/office/drawing/2014/main" id="{99CA6A8A-623E-4839-ACD2-7F5088C93183}"/>
+          <p:cNvPr id="11" name="Persegi Panjang 10">
+            <a:extLst>
+              <a:ext uri="{FF2B5EF4-FFF2-40B4-BE49-F238E27FC236}">
+                <a16:creationId xmlns:a16="http://schemas.microsoft.com/office/drawing/2014/main" id="{E2582210-5A39-45CB-B824-2DE4129AF0AD}"/>
               </a:ext>
             </a:extLst>
           </p:cNvPr>
@@ -3898,23 +4593,14 @@
         </p:nvSpPr>
         <p:spPr>
           <a:xfrm>
-            <a:off x="3047999" y="1967916"/>
-            <a:ext cx="4154905" cy="4154905"/>
-          </a:xfrm>
-          <a:prstGeom prst="ellipse">
+            <a:off x="6425958" y="2923308"/>
+            <a:ext cx="3757132" cy="1723877"/>
+          </a:xfrm>
+          <a:prstGeom prst="rect">
             <a:avLst/>
           </a:prstGeom>
-          <a:solidFill>
-            <a:schemeClr val="accent6">
-              <a:lumMod val="20000"/>
-              <a:lumOff val="80000"/>
-              <a:alpha val="50000"/>
-            </a:schemeClr>
-          </a:solidFill>
-          <a:ln w="38100">
-            <a:solidFill>
-              <a:schemeClr val="accent6"/>
-            </a:solidFill>
+          <a:ln>
+            <a:noFill/>
           </a:ln>
         </p:spPr>
         <p:style>
@@ -3944,124 +4630,121 @@
       </p:sp>
       <p:sp>
         <p:nvSpPr>
-          <p:cNvPr id="6" name="Oval 5">
-            <a:extLst>
-              <a:ext uri="{FF2B5EF4-FFF2-40B4-BE49-F238E27FC236}">
-                <a16:creationId xmlns:a16="http://schemas.microsoft.com/office/drawing/2014/main" id="{9CC3BBFE-72D9-49A0-816A-F9F64232A839}"/>
-              </a:ext>
-            </a:extLst>
-          </p:cNvPr>
-          <p:cNvSpPr/>
+          <p:cNvPr id="2" name="Judul 1">
+            <a:extLst>
+              <a:ext uri="{FF2B5EF4-FFF2-40B4-BE49-F238E27FC236}">
+                <a16:creationId xmlns:a16="http://schemas.microsoft.com/office/drawing/2014/main" id="{39DB207B-1C2D-49BB-9490-B2353AA5999A}"/>
+              </a:ext>
+            </a:extLst>
+          </p:cNvPr>
+          <p:cNvSpPr>
+            <a:spLocks noGrp="1"/>
+          </p:cNvSpPr>
+          <p:nvPr>
+            <p:ph type="title"/>
+          </p:nvPr>
+        </p:nvSpPr>
+        <p:spPr/>
+        <p:txBody>
+          <a:bodyPr/>
+          <a:lstStyle/>
+          <a:p>
+            <a:r>
+              <a:rPr lang="fr-FR" dirty="0"/>
+              <a:t>Era Artificial Intelligence: Pertumbuhan Data</a:t>
+            </a:r>
+          </a:p>
+        </p:txBody>
+      </p:sp>
+      <p:sp>
+        <p:nvSpPr>
+          <p:cNvPr id="4" name="Kotak Teks 3">
+            <a:extLst>
+              <a:ext uri="{FF2B5EF4-FFF2-40B4-BE49-F238E27FC236}">
+                <a16:creationId xmlns:a16="http://schemas.microsoft.com/office/drawing/2014/main" id="{2E7960A5-393E-4871-8F14-3B8C78AF1198}"/>
+              </a:ext>
+            </a:extLst>
+          </p:cNvPr>
+          <p:cNvSpPr txBox="1"/>
           <p:nvPr/>
         </p:nvSpPr>
         <p:spPr>
           <a:xfrm>
-            <a:off x="3380873" y="4235116"/>
-            <a:ext cx="1485900" cy="1149016"/>
-          </a:xfrm>
-          <a:prstGeom prst="ellipse">
+            <a:off x="1066799" y="2923308"/>
+            <a:ext cx="5359159" cy="3154710"/>
+          </a:xfrm>
+          <a:prstGeom prst="rect">
             <a:avLst/>
           </a:prstGeom>
           <a:solidFill>
-            <a:schemeClr val="accent2">
-              <a:lumMod val="40000"/>
-              <a:lumOff val="60000"/>
-            </a:schemeClr>
+            <a:schemeClr val="accent6"/>
           </a:solidFill>
-          <a:ln w="38100">
-            <a:solidFill>
-              <a:schemeClr val="accent2"/>
-            </a:solidFill>
+          <a:ln>
+            <a:noFill/>
           </a:ln>
         </p:spPr>
-        <p:style>
-          <a:lnRef idx="2">
-            <a:schemeClr val="accent1">
-              <a:shade val="50000"/>
-            </a:schemeClr>
-          </a:lnRef>
-          <a:fillRef idx="1">
-            <a:schemeClr val="accent1"/>
-          </a:fillRef>
-          <a:effectRef idx="0">
-            <a:schemeClr val="accent1"/>
-          </a:effectRef>
-          <a:fontRef idx="minor">
-            <a:schemeClr val="lt1"/>
-          </a:fontRef>
-        </p:style>
-        <p:txBody>
-          <a:bodyPr rtlCol="0" anchor="ctr"/>
-          <a:lstStyle/>
-          <a:p>
-            <a:pPr algn="ctr"/>
-            <a:endParaRPr lang="fr-FR"/>
-          </a:p>
-        </p:txBody>
-      </p:sp>
-      <p:sp>
-        <p:nvSpPr>
-          <p:cNvPr id="7" name="Oval 6">
-            <a:extLst>
-              <a:ext uri="{FF2B5EF4-FFF2-40B4-BE49-F238E27FC236}">
-                <a16:creationId xmlns:a16="http://schemas.microsoft.com/office/drawing/2014/main" id="{76D02779-E000-4C50-9095-B2B55A2E1C0F}"/>
-              </a:ext>
-            </a:extLst>
-          </p:cNvPr>
-          <p:cNvSpPr/>
+        <p:txBody>
+          <a:bodyPr wrap="none" rtlCol="0">
+            <a:spAutoFit/>
+          </a:bodyPr>
+          <a:lstStyle/>
+          <a:p>
+            <a:r>
+              <a:rPr lang="fr-FR" sz="19900" dirty="0">
+                <a:solidFill>
+                  <a:schemeClr val="bg1"/>
+                </a:solidFill>
+              </a:rPr>
+              <a:t>2020</a:t>
+            </a:r>
+          </a:p>
+        </p:txBody>
+      </p:sp>
+      <p:pic>
+        <p:nvPicPr>
+          <p:cNvPr id="6" name="Grafik 5" descr="Man">
+            <a:extLst>
+              <a:ext uri="{FF2B5EF4-FFF2-40B4-BE49-F238E27FC236}">
+                <a16:creationId xmlns:a16="http://schemas.microsoft.com/office/drawing/2014/main" id="{1139E856-FF65-4010-A771-E1A5083E6A6A}"/>
+              </a:ext>
+            </a:extLst>
+          </p:cNvPr>
+          <p:cNvPicPr>
+            <a:picLocks noChangeAspect="1"/>
+          </p:cNvPicPr>
           <p:nvPr/>
-        </p:nvSpPr>
+        </p:nvPicPr>
+        <p:blipFill>
+          <a:blip r:embed="rId3">
+            <a:extLst>
+              <a:ext uri="{28A0092B-C50C-407E-A947-70E740481C1C}">
+                <a14:useLocalDpi xmlns:a14="http://schemas.microsoft.com/office/drawing/2010/main" val="0"/>
+              </a:ext>
+              <a:ext uri="{96DAC541-7B7A-43D3-8B79-37D633B846F1}">
+                <asvg:svgBlip xmlns:asvg="http://schemas.microsoft.com/office/drawing/2016/SVG/main" r:embed="rId4"/>
+              </a:ext>
+            </a:extLst>
+          </a:blip>
+          <a:stretch>
+            <a:fillRect/>
+          </a:stretch>
+        </p:blipFill>
         <p:spPr>
           <a:xfrm>
-            <a:off x="3468103" y="4578016"/>
-            <a:ext cx="760996" cy="625642"/>
-          </a:xfrm>
-          <a:prstGeom prst="ellipse">
+            <a:off x="6992898" y="4854836"/>
+            <a:ext cx="914400" cy="914400"/>
+          </a:xfrm>
+          <a:prstGeom prst="rect">
             <a:avLst/>
           </a:prstGeom>
-          <a:solidFill>
-            <a:schemeClr val="accent4">
-              <a:lumMod val="40000"/>
-              <a:lumOff val="60000"/>
-            </a:schemeClr>
-          </a:solidFill>
-          <a:ln w="38100">
-            <a:solidFill>
-              <a:schemeClr val="accent4"/>
-            </a:solidFill>
-          </a:ln>
-        </p:spPr>
-        <p:style>
-          <a:lnRef idx="2">
-            <a:schemeClr val="accent1">
-              <a:shade val="50000"/>
-            </a:schemeClr>
-          </a:lnRef>
-          <a:fillRef idx="1">
-            <a:schemeClr val="accent1"/>
-          </a:fillRef>
-          <a:effectRef idx="0">
-            <a:schemeClr val="accent1"/>
-          </a:effectRef>
-          <a:fontRef idx="minor">
-            <a:schemeClr val="lt1"/>
-          </a:fontRef>
-        </p:style>
-        <p:txBody>
-          <a:bodyPr rtlCol="0" anchor="ctr"/>
-          <a:lstStyle/>
-          <a:p>
-            <a:pPr algn="ctr"/>
-            <a:endParaRPr lang="fr-FR"/>
-          </a:p>
-        </p:txBody>
-      </p:sp>
-      <p:sp>
-        <p:nvSpPr>
-          <p:cNvPr id="8" name="Kotak Teks 7">
-            <a:extLst>
-              <a:ext uri="{FF2B5EF4-FFF2-40B4-BE49-F238E27FC236}">
-                <a16:creationId xmlns:a16="http://schemas.microsoft.com/office/drawing/2014/main" id="{6637DBFC-4B7F-4648-ABEE-894383234771}"/>
+        </p:spPr>
+      </p:pic>
+      <p:sp>
+        <p:nvSpPr>
+          <p:cNvPr id="9" name="Kotak Teks 8">
+            <a:extLst>
+              <a:ext uri="{FF2B5EF4-FFF2-40B4-BE49-F238E27FC236}">
+                <a16:creationId xmlns:a16="http://schemas.microsoft.com/office/drawing/2014/main" id="{7A41C1A4-6536-49BB-90FC-EB84A0DD4049}"/>
               </a:ext>
             </a:extLst>
           </p:cNvPr>
@@ -4070,83 +4753,48 @@
         </p:nvSpPr>
         <p:spPr>
           <a:xfrm>
-            <a:off x="8127242" y="3104866"/>
-            <a:ext cx="3026021" cy="1569660"/>
+            <a:off x="6495229" y="2993596"/>
+            <a:ext cx="3518145" cy="1569660"/>
           </a:xfrm>
           <a:prstGeom prst="rect">
             <a:avLst/>
           </a:prstGeom>
           <a:noFill/>
-        </p:spPr>
-        <p:txBody>
-          <a:bodyPr wrap="none" rtlCol="0">
+          <a:ln>
+            <a:noFill/>
+          </a:ln>
+        </p:spPr>
+        <p:txBody>
+          <a:bodyPr wrap="square" rtlCol="0">
             <a:spAutoFit/>
           </a:bodyPr>
           <a:lstStyle/>
           <a:p>
-            <a:pPr marL="285750" indent="-285750">
-              <a:buFont typeface="Wingdings" panose="05000000000000000000" pitchFamily="2" charset="2"/>
-              <a:buChar char="§"/>
-            </a:pPr>
-            <a:r>
-              <a:rPr lang="fr-FR" sz="2400" dirty="0">
-                <a:solidFill>
-                  <a:schemeClr val="accent1"/>
-                </a:solidFill>
-              </a:rPr>
-              <a:t>Data Science</a:t>
-            </a:r>
-          </a:p>
-          <a:p>
-            <a:pPr marL="285750" indent="-285750">
-              <a:buFont typeface="Wingdings" panose="05000000000000000000" pitchFamily="2" charset="2"/>
-              <a:buChar char="§"/>
-            </a:pPr>
-            <a:r>
-              <a:rPr lang="fr-FR" sz="2400" dirty="0">
-                <a:solidFill>
-                  <a:schemeClr val="accent6"/>
-                </a:solidFill>
-              </a:rPr>
-              <a:t>Artificial Intelligence</a:t>
-            </a:r>
-          </a:p>
-          <a:p>
-            <a:pPr marL="285750" indent="-285750">
-              <a:buFont typeface="Wingdings" panose="05000000000000000000" pitchFamily="2" charset="2"/>
-              <a:buChar char="§"/>
-            </a:pPr>
-            <a:r>
-              <a:rPr lang="fr-FR" sz="2400" dirty="0">
-                <a:solidFill>
-                  <a:schemeClr val="accent2"/>
-                </a:solidFill>
-              </a:rPr>
-              <a:t>Machine Learning</a:t>
-            </a:r>
-          </a:p>
-          <a:p>
-            <a:pPr marL="285750" indent="-285750">
-              <a:buFont typeface="Wingdings" panose="05000000000000000000" pitchFamily="2" charset="2"/>
-              <a:buChar char="§"/>
-            </a:pPr>
-            <a:r>
-              <a:rPr lang="fr-FR" sz="2400" dirty="0">
-                <a:solidFill>
-                  <a:schemeClr val="accent4"/>
-                </a:solidFill>
-              </a:rPr>
-              <a:t>Deep Learning</a:t>
-            </a:r>
-          </a:p>
-        </p:txBody>
-      </p:sp>
-      <p:sp>
-        <p:nvSpPr>
-          <p:cNvPr id="9" name="Kotak Teks 8">
-            <a:extLst>
-              <a:ext uri="{FF2B5EF4-FFF2-40B4-BE49-F238E27FC236}">
-                <a16:creationId xmlns:a16="http://schemas.microsoft.com/office/drawing/2014/main" id="{FB75705D-604A-4C9B-AB82-32228B789EBE}"/>
+            <a:r>
+              <a:rPr lang="fr-FR" sz="3200" dirty="0"/>
+              <a:t>Total data:</a:t>
+            </a:r>
+          </a:p>
+          <a:p>
+            <a:r>
+              <a:rPr lang="fr-FR" sz="3200" dirty="0"/>
+              <a:t>44 zettabytes atau</a:t>
+            </a:r>
+          </a:p>
+          <a:p>
+            <a:r>
+              <a:rPr lang="fr-FR" sz="3200" dirty="0"/>
+              <a:t>44 triliun gigabyte</a:t>
+            </a:r>
+          </a:p>
+        </p:txBody>
+      </p:sp>
+      <p:sp>
+        <p:nvSpPr>
+          <p:cNvPr id="10" name="Kotak Teks 9">
+            <a:extLst>
+              <a:ext uri="{FF2B5EF4-FFF2-40B4-BE49-F238E27FC236}">
+                <a16:creationId xmlns:a16="http://schemas.microsoft.com/office/drawing/2014/main" id="{D787B1D6-E8C1-408F-B3F9-015685B397E2}"/>
               </a:ext>
             </a:extLst>
           </p:cNvPr>
@@ -4155,13 +4803,16 @@
         </p:nvSpPr>
         <p:spPr>
           <a:xfrm>
-            <a:off x="1290259" y="2818263"/>
-            <a:ext cx="1666803" cy="369332"/>
+            <a:off x="7693828" y="4958093"/>
+            <a:ext cx="1922321" cy="707886"/>
           </a:xfrm>
           <a:prstGeom prst="rect">
             <a:avLst/>
           </a:prstGeom>
           <a:noFill/>
+          <a:ln>
+            <a:noFill/>
+          </a:ln>
         </p:spPr>
         <p:txBody>
           <a:bodyPr wrap="none" rtlCol="0">
@@ -4170,218 +4821,8 @@
           <a:lstStyle/>
           <a:p>
             <a:r>
-              <a:rPr lang="fr-FR" dirty="0"/>
-              <a:t>Data Processing</a:t>
-            </a:r>
-          </a:p>
-        </p:txBody>
-      </p:sp>
-      <p:sp>
-        <p:nvSpPr>
-          <p:cNvPr id="10" name="Kotak Teks 9">
-            <a:extLst>
-              <a:ext uri="{FF2B5EF4-FFF2-40B4-BE49-F238E27FC236}">
-                <a16:creationId xmlns:a16="http://schemas.microsoft.com/office/drawing/2014/main" id="{84C02D68-F9AA-4248-9D0C-A6DC4405CE94}"/>
-              </a:ext>
-            </a:extLst>
-          </p:cNvPr>
-          <p:cNvSpPr txBox="1"/>
-          <p:nvPr/>
-        </p:nvSpPr>
-        <p:spPr>
-          <a:xfrm>
-            <a:off x="1175872" y="3301074"/>
-            <a:ext cx="1855316" cy="369332"/>
-          </a:xfrm>
-          <a:prstGeom prst="rect">
-            <a:avLst/>
-          </a:prstGeom>
-          <a:noFill/>
-        </p:spPr>
-        <p:txBody>
-          <a:bodyPr wrap="none" rtlCol="0">
-            <a:spAutoFit/>
-          </a:bodyPr>
-          <a:lstStyle/>
-          <a:p>
-            <a:r>
-              <a:rPr lang="fr-FR" dirty="0"/>
-              <a:t>Data Visualization</a:t>
-            </a:r>
-          </a:p>
-        </p:txBody>
-      </p:sp>
-      <p:sp>
-        <p:nvSpPr>
-          <p:cNvPr id="11" name="Kotak Teks 10">
-            <a:extLst>
-              <a:ext uri="{FF2B5EF4-FFF2-40B4-BE49-F238E27FC236}">
-                <a16:creationId xmlns:a16="http://schemas.microsoft.com/office/drawing/2014/main" id="{6575468B-1CD9-4B35-A0A9-52C6A650B64C}"/>
-              </a:ext>
-            </a:extLst>
-          </p:cNvPr>
-          <p:cNvSpPr txBox="1"/>
-          <p:nvPr/>
-        </p:nvSpPr>
-        <p:spPr>
-          <a:xfrm>
-            <a:off x="1175872" y="3853276"/>
-            <a:ext cx="1707134" cy="369332"/>
-          </a:xfrm>
-          <a:prstGeom prst="rect">
-            <a:avLst/>
-          </a:prstGeom>
-          <a:noFill/>
-        </p:spPr>
-        <p:txBody>
-          <a:bodyPr wrap="none" rtlCol="0">
-            <a:spAutoFit/>
-          </a:bodyPr>
-          <a:lstStyle/>
-          <a:p>
-            <a:r>
-              <a:rPr lang="fr-FR" dirty="0"/>
-              <a:t>Data Integration</a:t>
-            </a:r>
-          </a:p>
-        </p:txBody>
-      </p:sp>
-      <p:sp>
-        <p:nvSpPr>
-          <p:cNvPr id="12" name="Kotak Teks 11">
-            <a:extLst>
-              <a:ext uri="{FF2B5EF4-FFF2-40B4-BE49-F238E27FC236}">
-                <a16:creationId xmlns:a16="http://schemas.microsoft.com/office/drawing/2014/main" id="{8C37CEA9-4621-4D76-BC42-7CFD5C15E0A0}"/>
-              </a:ext>
-            </a:extLst>
-          </p:cNvPr>
-          <p:cNvSpPr txBox="1"/>
-          <p:nvPr/>
-        </p:nvSpPr>
-        <p:spPr>
-          <a:xfrm>
-            <a:off x="1249735" y="4435846"/>
-            <a:ext cx="1785938" cy="369332"/>
-          </a:xfrm>
-          <a:prstGeom prst="rect">
-            <a:avLst/>
-          </a:prstGeom>
-          <a:noFill/>
-        </p:spPr>
-        <p:txBody>
-          <a:bodyPr wrap="none" rtlCol="0">
-            <a:spAutoFit/>
-          </a:bodyPr>
-          <a:lstStyle/>
-          <a:p>
-            <a:r>
-              <a:rPr lang="fr-FR" dirty="0"/>
-              <a:t>Data Engineering</a:t>
-            </a:r>
-          </a:p>
-        </p:txBody>
-      </p:sp>
-      <p:sp>
-        <p:nvSpPr>
-          <p:cNvPr id="17" name="Kotak Teks 16">
-            <a:extLst>
-              <a:ext uri="{FF2B5EF4-FFF2-40B4-BE49-F238E27FC236}">
-                <a16:creationId xmlns:a16="http://schemas.microsoft.com/office/drawing/2014/main" id="{8B5BBFB0-E6EB-4F7C-9951-D5AF656BA20F}"/>
-              </a:ext>
-            </a:extLst>
-          </p:cNvPr>
-          <p:cNvSpPr txBox="1"/>
-          <p:nvPr/>
-        </p:nvSpPr>
-        <p:spPr>
-          <a:xfrm>
-            <a:off x="5257921" y="3160721"/>
-            <a:ext cx="1148841" cy="369332"/>
-          </a:xfrm>
-          <a:prstGeom prst="rect">
-            <a:avLst/>
-          </a:prstGeom>
-          <a:noFill/>
-        </p:spPr>
-        <p:txBody>
-          <a:bodyPr wrap="none" rtlCol="0">
-            <a:spAutoFit/>
-          </a:bodyPr>
-          <a:lstStyle/>
-          <a:p>
-            <a:r>
-              <a:rPr lang="fr-FR" dirty="0"/>
-              <a:t>Reasoning</a:t>
-            </a:r>
-          </a:p>
-        </p:txBody>
-      </p:sp>
-      <p:sp>
-        <p:nvSpPr>
-          <p:cNvPr id="18" name="Kotak Teks 17">
-            <a:extLst>
-              <a:ext uri="{FF2B5EF4-FFF2-40B4-BE49-F238E27FC236}">
-                <a16:creationId xmlns:a16="http://schemas.microsoft.com/office/drawing/2014/main" id="{A980DB64-D33C-4F2E-8504-8DE1963E2F60}"/>
-              </a:ext>
-            </a:extLst>
-          </p:cNvPr>
-          <p:cNvSpPr txBox="1"/>
-          <p:nvPr/>
-        </p:nvSpPr>
-        <p:spPr>
-          <a:xfrm>
-            <a:off x="5443640" y="3807281"/>
-            <a:ext cx="1689052" cy="369332"/>
-          </a:xfrm>
-          <a:prstGeom prst="rect">
-            <a:avLst/>
-          </a:prstGeom>
-          <a:noFill/>
-        </p:spPr>
-        <p:txBody>
-          <a:bodyPr wrap="none" rtlCol="0">
-            <a:spAutoFit/>
-          </a:bodyPr>
-          <a:lstStyle/>
-          <a:p>
-            <a:r>
-              <a:rPr lang="fr-FR" dirty="0"/>
-              <a:t>Rules Extraction</a:t>
-            </a:r>
-          </a:p>
-        </p:txBody>
-      </p:sp>
-      <p:sp>
-        <p:nvSpPr>
-          <p:cNvPr id="19" name="Kotak Teks 18">
-            <a:extLst>
-              <a:ext uri="{FF2B5EF4-FFF2-40B4-BE49-F238E27FC236}">
-                <a16:creationId xmlns:a16="http://schemas.microsoft.com/office/drawing/2014/main" id="{1B30DB71-DB37-45AE-BFE0-AC7D664E38FC}"/>
-              </a:ext>
-            </a:extLst>
-          </p:cNvPr>
-          <p:cNvSpPr txBox="1"/>
-          <p:nvPr/>
-        </p:nvSpPr>
-        <p:spPr>
-          <a:xfrm>
-            <a:off x="5443640" y="4406597"/>
-            <a:ext cx="914738" cy="369332"/>
-          </a:xfrm>
-          <a:prstGeom prst="rect">
-            <a:avLst/>
-          </a:prstGeom>
-          <a:noFill/>
-        </p:spPr>
-        <p:txBody>
-          <a:bodyPr wrap="none" rtlCol="0">
-            <a:spAutoFit/>
-          </a:bodyPr>
-          <a:lstStyle/>
-          <a:p>
-            <a:r>
-              <a:rPr lang="fr-FR" dirty="0"/>
-              <a:t>AI Tasks</a:t>
+              <a:rPr lang="fr-FR" sz="4000" dirty="0"/>
+              <a:t>≈1.7 MB</a:t>
             </a:r>
           </a:p>
         </p:txBody>
@@ -4389,7 +4830,7 @@
     </p:spTree>
     <p:extLst>
       <p:ext uri="{BB962C8B-B14F-4D97-AF65-F5344CB8AC3E}">
-        <p14:creationId xmlns:p14="http://schemas.microsoft.com/office/powerpoint/2010/main" val="4183739478"/>
+        <p14:creationId xmlns:p14="http://schemas.microsoft.com/office/powerpoint/2010/main" val="4185466882"/>
       </p:ext>
     </p:extLst>
   </p:cSld>
@@ -4418,10 +4859,43 @@
       </p:grpSpPr>
       <p:sp>
         <p:nvSpPr>
+          <p:cNvPr id="3" name="Tampungan Konten 2">
+            <a:extLst>
+              <a:ext uri="{FF2B5EF4-FFF2-40B4-BE49-F238E27FC236}">
+                <a16:creationId xmlns:a16="http://schemas.microsoft.com/office/drawing/2014/main" id="{CF3A5276-A149-42FA-BE7E-90C801BDBD70}"/>
+              </a:ext>
+            </a:extLst>
+          </p:cNvPr>
+          <p:cNvSpPr>
+            <a:spLocks noGrp="1"/>
+          </p:cNvSpPr>
+          <p:nvPr>
+            <p:ph idx="1"/>
+          </p:nvPr>
+        </p:nvSpPr>
+        <p:spPr/>
+        <p:txBody>
+          <a:bodyPr>
+            <a:normAutofit/>
+          </a:bodyPr>
+          <a:lstStyle/>
+          <a:p>
+            <a:r>
+              <a:rPr lang="fr-FR" dirty="0">
+                <a:hlinkClick r:id="rId2"/>
+              </a:rPr>
+              <a:t>https://www.forbes.com/sites/bernardmarr/2015/09/30/big-data-20-mind-boggling-facts-everyone-must-read/#2f21b37d17b1</a:t>
+            </a:r>
+            <a:endParaRPr lang="fr-FR" dirty="0"/>
+          </a:p>
+        </p:txBody>
+      </p:sp>
+      <p:sp>
+        <p:nvSpPr>
           <p:cNvPr id="2" name="Judul 1">
             <a:extLst>
               <a:ext uri="{FF2B5EF4-FFF2-40B4-BE49-F238E27FC236}">
-                <a16:creationId xmlns:a16="http://schemas.microsoft.com/office/drawing/2014/main" id="{B328AD1F-1AEC-4FC4-8A51-22474071C879}"/>
+                <a16:creationId xmlns:a16="http://schemas.microsoft.com/office/drawing/2014/main" id="{39DB207B-1C2D-49BB-9490-B2353AA5999A}"/>
               </a:ext>
             </a:extLst>
           </p:cNvPr>
@@ -4439,77 +4913,141 @@
           <a:p>
             <a:r>
               <a:rPr lang="fr-FR" dirty="0"/>
-              <a:t>Statistika dan Machine Learning</a:t>
-            </a:r>
-          </a:p>
-        </p:txBody>
-      </p:sp>
-      <p:sp>
-        <p:nvSpPr>
-          <p:cNvPr id="3" name="Tampungan Konten 2">
-            <a:extLst>
-              <a:ext uri="{FF2B5EF4-FFF2-40B4-BE49-F238E27FC236}">
-                <a16:creationId xmlns:a16="http://schemas.microsoft.com/office/drawing/2014/main" id="{0023C0B4-90EA-421C-A1EF-3A44B5773110}"/>
-              </a:ext>
-            </a:extLst>
-          </p:cNvPr>
-          <p:cNvSpPr>
-            <a:spLocks noGrp="1"/>
-          </p:cNvSpPr>
-          <p:nvPr>
-            <p:ph idx="1"/>
-          </p:nvPr>
-        </p:nvSpPr>
-        <p:spPr/>
-        <p:txBody>
-          <a:bodyPr/>
-          <a:lstStyle/>
-          <a:p>
-            <a:r>
-              <a:rPr lang="fr-FR" dirty="0"/>
-              <a:t>Statistika:</a:t>
-            </a:r>
-          </a:p>
-          <a:p>
-            <a:pPr lvl="1"/>
-            <a:r>
-              <a:rPr lang="fr-FR" dirty="0"/>
-              <a:t>Memodelkan hubungan antarvariabel dengan asumsi-asumsi tertentu</a:t>
-            </a:r>
-          </a:p>
-          <a:p>
-            <a:pPr lvl="1"/>
-            <a:r>
-              <a:rPr lang="fr-FR" dirty="0"/>
-              <a:t>Cenderung menganalisis data yang sedikit</a:t>
-            </a:r>
-          </a:p>
-          <a:p>
-            <a:r>
-              <a:rPr lang="fr-FR" dirty="0"/>
-              <a:t>Machine learning:</a:t>
-            </a:r>
-          </a:p>
-          <a:p>
-            <a:pPr lvl="1"/>
-            <a:r>
-              <a:rPr lang="fr-FR" dirty="0"/>
-              <a:t>Berorientasi pada baik/buruknya hasil yang diperoleh tanpa mempertimbangkan asumsi tertentu</a:t>
-            </a:r>
-          </a:p>
-          <a:p>
-            <a:pPr lvl="1"/>
-            <a:r>
-              <a:rPr lang="fr-FR" dirty="0"/>
-              <a:t>Cenderung bekerja pada data dengan jumlah besar</a:t>
-            </a:r>
-          </a:p>
-        </p:txBody>
-      </p:sp>
+              <a:t>Era Artificial Intelligence: Pertumbuhan Data</a:t>
+            </a:r>
+          </a:p>
+        </p:txBody>
+      </p:sp>
+      <p:sp>
+        <p:nvSpPr>
+          <p:cNvPr id="4" name="Kotak Teks 3">
+            <a:extLst>
+              <a:ext uri="{FF2B5EF4-FFF2-40B4-BE49-F238E27FC236}">
+                <a16:creationId xmlns:a16="http://schemas.microsoft.com/office/drawing/2014/main" id="{2E7960A5-393E-4871-8F14-3B8C78AF1198}"/>
+              </a:ext>
+            </a:extLst>
+          </p:cNvPr>
+          <p:cNvSpPr txBox="1"/>
+          <p:nvPr/>
+        </p:nvSpPr>
+        <p:spPr>
+          <a:xfrm>
+            <a:off x="4577684" y="2967335"/>
+            <a:ext cx="6220693" cy="923330"/>
+          </a:xfrm>
+          <a:prstGeom prst="rect">
+            <a:avLst/>
+          </a:prstGeom>
+          <a:solidFill>
+            <a:schemeClr val="accent3">
+              <a:lumMod val="75000"/>
+            </a:schemeClr>
+          </a:solidFill>
+          <a:ln>
+            <a:noFill/>
+          </a:ln>
+        </p:spPr>
+        <p:txBody>
+          <a:bodyPr wrap="square" rtlCol="0">
+            <a:spAutoFit/>
+          </a:bodyPr>
+          <a:lstStyle/>
+          <a:p>
+            <a:r>
+              <a:rPr lang="fr-FR" sz="5400" dirty="0">
+                <a:solidFill>
+                  <a:schemeClr val="bg1"/>
+                </a:solidFill>
+              </a:rPr>
+              <a:t>2015: 1 triliun foto</a:t>
+            </a:r>
+          </a:p>
+        </p:txBody>
+      </p:sp>
+      <p:sp>
+        <p:nvSpPr>
+          <p:cNvPr id="13" name="Kotak Teks 12">
+            <a:extLst>
+              <a:ext uri="{FF2B5EF4-FFF2-40B4-BE49-F238E27FC236}">
+                <a16:creationId xmlns:a16="http://schemas.microsoft.com/office/drawing/2014/main" id="{D5B80DB3-EC6C-407B-BDD7-C7870DCD202A}"/>
+              </a:ext>
+            </a:extLst>
+          </p:cNvPr>
+          <p:cNvSpPr txBox="1"/>
+          <p:nvPr/>
+        </p:nvSpPr>
+        <p:spPr>
+          <a:xfrm>
+            <a:off x="4577684" y="3890665"/>
+            <a:ext cx="6220693" cy="1569660"/>
+          </a:xfrm>
+          <a:prstGeom prst="rect">
+            <a:avLst/>
+          </a:prstGeom>
+          <a:solidFill>
+            <a:schemeClr val="accent1"/>
+          </a:solidFill>
+          <a:ln>
+            <a:noFill/>
+          </a:ln>
+        </p:spPr>
+        <p:txBody>
+          <a:bodyPr wrap="square" rtlCol="0">
+            <a:spAutoFit/>
+          </a:bodyPr>
+          <a:lstStyle/>
+          <a:p>
+            <a:r>
+              <a:rPr lang="fr-FR" sz="4800" dirty="0">
+                <a:solidFill>
+                  <a:schemeClr val="bg1"/>
+                </a:solidFill>
+              </a:rPr>
+              <a:t>2017: 80% foto berasal dari smartphone</a:t>
+            </a:r>
+          </a:p>
+        </p:txBody>
+      </p:sp>
+      <p:pic>
+        <p:nvPicPr>
+          <p:cNvPr id="7" name="Gambar 6">
+            <a:extLst>
+              <a:ext uri="{FF2B5EF4-FFF2-40B4-BE49-F238E27FC236}">
+                <a16:creationId xmlns:a16="http://schemas.microsoft.com/office/drawing/2014/main" id="{B4163B90-ED23-46DA-BC90-4BE4B48D01EF}"/>
+              </a:ext>
+            </a:extLst>
+          </p:cNvPr>
+          <p:cNvPicPr>
+            <a:picLocks noChangeAspect="1"/>
+          </p:cNvPicPr>
+          <p:nvPr/>
+        </p:nvPicPr>
+        <p:blipFill>
+          <a:blip r:embed="rId3">
+            <a:extLst>
+              <a:ext uri="{28A0092B-C50C-407E-A947-70E740481C1C}">
+                <a14:useLocalDpi xmlns:a14="http://schemas.microsoft.com/office/drawing/2010/main" val="0"/>
+              </a:ext>
+            </a:extLst>
+          </a:blip>
+          <a:stretch>
+            <a:fillRect/>
+          </a:stretch>
+        </p:blipFill>
+        <p:spPr>
+          <a:xfrm>
+            <a:off x="838200" y="2967335"/>
+            <a:ext cx="3739484" cy="2492990"/>
+          </a:xfrm>
+          <a:prstGeom prst="rect">
+            <a:avLst/>
+          </a:prstGeom>
+        </p:spPr>
+      </p:pic>
     </p:spTree>
     <p:extLst>
       <p:ext uri="{BB962C8B-B14F-4D97-AF65-F5344CB8AC3E}">
-        <p14:creationId xmlns:p14="http://schemas.microsoft.com/office/powerpoint/2010/main" val="519514981"/>
+        <p14:creationId xmlns:p14="http://schemas.microsoft.com/office/powerpoint/2010/main" val="2391403789"/>
       </p:ext>
     </p:extLst>
   </p:cSld>
@@ -4541,7 +5079,7 @@
           <p:cNvPr id="2" name="Judul 1">
             <a:extLst>
               <a:ext uri="{FF2B5EF4-FFF2-40B4-BE49-F238E27FC236}">
-                <a16:creationId xmlns:a16="http://schemas.microsoft.com/office/drawing/2014/main" id="{708CA5EF-5325-48F0-ACA0-8238E70A470A}"/>
+                <a16:creationId xmlns:a16="http://schemas.microsoft.com/office/drawing/2014/main" id="{39DB207B-1C2D-49BB-9490-B2353AA5999A}"/>
               </a:ext>
             </a:extLst>
           </p:cNvPr>
@@ -4559,7 +5097,7 @@
           <a:p>
             <a:r>
               <a:rPr lang="fr-FR" dirty="0"/>
-              <a:t>Tugas-tugas Machine Learning</a:t>
+              <a:t>Era Artificial Intelligence: Pertumbuhan Data</a:t>
             </a:r>
           </a:p>
         </p:txBody>
@@ -4569,7 +5107,7 @@
           <p:cNvPr id="3" name="Tampungan Konten 2">
             <a:extLst>
               <a:ext uri="{FF2B5EF4-FFF2-40B4-BE49-F238E27FC236}">
-                <a16:creationId xmlns:a16="http://schemas.microsoft.com/office/drawing/2014/main" id="{2D853C11-8116-44AA-A199-6879A194D566}"/>
+                <a16:creationId xmlns:a16="http://schemas.microsoft.com/office/drawing/2014/main" id="{CF3A5276-A149-42FA-BE7E-90C801BDBD70}"/>
               </a:ext>
             </a:extLst>
           </p:cNvPr>
@@ -4582,74 +5120,261 @@
         </p:nvSpPr>
         <p:spPr/>
         <p:txBody>
-          <a:bodyPr/>
-          <a:lstStyle/>
-          <a:p>
-            <a:r>
-              <a:rPr lang="fr-FR" dirty="0"/>
-              <a:t>Supervised Learning</a:t>
-            </a:r>
-          </a:p>
-          <a:p>
-            <a:pPr lvl="1"/>
-            <a:r>
-              <a:rPr lang="fr-FR" dirty="0"/>
-              <a:t>Prediksi</a:t>
-            </a:r>
-          </a:p>
-          <a:p>
-            <a:pPr lvl="1"/>
-            <a:r>
-              <a:rPr lang="fr-FR" dirty="0"/>
-              <a:t>Regresi</a:t>
-            </a:r>
-          </a:p>
-          <a:p>
-            <a:r>
-              <a:rPr lang="fr-FR" dirty="0"/>
-              <a:t>Unsupervised Learning</a:t>
-            </a:r>
-          </a:p>
-          <a:p>
-            <a:pPr lvl="1"/>
-            <a:r>
-              <a:rPr lang="fr-FR" dirty="0"/>
-              <a:t>Clustering</a:t>
-            </a:r>
-          </a:p>
-          <a:p>
-            <a:pPr lvl="1"/>
-            <a:r>
-              <a:rPr lang="fr-FR" dirty="0"/>
-              <a:t>Association</a:t>
-            </a:r>
-          </a:p>
-          <a:p>
-            <a:r>
-              <a:rPr lang="fr-FR" dirty="0"/>
-              <a:t>Beberapa cabang lain:</a:t>
-            </a:r>
-          </a:p>
-          <a:p>
-            <a:pPr lvl="1"/>
-            <a:r>
-              <a:rPr lang="fr-FR" dirty="0"/>
-              <a:t>Semi supervised learning</a:t>
-            </a:r>
-          </a:p>
-          <a:p>
-            <a:pPr lvl="1"/>
-            <a:r>
-              <a:rPr lang="fr-FR" dirty="0"/>
-              <a:t>Reinforcement Learning</a:t>
-            </a:r>
-          </a:p>
-        </p:txBody>
-      </p:sp>
+          <a:bodyPr>
+            <a:normAutofit lnSpcReduction="10000"/>
+          </a:bodyPr>
+          <a:lstStyle/>
+          <a:p>
+            <a:r>
+              <a:rPr lang="fr-FR" dirty="0">
+                <a:hlinkClick r:id="rId2"/>
+              </a:rPr>
+              <a:t>https://www.forbes.com/sites/bernardmarr/2015/09/30/big-data-20-mind-boggling-facts-everyone-must-read/#2f21b37d17b1</a:t>
+            </a:r>
+            <a:endParaRPr lang="fr-FR" dirty="0"/>
+          </a:p>
+          <a:p>
+            <a:pPr marL="0" indent="0">
+              <a:buNone/>
+            </a:pPr>
+            <a:endParaRPr lang="en-US" dirty="0"/>
+          </a:p>
+          <a:p>
+            <a:pPr marL="0" indent="0">
+              <a:buNone/>
+            </a:pPr>
+            <a:endParaRPr lang="en-US" dirty="0"/>
+          </a:p>
+          <a:p>
+            <a:pPr marL="0" indent="0">
+              <a:buNone/>
+            </a:pPr>
+            <a:endParaRPr lang="en-US" dirty="0"/>
+          </a:p>
+          <a:p>
+            <a:pPr marL="0" indent="0">
+              <a:buNone/>
+            </a:pPr>
+            <a:endParaRPr lang="en-US" dirty="0"/>
+          </a:p>
+          <a:p>
+            <a:pPr marL="0" indent="0">
+              <a:buNone/>
+            </a:pPr>
+            <a:endParaRPr lang="en-US" dirty="0"/>
+          </a:p>
+          <a:p>
+            <a:pPr marL="0" indent="0">
+              <a:buNone/>
+            </a:pPr>
+            <a:r>
+              <a:rPr lang="en-US" sz="4000" dirty="0" err="1"/>
+              <a:t>Hanya</a:t>
+            </a:r>
+            <a:r>
+              <a:rPr lang="en-US" sz="4000" dirty="0"/>
+              <a:t> 0.5% </a:t>
+            </a:r>
+            <a:r>
+              <a:rPr lang="en-US" sz="4000" dirty="0" err="1"/>
+              <a:t>dari</a:t>
+            </a:r>
+            <a:r>
+              <a:rPr lang="en-US" sz="4000" dirty="0"/>
+              <a:t> </a:t>
+            </a:r>
+            <a:r>
+              <a:rPr lang="en-US" sz="4000" dirty="0" err="1"/>
+              <a:t>semua</a:t>
+            </a:r>
+            <a:r>
+              <a:rPr lang="en-US" sz="4000" dirty="0"/>
+              <a:t> data yang </a:t>
+            </a:r>
+            <a:r>
+              <a:rPr lang="en-US" sz="4000" dirty="0" err="1"/>
+              <a:t>ada</a:t>
+            </a:r>
+            <a:r>
+              <a:rPr lang="en-US" sz="4000" dirty="0"/>
+              <a:t> di dunia </a:t>
+            </a:r>
+            <a:r>
+              <a:rPr lang="en-US" sz="4000" dirty="0" err="1"/>
+              <a:t>ini</a:t>
+            </a:r>
+            <a:r>
+              <a:rPr lang="en-US" sz="4000" dirty="0"/>
+              <a:t> yang </a:t>
+            </a:r>
+            <a:r>
+              <a:rPr lang="en-US" sz="4000" dirty="0" err="1"/>
+              <a:t>pernah</a:t>
+            </a:r>
+            <a:r>
+              <a:rPr lang="en-US" sz="4000" dirty="0"/>
+              <a:t> </a:t>
+            </a:r>
+            <a:r>
+              <a:rPr lang="en-US" sz="4000" dirty="0" err="1"/>
+              <a:t>dianalisa</a:t>
+            </a:r>
+            <a:r>
+              <a:rPr lang="en-US" sz="4000" dirty="0"/>
+              <a:t> dan </a:t>
+            </a:r>
+            <a:r>
+              <a:rPr lang="en-US" sz="4000" dirty="0" err="1"/>
+              <a:t>digunakan</a:t>
+            </a:r>
+            <a:endParaRPr lang="fr-FR" sz="4000" dirty="0"/>
+          </a:p>
+        </p:txBody>
+      </p:sp>
+      <p:pic>
+        <p:nvPicPr>
+          <p:cNvPr id="5" name="Grafik 4" descr="Earth Globe Europe-Africa">
+            <a:extLst>
+              <a:ext uri="{FF2B5EF4-FFF2-40B4-BE49-F238E27FC236}">
+                <a16:creationId xmlns:a16="http://schemas.microsoft.com/office/drawing/2014/main" id="{78AF6D89-FFA4-47E2-AEFF-803FD8B5D0CB}"/>
+              </a:ext>
+            </a:extLst>
+          </p:cNvPr>
+          <p:cNvPicPr>
+            <a:picLocks noChangeAspect="1"/>
+          </p:cNvPicPr>
+          <p:nvPr/>
+        </p:nvPicPr>
+        <p:blipFill>
+          <a:blip r:embed="rId3">
+            <a:extLst>
+              <a:ext uri="{28A0092B-C50C-407E-A947-70E740481C1C}">
+                <a14:useLocalDpi xmlns:a14="http://schemas.microsoft.com/office/drawing/2010/main" val="0"/>
+              </a:ext>
+              <a:ext uri="{96DAC541-7B7A-43D3-8B79-37D633B846F1}">
+                <asvg:svgBlip xmlns:asvg="http://schemas.microsoft.com/office/drawing/2016/SVG/main" r:embed="rId4"/>
+              </a:ext>
+            </a:extLst>
+          </a:blip>
+          <a:stretch>
+            <a:fillRect/>
+          </a:stretch>
+        </p:blipFill>
+        <p:spPr>
+          <a:xfrm>
+            <a:off x="3345873" y="2593172"/>
+            <a:ext cx="2459635" cy="2459635"/>
+          </a:xfrm>
+          <a:prstGeom prst="rect">
+            <a:avLst/>
+          </a:prstGeom>
+        </p:spPr>
+      </p:pic>
+      <p:sp>
+        <p:nvSpPr>
+          <p:cNvPr id="6" name="Balon Percakapan: Oval 5">
+            <a:extLst>
+              <a:ext uri="{FF2B5EF4-FFF2-40B4-BE49-F238E27FC236}">
+                <a16:creationId xmlns:a16="http://schemas.microsoft.com/office/drawing/2014/main" id="{7B8D9821-9F4B-4DC9-B727-5CD58BDA8D32}"/>
+              </a:ext>
+            </a:extLst>
+          </p:cNvPr>
+          <p:cNvSpPr/>
+          <p:nvPr/>
+        </p:nvSpPr>
+        <p:spPr>
+          <a:xfrm>
+            <a:off x="5805508" y="2902528"/>
+            <a:ext cx="1349115" cy="914400"/>
+          </a:xfrm>
+          <a:prstGeom prst="wedgeEllipseCallout">
+            <a:avLst>
+              <a:gd name="adj1" fmla="val -62937"/>
+              <a:gd name="adj2" fmla="val 3409"/>
+            </a:avLst>
+          </a:prstGeom>
+          <a:noFill/>
+          <a:ln w="28575">
+            <a:solidFill>
+              <a:schemeClr val="accent5"/>
+            </a:solidFill>
+          </a:ln>
+        </p:spPr>
+        <p:style>
+          <a:lnRef idx="2">
+            <a:schemeClr val="accent1">
+              <a:shade val="50000"/>
+            </a:schemeClr>
+          </a:lnRef>
+          <a:fillRef idx="1">
+            <a:schemeClr val="accent1"/>
+          </a:fillRef>
+          <a:effectRef idx="0">
+            <a:schemeClr val="accent1"/>
+          </a:effectRef>
+          <a:fontRef idx="minor">
+            <a:schemeClr val="lt1"/>
+          </a:fontRef>
+        </p:style>
+        <p:txBody>
+          <a:bodyPr rtlCol="0" anchor="ctr"/>
+          <a:lstStyle/>
+          <a:p>
+            <a:pPr algn="ctr"/>
+            <a:r>
+              <a:rPr lang="fr-FR" sz="2800" dirty="0">
+                <a:solidFill>
+                  <a:schemeClr val="accent5"/>
+                </a:solidFill>
+              </a:rPr>
+              <a:t>0.5%</a:t>
+            </a:r>
+          </a:p>
+        </p:txBody>
+      </p:sp>
+      <p:pic>
+        <p:nvPicPr>
+          <p:cNvPr id="7" name="Grafik 6" descr="Gears">
+            <a:extLst>
+              <a:ext uri="{FF2B5EF4-FFF2-40B4-BE49-F238E27FC236}">
+                <a16:creationId xmlns:a16="http://schemas.microsoft.com/office/drawing/2014/main" id="{D9BFD860-4334-4A1B-A334-AED770C77805}"/>
+              </a:ext>
+            </a:extLst>
+          </p:cNvPr>
+          <p:cNvPicPr>
+            <a:picLocks noChangeAspect="1"/>
+          </p:cNvPicPr>
+          <p:nvPr/>
+        </p:nvPicPr>
+        <p:blipFill>
+          <a:blip r:embed="rId5">
+            <a:extLst>
+              <a:ext uri="{28A0092B-C50C-407E-A947-70E740481C1C}">
+                <a14:useLocalDpi xmlns:a14="http://schemas.microsoft.com/office/drawing/2010/main" val="0"/>
+              </a:ext>
+              <a:ext uri="{96DAC541-7B7A-43D3-8B79-37D633B846F1}">
+                <asvg:svgBlip xmlns:asvg="http://schemas.microsoft.com/office/drawing/2016/SVG/main" r:embed="rId6"/>
+              </a:ext>
+            </a:extLst>
+          </a:blip>
+          <a:stretch>
+            <a:fillRect/>
+          </a:stretch>
+        </p:blipFill>
+        <p:spPr>
+          <a:xfrm>
+            <a:off x="7154623" y="3063267"/>
+            <a:ext cx="914400" cy="914400"/>
+          </a:xfrm>
+          <a:prstGeom prst="rect">
+            <a:avLst/>
+          </a:prstGeom>
+        </p:spPr>
+      </p:pic>
     </p:spTree>
     <p:extLst>
       <p:ext uri="{BB962C8B-B14F-4D97-AF65-F5344CB8AC3E}">
-        <p14:creationId xmlns:p14="http://schemas.microsoft.com/office/powerpoint/2010/main" val="3369986201"/>
+        <p14:creationId xmlns:p14="http://schemas.microsoft.com/office/powerpoint/2010/main" val="208449404"/>
       </p:ext>
     </p:extLst>
   </p:cSld>
@@ -4681,7 +5406,7 @@
           <p:cNvPr id="2" name="Judul 1">
             <a:extLst>
               <a:ext uri="{FF2B5EF4-FFF2-40B4-BE49-F238E27FC236}">
-                <a16:creationId xmlns:a16="http://schemas.microsoft.com/office/drawing/2014/main" id="{1F837A3E-1F04-4EFC-8A3D-2168C485AEF7}"/>
+                <a16:creationId xmlns:a16="http://schemas.microsoft.com/office/drawing/2014/main" id="{9FAC6700-7C43-4BE2-9F19-AC0F1A8E1A13}"/>
               </a:ext>
             </a:extLst>
           </p:cNvPr>
@@ -4699,7 +5424,7 @@
           <a:p>
             <a:r>
               <a:rPr lang="fr-FR" dirty="0"/>
-              <a:t>Machine Learning Saat Ini</a:t>
+              <a:t>Apa itu Machine Learning?</a:t>
             </a:r>
           </a:p>
         </p:txBody>
@@ -4709,7 +5434,7 @@
           <p:cNvPr id="3" name="Tampungan Konten 2">
             <a:extLst>
               <a:ext uri="{FF2B5EF4-FFF2-40B4-BE49-F238E27FC236}">
-                <a16:creationId xmlns:a16="http://schemas.microsoft.com/office/drawing/2014/main" id="{255E3F14-C8B9-4544-AA0C-4927795FB880}"/>
+                <a16:creationId xmlns:a16="http://schemas.microsoft.com/office/drawing/2014/main" id="{AAFF9AEC-C8A8-4BDF-A670-2642ACA7FA1B}"/>
               </a:ext>
             </a:extLst>
           </p:cNvPr>
@@ -4727,31 +5452,21 @@
           <a:p>
             <a:r>
               <a:rPr lang="fr-FR" dirty="0"/>
-              <a:t>Mengalahkan pemain profesional Go terbaik</a:t>
-            </a:r>
-          </a:p>
-          <a:p>
+              <a:t>Machine Learning:</a:t>
+            </a:r>
+          </a:p>
+          <a:p>
+            <a:pPr lvl="1"/>
             <a:r>
               <a:rPr lang="fr-FR" dirty="0"/>
-              <a:t>Deteksi Hate-speech (Natural Language Processing)</a:t>
-            </a:r>
-          </a:p>
-          <a:p>
+              <a:t>Upaya mesin untuk « belajar » mengenai karakteristik suatu kasus/data agar mendekati hasil terbaik dengan algoritma tertentu</a:t>
+            </a:r>
+          </a:p>
+          <a:p>
+            <a:pPr lvl="1"/>
             <a:r>
               <a:rPr lang="fr-FR" dirty="0"/>
-              <a:t>Pemodelan virtual untuk paving tahan banjir</a:t>
-            </a:r>
-          </a:p>
-          <a:p>
-            <a:r>
-              <a:rPr lang="fr-FR" dirty="0"/>
-              <a:t>Prediksi kemenangan FIFA World Cup 2018</a:t>
-            </a:r>
-          </a:p>
-          <a:p>
-            <a:r>
-              <a:rPr lang="fr-FR" dirty="0"/>
-              <a:t>Membuat musik secara otomatis tinggal klik</a:t>
+              <a:t>AI menggunakan machine learning untuk membantu menentukan keputusan</a:t>
             </a:r>
           </a:p>
           <a:p>
@@ -4762,7 +5477,7 @@
     </p:spTree>
     <p:extLst>
       <p:ext uri="{BB962C8B-B14F-4D97-AF65-F5344CB8AC3E}">
-        <p14:creationId xmlns:p14="http://schemas.microsoft.com/office/powerpoint/2010/main" val="1017367340"/>
+        <p14:creationId xmlns:p14="http://schemas.microsoft.com/office/powerpoint/2010/main" val="3658862510"/>
       </p:ext>
     </p:extLst>
   </p:cSld>
@@ -4791,10 +5506,68 @@
       </p:grpSpPr>
       <p:sp>
         <p:nvSpPr>
+          <p:cNvPr id="7" name="Persegi Panjang 6">
+            <a:extLst>
+              <a:ext uri="{FF2B5EF4-FFF2-40B4-BE49-F238E27FC236}">
+                <a16:creationId xmlns:a16="http://schemas.microsoft.com/office/drawing/2014/main" id="{38FBBED4-D0ED-433B-A048-3DC201602FE2}"/>
+              </a:ext>
+            </a:extLst>
+          </p:cNvPr>
+          <p:cNvSpPr/>
+          <p:nvPr/>
+        </p:nvSpPr>
+        <p:spPr>
+          <a:xfrm>
+            <a:off x="4512861" y="1944805"/>
+            <a:ext cx="2795516" cy="2333768"/>
+          </a:xfrm>
+          <a:prstGeom prst="rect">
+            <a:avLst/>
+          </a:prstGeom>
+          <a:noFill/>
+          <a:ln w="28575">
+            <a:solidFill>
+              <a:schemeClr val="accent1"/>
+            </a:solidFill>
+          </a:ln>
+        </p:spPr>
+        <p:style>
+          <a:lnRef idx="2">
+            <a:schemeClr val="accent1">
+              <a:shade val="50000"/>
+            </a:schemeClr>
+          </a:lnRef>
+          <a:fillRef idx="1">
+            <a:schemeClr val="accent1"/>
+          </a:fillRef>
+          <a:effectRef idx="0">
+            <a:schemeClr val="accent1"/>
+          </a:effectRef>
+          <a:fontRef idx="minor">
+            <a:schemeClr val="lt1"/>
+          </a:fontRef>
+        </p:style>
+        <p:txBody>
+          <a:bodyPr rtlCol="0" anchor="t"/>
+          <a:lstStyle/>
+          <a:p>
+            <a:r>
+              <a:rPr lang="fr-FR" dirty="0">
+                <a:solidFill>
+                  <a:schemeClr val="tx1"/>
+                </a:solidFill>
+              </a:rPr>
+              <a:t>AI</a:t>
+            </a:r>
+          </a:p>
+        </p:txBody>
+      </p:sp>
+      <p:sp>
+        <p:nvSpPr>
           <p:cNvPr id="2" name="Judul 1">
             <a:extLst>
               <a:ext uri="{FF2B5EF4-FFF2-40B4-BE49-F238E27FC236}">
-                <a16:creationId xmlns:a16="http://schemas.microsoft.com/office/drawing/2014/main" id="{AE96D235-6FB3-4731-9B1F-E6C4BC55A997}"/>
+                <a16:creationId xmlns:a16="http://schemas.microsoft.com/office/drawing/2014/main" id="{9FAC6700-7C43-4BE2-9F19-AC0F1A8E1A13}"/>
               </a:ext>
             </a:extLst>
           </p:cNvPr>
@@ -4810,7 +5583,591 @@
           <a:bodyPr/>
           <a:lstStyle/>
           <a:p>
-            <a:endParaRPr lang="fr-FR"/>
+            <a:r>
+              <a:rPr lang="fr-FR" dirty="0"/>
+              <a:t>Apa itu Machine Learning?</a:t>
+            </a:r>
+          </a:p>
+        </p:txBody>
+      </p:sp>
+      <p:sp>
+        <p:nvSpPr>
+          <p:cNvPr id="4" name="Persegi: Sudut Lengkung 3">
+            <a:extLst>
+              <a:ext uri="{FF2B5EF4-FFF2-40B4-BE49-F238E27FC236}">
+                <a16:creationId xmlns:a16="http://schemas.microsoft.com/office/drawing/2014/main" id="{75FFA2F6-E461-4E63-AA54-1B7B1C8F81AF}"/>
+              </a:ext>
+            </a:extLst>
+          </p:cNvPr>
+          <p:cNvSpPr/>
+          <p:nvPr/>
+        </p:nvSpPr>
+        <p:spPr>
+          <a:xfrm>
+            <a:off x="1262419" y="3181562"/>
+            <a:ext cx="1603611" cy="914400"/>
+          </a:xfrm>
+          <a:prstGeom prst="roundRect">
+            <a:avLst/>
+          </a:prstGeom>
+          <a:solidFill>
+            <a:schemeClr val="accent4"/>
+          </a:solidFill>
+          <a:ln>
+            <a:noFill/>
+          </a:ln>
+        </p:spPr>
+        <p:style>
+          <a:lnRef idx="2">
+            <a:schemeClr val="accent1">
+              <a:shade val="50000"/>
+            </a:schemeClr>
+          </a:lnRef>
+          <a:fillRef idx="1">
+            <a:schemeClr val="accent1"/>
+          </a:fillRef>
+          <a:effectRef idx="0">
+            <a:schemeClr val="accent1"/>
+          </a:effectRef>
+          <a:fontRef idx="minor">
+            <a:schemeClr val="lt1"/>
+          </a:fontRef>
+        </p:style>
+        <p:txBody>
+          <a:bodyPr rtlCol="0" anchor="ctr"/>
+          <a:lstStyle/>
+          <a:p>
+            <a:pPr algn="ctr"/>
+            <a:r>
+              <a:rPr lang="fr-FR" sz="2400" dirty="0">
+                <a:solidFill>
+                  <a:schemeClr val="tx1"/>
+                </a:solidFill>
+              </a:rPr>
+              <a:t>Data</a:t>
+            </a:r>
+          </a:p>
+        </p:txBody>
+      </p:sp>
+      <p:sp>
+        <p:nvSpPr>
+          <p:cNvPr id="5" name="Persegi Panjang 4">
+            <a:extLst>
+              <a:ext uri="{FF2B5EF4-FFF2-40B4-BE49-F238E27FC236}">
+                <a16:creationId xmlns:a16="http://schemas.microsoft.com/office/drawing/2014/main" id="{82CAE6DD-3A48-4137-846C-42DD5A03E76F}"/>
+              </a:ext>
+            </a:extLst>
+          </p:cNvPr>
+          <p:cNvSpPr/>
+          <p:nvPr/>
+        </p:nvSpPr>
+        <p:spPr>
+          <a:xfrm>
+            <a:off x="4615218" y="3157678"/>
+            <a:ext cx="1603611" cy="914400"/>
+          </a:xfrm>
+          <a:prstGeom prst="rect">
+            <a:avLst/>
+          </a:prstGeom>
+          <a:noFill/>
+          <a:ln>
+            <a:prstDash val="dashDot"/>
+          </a:ln>
+        </p:spPr>
+        <p:style>
+          <a:lnRef idx="2">
+            <a:schemeClr val="accent1">
+              <a:shade val="50000"/>
+            </a:schemeClr>
+          </a:lnRef>
+          <a:fillRef idx="1">
+            <a:schemeClr val="accent1"/>
+          </a:fillRef>
+          <a:effectRef idx="0">
+            <a:schemeClr val="accent1"/>
+          </a:effectRef>
+          <a:fontRef idx="minor">
+            <a:schemeClr val="lt1"/>
+          </a:fontRef>
+        </p:style>
+        <p:txBody>
+          <a:bodyPr rtlCol="0" anchor="ctr"/>
+          <a:lstStyle/>
+          <a:p>
+            <a:pPr algn="ctr"/>
+            <a:r>
+              <a:rPr lang="fr-FR" dirty="0">
+                <a:solidFill>
+                  <a:schemeClr val="accent1"/>
+                </a:solidFill>
+              </a:rPr>
+              <a:t>Machine Learning</a:t>
+            </a:r>
+          </a:p>
+        </p:txBody>
+      </p:sp>
+      <p:cxnSp>
+        <p:nvCxnSpPr>
+          <p:cNvPr id="10" name="Konektor Panah Lurus 9">
+            <a:extLst>
+              <a:ext uri="{FF2B5EF4-FFF2-40B4-BE49-F238E27FC236}">
+                <a16:creationId xmlns:a16="http://schemas.microsoft.com/office/drawing/2014/main" id="{1847FE03-38D7-45F8-998F-733AB22FB476}"/>
+              </a:ext>
+            </a:extLst>
+          </p:cNvPr>
+          <p:cNvCxnSpPr>
+            <a:endCxn id="5" idx="1"/>
+          </p:cNvCxnSpPr>
+          <p:nvPr/>
+        </p:nvCxnSpPr>
+        <p:spPr>
+          <a:xfrm flipV="1">
+            <a:off x="2866030" y="3614878"/>
+            <a:ext cx="1749188" cy="23884"/>
+          </a:xfrm>
+          <a:prstGeom prst="straightConnector1">
+            <a:avLst/>
+          </a:prstGeom>
+          <a:ln>
+            <a:tailEnd type="triangle"/>
+          </a:ln>
+        </p:spPr>
+        <p:style>
+          <a:lnRef idx="1">
+            <a:schemeClr val="accent1"/>
+          </a:lnRef>
+          <a:fillRef idx="0">
+            <a:schemeClr val="accent1"/>
+          </a:fillRef>
+          <a:effectRef idx="0">
+            <a:schemeClr val="accent1"/>
+          </a:effectRef>
+          <a:fontRef idx="minor">
+            <a:schemeClr val="tx1"/>
+          </a:fontRef>
+        </p:style>
+      </p:cxnSp>
+      <p:sp>
+        <p:nvSpPr>
+          <p:cNvPr id="12" name="Persegi: Sudut Lengkung 11">
+            <a:extLst>
+              <a:ext uri="{FF2B5EF4-FFF2-40B4-BE49-F238E27FC236}">
+                <a16:creationId xmlns:a16="http://schemas.microsoft.com/office/drawing/2014/main" id="{6696CC56-768D-4DAC-993F-3D110198BC57}"/>
+              </a:ext>
+            </a:extLst>
+          </p:cNvPr>
+          <p:cNvSpPr/>
+          <p:nvPr/>
+        </p:nvSpPr>
+        <p:spPr>
+          <a:xfrm>
+            <a:off x="8475259" y="2654488"/>
+            <a:ext cx="2026486" cy="984263"/>
+          </a:xfrm>
+          <a:prstGeom prst="roundRect">
+            <a:avLst/>
+          </a:prstGeom>
+          <a:solidFill>
+            <a:schemeClr val="accent6"/>
+          </a:solidFill>
+          <a:ln>
+            <a:noFill/>
+          </a:ln>
+        </p:spPr>
+        <p:style>
+          <a:lnRef idx="2">
+            <a:schemeClr val="accent1">
+              <a:shade val="50000"/>
+            </a:schemeClr>
+          </a:lnRef>
+          <a:fillRef idx="1">
+            <a:schemeClr val="accent1"/>
+          </a:fillRef>
+          <a:effectRef idx="0">
+            <a:schemeClr val="accent1"/>
+          </a:effectRef>
+          <a:fontRef idx="minor">
+            <a:schemeClr val="lt1"/>
+          </a:fontRef>
+        </p:style>
+        <p:txBody>
+          <a:bodyPr rtlCol="0" anchor="ctr"/>
+          <a:lstStyle/>
+          <a:p>
+            <a:pPr algn="ctr"/>
+            <a:r>
+              <a:rPr lang="fr-FR" sz="2800" dirty="0"/>
+              <a:t>Keputusan</a:t>
+            </a:r>
+          </a:p>
+        </p:txBody>
+      </p:sp>
+      <p:cxnSp>
+        <p:nvCxnSpPr>
+          <p:cNvPr id="13" name="Konektor Panah Lurus 12">
+            <a:extLst>
+              <a:ext uri="{FF2B5EF4-FFF2-40B4-BE49-F238E27FC236}">
+                <a16:creationId xmlns:a16="http://schemas.microsoft.com/office/drawing/2014/main" id="{85929407-4FD4-40D4-8CF9-FE3A2CE19C01}"/>
+              </a:ext>
+            </a:extLst>
+          </p:cNvPr>
+          <p:cNvCxnSpPr>
+            <a:cxnSpLocks/>
+            <a:stCxn id="7" idx="3"/>
+          </p:cNvCxnSpPr>
+          <p:nvPr/>
+        </p:nvCxnSpPr>
+        <p:spPr>
+          <a:xfrm>
+            <a:off x="7308377" y="3111689"/>
+            <a:ext cx="1166882" cy="0"/>
+          </a:xfrm>
+          <a:prstGeom prst="straightConnector1">
+            <a:avLst/>
+          </a:prstGeom>
+          <a:ln>
+            <a:tailEnd type="triangle"/>
+          </a:ln>
+        </p:spPr>
+        <p:style>
+          <a:lnRef idx="1">
+            <a:schemeClr val="accent1"/>
+          </a:lnRef>
+          <a:fillRef idx="0">
+            <a:schemeClr val="accent1"/>
+          </a:fillRef>
+          <a:effectRef idx="0">
+            <a:schemeClr val="accent1"/>
+          </a:effectRef>
+          <a:fontRef idx="minor">
+            <a:schemeClr val="tx1"/>
+          </a:fontRef>
+        </p:style>
+      </p:cxnSp>
+      <p:sp>
+        <p:nvSpPr>
+          <p:cNvPr id="18" name="Kotak Teks 17">
+            <a:extLst>
+              <a:ext uri="{FF2B5EF4-FFF2-40B4-BE49-F238E27FC236}">
+                <a16:creationId xmlns:a16="http://schemas.microsoft.com/office/drawing/2014/main" id="{53555BDA-AE51-4724-AED5-750A16F470A9}"/>
+              </a:ext>
+            </a:extLst>
+          </p:cNvPr>
+          <p:cNvSpPr txBox="1"/>
+          <p:nvPr/>
+        </p:nvSpPr>
+        <p:spPr>
+          <a:xfrm>
+            <a:off x="1828800" y="5854890"/>
+            <a:ext cx="8459432" cy="369332"/>
+          </a:xfrm>
+          <a:prstGeom prst="rect">
+            <a:avLst/>
+          </a:prstGeom>
+          <a:noFill/>
+        </p:spPr>
+        <p:txBody>
+          <a:bodyPr wrap="none" rtlCol="0">
+            <a:spAutoFit/>
+          </a:bodyPr>
+          <a:lstStyle/>
+          <a:p>
+            <a:r>
+              <a:rPr lang="fr-FR" dirty="0"/>
+              <a:t>Semakin baik hasil Machine Learning-nya, semakin baik keputusan yang bisa diperoleh AI</a:t>
+            </a:r>
+          </a:p>
+        </p:txBody>
+      </p:sp>
+      <p:pic>
+        <p:nvPicPr>
+          <p:cNvPr id="6" name="Grafik 5" descr="Network">
+            <a:extLst>
+              <a:ext uri="{FF2B5EF4-FFF2-40B4-BE49-F238E27FC236}">
+                <a16:creationId xmlns:a16="http://schemas.microsoft.com/office/drawing/2014/main" id="{4BE3360A-AD23-454A-950B-643799C5F7F9}"/>
+              </a:ext>
+            </a:extLst>
+          </p:cNvPr>
+          <p:cNvPicPr>
+            <a:picLocks noChangeAspect="1"/>
+          </p:cNvPicPr>
+          <p:nvPr/>
+        </p:nvPicPr>
+        <p:blipFill>
+          <a:blip r:embed="rId2">
+            <a:extLst>
+              <a:ext uri="{28A0092B-C50C-407E-A947-70E740481C1C}">
+                <a14:useLocalDpi xmlns:a14="http://schemas.microsoft.com/office/drawing/2010/main" val="0"/>
+              </a:ext>
+              <a:ext uri="{96DAC541-7B7A-43D3-8B79-37D633B846F1}">
+                <asvg:svgBlip xmlns:asvg="http://schemas.microsoft.com/office/drawing/2016/SVG/main" r:embed="rId3"/>
+              </a:ext>
+            </a:extLst>
+          </a:blip>
+          <a:stretch>
+            <a:fillRect/>
+          </a:stretch>
+        </p:blipFill>
+        <p:spPr>
+          <a:xfrm>
+            <a:off x="6262049" y="2066333"/>
+            <a:ext cx="914400" cy="914400"/>
+          </a:xfrm>
+          <a:prstGeom prst="rect">
+            <a:avLst/>
+          </a:prstGeom>
+        </p:spPr>
+      </p:pic>
+      <p:pic>
+        <p:nvPicPr>
+          <p:cNvPr id="9" name="Grafik 8" descr="Upward trend">
+            <a:extLst>
+              <a:ext uri="{FF2B5EF4-FFF2-40B4-BE49-F238E27FC236}">
+                <a16:creationId xmlns:a16="http://schemas.microsoft.com/office/drawing/2014/main" id="{902588FF-231D-4EC0-AE64-CDCDB74C6D3C}"/>
+              </a:ext>
+            </a:extLst>
+          </p:cNvPr>
+          <p:cNvPicPr>
+            <a:picLocks noChangeAspect="1"/>
+          </p:cNvPicPr>
+          <p:nvPr/>
+        </p:nvPicPr>
+        <p:blipFill>
+          <a:blip r:embed="rId4">
+            <a:extLst>
+              <a:ext uri="{28A0092B-C50C-407E-A947-70E740481C1C}">
+                <a14:useLocalDpi xmlns:a14="http://schemas.microsoft.com/office/drawing/2010/main" val="0"/>
+              </a:ext>
+              <a:ext uri="{96DAC541-7B7A-43D3-8B79-37D633B846F1}">
+                <asvg:svgBlip xmlns:asvg="http://schemas.microsoft.com/office/drawing/2016/SVG/main" r:embed="rId5"/>
+              </a:ext>
+            </a:extLst>
+          </a:blip>
+          <a:stretch>
+            <a:fillRect/>
+          </a:stretch>
+        </p:blipFill>
+        <p:spPr>
+          <a:xfrm>
+            <a:off x="5299157" y="2073260"/>
+            <a:ext cx="914400" cy="914400"/>
+          </a:xfrm>
+          <a:prstGeom prst="rect">
+            <a:avLst/>
+          </a:prstGeom>
+        </p:spPr>
+      </p:pic>
+      <p:pic>
+        <p:nvPicPr>
+          <p:cNvPr id="14" name="Grafik 13" descr="Database">
+            <a:extLst>
+              <a:ext uri="{FF2B5EF4-FFF2-40B4-BE49-F238E27FC236}">
+                <a16:creationId xmlns:a16="http://schemas.microsoft.com/office/drawing/2014/main" id="{5A9A04CA-EF0E-48CF-B582-C61A88BB72CA}"/>
+              </a:ext>
+            </a:extLst>
+          </p:cNvPr>
+          <p:cNvPicPr>
+            <a:picLocks noChangeAspect="1"/>
+          </p:cNvPicPr>
+          <p:nvPr/>
+        </p:nvPicPr>
+        <p:blipFill>
+          <a:blip r:embed="rId6">
+            <a:extLst>
+              <a:ext uri="{28A0092B-C50C-407E-A947-70E740481C1C}">
+                <a14:useLocalDpi xmlns:a14="http://schemas.microsoft.com/office/drawing/2010/main" val="0"/>
+              </a:ext>
+              <a:ext uri="{96DAC541-7B7A-43D3-8B79-37D633B846F1}">
+                <asvg:svgBlip xmlns:asvg="http://schemas.microsoft.com/office/drawing/2016/SVG/main" r:embed="rId7"/>
+              </a:ext>
+            </a:extLst>
+          </a:blip>
+          <a:stretch>
+            <a:fillRect/>
+          </a:stretch>
+        </p:blipFill>
+        <p:spPr>
+          <a:xfrm>
+            <a:off x="1101639" y="2011125"/>
+            <a:ext cx="1170437" cy="1170437"/>
+          </a:xfrm>
+          <a:prstGeom prst="rect">
+            <a:avLst/>
+          </a:prstGeom>
+        </p:spPr>
+      </p:pic>
+      <p:pic>
+        <p:nvPicPr>
+          <p:cNvPr id="16" name="Grafik 15" descr="Lightbulb">
+            <a:extLst>
+              <a:ext uri="{FF2B5EF4-FFF2-40B4-BE49-F238E27FC236}">
+                <a16:creationId xmlns:a16="http://schemas.microsoft.com/office/drawing/2014/main" id="{2EA0FC2D-FE61-4CFE-B1AB-1D6F2B085924}"/>
+              </a:ext>
+            </a:extLst>
+          </p:cNvPr>
+          <p:cNvPicPr>
+            <a:picLocks noChangeAspect="1"/>
+          </p:cNvPicPr>
+          <p:nvPr/>
+        </p:nvPicPr>
+        <p:blipFill>
+          <a:blip r:embed="rId8">
+            <a:extLst>
+              <a:ext uri="{28A0092B-C50C-407E-A947-70E740481C1C}">
+                <a14:useLocalDpi xmlns:a14="http://schemas.microsoft.com/office/drawing/2010/main" val="0"/>
+              </a:ext>
+              <a:ext uri="{96DAC541-7B7A-43D3-8B79-37D633B846F1}">
+                <asvg:svgBlip xmlns:asvg="http://schemas.microsoft.com/office/drawing/2016/SVG/main" r:embed="rId9"/>
+              </a:ext>
+            </a:extLst>
+          </a:blip>
+          <a:stretch>
+            <a:fillRect/>
+          </a:stretch>
+        </p:blipFill>
+        <p:spPr>
+          <a:xfrm>
+            <a:off x="9091962" y="1681943"/>
+            <a:ext cx="914400" cy="914400"/>
+          </a:xfrm>
+          <a:prstGeom prst="rect">
+            <a:avLst/>
+          </a:prstGeom>
+        </p:spPr>
+      </p:pic>
+      <p:pic>
+        <p:nvPicPr>
+          <p:cNvPr id="19" name="Grafik 18" descr="Gears">
+            <a:extLst>
+              <a:ext uri="{FF2B5EF4-FFF2-40B4-BE49-F238E27FC236}">
+                <a16:creationId xmlns:a16="http://schemas.microsoft.com/office/drawing/2014/main" id="{CC1BCA33-783E-4F3A-9BFD-6DDF33FAA08B}"/>
+              </a:ext>
+            </a:extLst>
+          </p:cNvPr>
+          <p:cNvPicPr>
+            <a:picLocks noChangeAspect="1"/>
+          </p:cNvPicPr>
+          <p:nvPr/>
+        </p:nvPicPr>
+        <p:blipFill>
+          <a:blip r:embed="rId10">
+            <a:extLst>
+              <a:ext uri="{28A0092B-C50C-407E-A947-70E740481C1C}">
+                <a14:useLocalDpi xmlns:a14="http://schemas.microsoft.com/office/drawing/2010/main" val="0"/>
+              </a:ext>
+              <a:ext uri="{96DAC541-7B7A-43D3-8B79-37D633B846F1}">
+                <asvg:svgBlip xmlns:asvg="http://schemas.microsoft.com/office/drawing/2016/SVG/main" r:embed="rId11"/>
+              </a:ext>
+            </a:extLst>
+          </a:blip>
+          <a:stretch>
+            <a:fillRect/>
+          </a:stretch>
+        </p:blipFill>
+        <p:spPr>
+          <a:xfrm>
+            <a:off x="6262049" y="3181562"/>
+            <a:ext cx="914400" cy="914400"/>
+          </a:xfrm>
+          <a:prstGeom prst="rect">
+            <a:avLst/>
+          </a:prstGeom>
+        </p:spPr>
+      </p:pic>
+      <p:pic>
+        <p:nvPicPr>
+          <p:cNvPr id="20" name="Grafik 19" descr="Database">
+            <a:extLst>
+              <a:ext uri="{FF2B5EF4-FFF2-40B4-BE49-F238E27FC236}">
+                <a16:creationId xmlns:a16="http://schemas.microsoft.com/office/drawing/2014/main" id="{CD668B4A-BD9B-46E7-827A-F64A4298B938}"/>
+              </a:ext>
+            </a:extLst>
+          </p:cNvPr>
+          <p:cNvPicPr>
+            <a:picLocks noChangeAspect="1"/>
+          </p:cNvPicPr>
+          <p:nvPr/>
+        </p:nvPicPr>
+        <p:blipFill>
+          <a:blip r:embed="rId12">
+            <a:extLst>
+              <a:ext uri="{28A0092B-C50C-407E-A947-70E740481C1C}">
+                <a14:useLocalDpi xmlns:a14="http://schemas.microsoft.com/office/drawing/2010/main" val="0"/>
+              </a:ext>
+              <a:ext uri="{96DAC541-7B7A-43D3-8B79-37D633B846F1}">
+                <asvg:svgBlip xmlns:asvg="http://schemas.microsoft.com/office/drawing/2016/SVG/main" r:embed="rId13"/>
+              </a:ext>
+            </a:extLst>
+          </a:blip>
+          <a:stretch>
+            <a:fillRect/>
+          </a:stretch>
+        </p:blipFill>
+        <p:spPr>
+          <a:xfrm>
+            <a:off x="1957260" y="2011125"/>
+            <a:ext cx="1170437" cy="1170437"/>
+          </a:xfrm>
+          <a:prstGeom prst="rect">
+            <a:avLst/>
+          </a:prstGeom>
+        </p:spPr>
+      </p:pic>
+    </p:spTree>
+    <p:extLst>
+      <p:ext uri="{BB962C8B-B14F-4D97-AF65-F5344CB8AC3E}">
+        <p14:creationId xmlns:p14="http://schemas.microsoft.com/office/powerpoint/2010/main" val="2202440231"/>
+      </p:ext>
+    </p:extLst>
+  </p:cSld>
+  <p:clrMapOvr>
+    <a:masterClrMapping/>
+  </p:clrMapOvr>
+</p:sld>
+</file>
+
+<file path=ppt/slides/slide15.xml><?xml version="1.0" encoding="utf-8"?>
+<p:sld xmlns:a="http://schemas.openxmlformats.org/drawingml/2006/main" xmlns:r="http://schemas.openxmlformats.org/officeDocument/2006/relationships" xmlns:p="http://schemas.openxmlformats.org/presentationml/2006/main">
+  <p:cSld>
+    <p:spTree>
+      <p:nvGrpSpPr>
+        <p:cNvPr id="1" name=""/>
+        <p:cNvGrpSpPr/>
+        <p:nvPr/>
+      </p:nvGrpSpPr>
+      <p:grpSpPr>
+        <a:xfrm>
+          <a:off x="0" y="0"/>
+          <a:ext cx="0" cy="0"/>
+          <a:chOff x="0" y="0"/>
+          <a:chExt cx="0" cy="0"/>
+        </a:xfrm>
+      </p:grpSpPr>
+      <p:sp>
+        <p:nvSpPr>
+          <p:cNvPr id="2" name="Judul 1">
+            <a:extLst>
+              <a:ext uri="{FF2B5EF4-FFF2-40B4-BE49-F238E27FC236}">
+                <a16:creationId xmlns:a16="http://schemas.microsoft.com/office/drawing/2014/main" id="{9FAC6700-7C43-4BE2-9F19-AC0F1A8E1A13}"/>
+              </a:ext>
+            </a:extLst>
+          </p:cNvPr>
+          <p:cNvSpPr>
+            <a:spLocks noGrp="1"/>
+          </p:cNvSpPr>
+          <p:nvPr>
+            <p:ph type="title"/>
+          </p:nvPr>
+        </p:nvSpPr>
+        <p:spPr/>
+        <p:txBody>
+          <a:bodyPr/>
+          <a:lstStyle/>
+          <a:p>
+            <a:r>
+              <a:rPr lang="fr-FR" dirty="0"/>
+              <a:t>Perbedaan Artificial Intelligence, Data Science, dan Machine Learning</a:t>
+            </a:r>
           </a:p>
         </p:txBody>
       </p:sp>
@@ -4819,7 +6176,7 @@
           <p:cNvPr id="3" name="Tampungan Konten 2">
             <a:extLst>
               <a:ext uri="{FF2B5EF4-FFF2-40B4-BE49-F238E27FC236}">
-                <a16:creationId xmlns:a16="http://schemas.microsoft.com/office/drawing/2014/main" id="{BE01B3E4-1106-4B50-9D1E-65CD7C4B4351}"/>
+                <a16:creationId xmlns:a16="http://schemas.microsoft.com/office/drawing/2014/main" id="{AAFF9AEC-C8A8-4BDF-A670-2642ACA7FA1B}"/>
               </a:ext>
             </a:extLst>
           </p:cNvPr>
@@ -4835,14 +6192,1061 @@
           <a:bodyPr/>
           <a:lstStyle/>
           <a:p>
-            <a:endParaRPr lang="fr-FR"/>
+            <a:r>
+              <a:rPr lang="fr-FR" dirty="0"/>
+              <a:t>Data Science:</a:t>
+            </a:r>
+          </a:p>
+          <a:p>
+            <a:pPr lvl="1"/>
+            <a:r>
+              <a:rPr lang="fr-FR" dirty="0"/>
+              <a:t>Bidang ilmu yang mencakup semua hal terkait data</a:t>
+            </a:r>
+          </a:p>
+          <a:p>
+            <a:pPr lvl="2"/>
+            <a:r>
+              <a:rPr lang="fr-FR" dirty="0"/>
+              <a:t>Pembersihan data</a:t>
+            </a:r>
+          </a:p>
+          <a:p>
+            <a:pPr lvl="2"/>
+            <a:r>
+              <a:rPr lang="fr-FR" dirty="0"/>
+              <a:t>Koleksi data</a:t>
+            </a:r>
+          </a:p>
+          <a:p>
+            <a:pPr lvl="2"/>
+            <a:r>
+              <a:rPr lang="fr-FR" dirty="0"/>
+              <a:t>Penarikan kesimpulan</a:t>
+            </a:r>
+          </a:p>
+          <a:p>
+            <a:pPr lvl="2"/>
+            <a:r>
+              <a:rPr lang="fr-FR" dirty="0"/>
+              <a:t>Statistika</a:t>
+            </a:r>
+          </a:p>
+          <a:p>
+            <a:pPr lvl="2"/>
+            <a:r>
+              <a:rPr lang="fr-FR" dirty="0"/>
+              <a:t>Dst</a:t>
+            </a:r>
+          </a:p>
+          <a:p>
+            <a:pPr lvl="1"/>
+            <a:r>
+              <a:rPr lang="fr-FR" dirty="0"/>
+              <a:t>Cenderung melibatkan manusia dalam prosesnya, tetapi tetap juga membutuhkan otomatisasi dalam beberapa hal</a:t>
+            </a:r>
+          </a:p>
+          <a:p>
+            <a:endParaRPr lang="fr-FR" dirty="0"/>
+          </a:p>
+          <a:p>
+            <a:endParaRPr lang="fr-FR" dirty="0"/>
           </a:p>
         </p:txBody>
       </p:sp>
     </p:spTree>
     <p:extLst>
       <p:ext uri="{BB962C8B-B14F-4D97-AF65-F5344CB8AC3E}">
-        <p14:creationId xmlns:p14="http://schemas.microsoft.com/office/powerpoint/2010/main" val="3672253545"/>
+        <p14:creationId xmlns:p14="http://schemas.microsoft.com/office/powerpoint/2010/main" val="2528395948"/>
+      </p:ext>
+    </p:extLst>
+  </p:cSld>
+  <p:clrMapOvr>
+    <a:masterClrMapping/>
+  </p:clrMapOvr>
+</p:sld>
+</file>
+
+<file path=ppt/slides/slide16.xml><?xml version="1.0" encoding="utf-8"?>
+<p:sld xmlns:a="http://schemas.openxmlformats.org/drawingml/2006/main" xmlns:r="http://schemas.openxmlformats.org/officeDocument/2006/relationships" xmlns:p="http://schemas.openxmlformats.org/presentationml/2006/main">
+  <p:cSld>
+    <p:spTree>
+      <p:nvGrpSpPr>
+        <p:cNvPr id="1" name=""/>
+        <p:cNvGrpSpPr/>
+        <p:nvPr/>
+      </p:nvGrpSpPr>
+      <p:grpSpPr>
+        <a:xfrm>
+          <a:off x="0" y="0"/>
+          <a:ext cx="0" cy="0"/>
+          <a:chOff x="0" y="0"/>
+          <a:chExt cx="0" cy="0"/>
+        </a:xfrm>
+      </p:grpSpPr>
+      <p:sp>
+        <p:nvSpPr>
+          <p:cNvPr id="2" name="Judul 1">
+            <a:extLst>
+              <a:ext uri="{FF2B5EF4-FFF2-40B4-BE49-F238E27FC236}">
+                <a16:creationId xmlns:a16="http://schemas.microsoft.com/office/drawing/2014/main" id="{0106CD43-BEB3-42A7-A3FE-4698C6C6FC1E}"/>
+              </a:ext>
+            </a:extLst>
+          </p:cNvPr>
+          <p:cNvSpPr>
+            <a:spLocks noGrp="1"/>
+          </p:cNvSpPr>
+          <p:nvPr>
+            <p:ph type="title"/>
+          </p:nvPr>
+        </p:nvSpPr>
+        <p:spPr/>
+        <p:txBody>
+          <a:bodyPr>
+            <a:normAutofit/>
+          </a:bodyPr>
+          <a:lstStyle/>
+          <a:p>
+            <a:r>
+              <a:rPr lang="fr-FR" dirty="0"/>
+              <a:t>Perbedaan Artificial Intelligence, Data Science, dan Machine Learning</a:t>
+            </a:r>
+          </a:p>
+        </p:txBody>
+      </p:sp>
+      <p:sp>
+        <p:nvSpPr>
+          <p:cNvPr id="4" name="Oval 3">
+            <a:extLst>
+              <a:ext uri="{FF2B5EF4-FFF2-40B4-BE49-F238E27FC236}">
+                <a16:creationId xmlns:a16="http://schemas.microsoft.com/office/drawing/2014/main" id="{DC722B05-4667-4C02-B1C4-7E491A492F30}"/>
+              </a:ext>
+            </a:extLst>
+          </p:cNvPr>
+          <p:cNvSpPr/>
+          <p:nvPr/>
+        </p:nvSpPr>
+        <p:spPr>
+          <a:xfrm>
+            <a:off x="970547" y="1967916"/>
+            <a:ext cx="4154905" cy="4154905"/>
+          </a:xfrm>
+          <a:prstGeom prst="ellipse">
+            <a:avLst/>
+          </a:prstGeom>
+          <a:solidFill>
+            <a:schemeClr val="accent1">
+              <a:lumMod val="20000"/>
+              <a:lumOff val="80000"/>
+              <a:alpha val="50000"/>
+            </a:schemeClr>
+          </a:solidFill>
+          <a:ln w="28575"/>
+        </p:spPr>
+        <p:style>
+          <a:lnRef idx="2">
+            <a:schemeClr val="accent1">
+              <a:shade val="50000"/>
+            </a:schemeClr>
+          </a:lnRef>
+          <a:fillRef idx="1">
+            <a:schemeClr val="accent1"/>
+          </a:fillRef>
+          <a:effectRef idx="0">
+            <a:schemeClr val="accent1"/>
+          </a:effectRef>
+          <a:fontRef idx="minor">
+            <a:schemeClr val="lt1"/>
+          </a:fontRef>
+        </p:style>
+        <p:txBody>
+          <a:bodyPr rtlCol="0" anchor="ctr"/>
+          <a:lstStyle/>
+          <a:p>
+            <a:pPr algn="ctr"/>
+            <a:endParaRPr lang="fr-FR"/>
+          </a:p>
+        </p:txBody>
+      </p:sp>
+      <p:sp>
+        <p:nvSpPr>
+          <p:cNvPr id="5" name="Oval 4">
+            <a:extLst>
+              <a:ext uri="{FF2B5EF4-FFF2-40B4-BE49-F238E27FC236}">
+                <a16:creationId xmlns:a16="http://schemas.microsoft.com/office/drawing/2014/main" id="{99CA6A8A-623E-4839-ACD2-7F5088C93183}"/>
+              </a:ext>
+            </a:extLst>
+          </p:cNvPr>
+          <p:cNvSpPr/>
+          <p:nvPr/>
+        </p:nvSpPr>
+        <p:spPr>
+          <a:xfrm>
+            <a:off x="3047999" y="1967916"/>
+            <a:ext cx="4154905" cy="4154905"/>
+          </a:xfrm>
+          <a:prstGeom prst="ellipse">
+            <a:avLst/>
+          </a:prstGeom>
+          <a:solidFill>
+            <a:schemeClr val="accent6">
+              <a:lumMod val="20000"/>
+              <a:lumOff val="80000"/>
+              <a:alpha val="50000"/>
+            </a:schemeClr>
+          </a:solidFill>
+          <a:ln w="38100">
+            <a:solidFill>
+              <a:schemeClr val="accent6"/>
+            </a:solidFill>
+          </a:ln>
+        </p:spPr>
+        <p:style>
+          <a:lnRef idx="2">
+            <a:schemeClr val="accent1">
+              <a:shade val="50000"/>
+            </a:schemeClr>
+          </a:lnRef>
+          <a:fillRef idx="1">
+            <a:schemeClr val="accent1"/>
+          </a:fillRef>
+          <a:effectRef idx="0">
+            <a:schemeClr val="accent1"/>
+          </a:effectRef>
+          <a:fontRef idx="minor">
+            <a:schemeClr val="lt1"/>
+          </a:fontRef>
+        </p:style>
+        <p:txBody>
+          <a:bodyPr rtlCol="0" anchor="ctr"/>
+          <a:lstStyle/>
+          <a:p>
+            <a:pPr algn="ctr"/>
+            <a:endParaRPr lang="fr-FR"/>
+          </a:p>
+        </p:txBody>
+      </p:sp>
+      <p:sp>
+        <p:nvSpPr>
+          <p:cNvPr id="6" name="Oval 5">
+            <a:extLst>
+              <a:ext uri="{FF2B5EF4-FFF2-40B4-BE49-F238E27FC236}">
+                <a16:creationId xmlns:a16="http://schemas.microsoft.com/office/drawing/2014/main" id="{9CC3BBFE-72D9-49A0-816A-F9F64232A839}"/>
+              </a:ext>
+            </a:extLst>
+          </p:cNvPr>
+          <p:cNvSpPr/>
+          <p:nvPr/>
+        </p:nvSpPr>
+        <p:spPr>
+          <a:xfrm>
+            <a:off x="3380873" y="4235116"/>
+            <a:ext cx="1485900" cy="1149016"/>
+          </a:xfrm>
+          <a:prstGeom prst="ellipse">
+            <a:avLst/>
+          </a:prstGeom>
+          <a:solidFill>
+            <a:schemeClr val="accent2">
+              <a:lumMod val="40000"/>
+              <a:lumOff val="60000"/>
+            </a:schemeClr>
+          </a:solidFill>
+          <a:ln w="38100">
+            <a:solidFill>
+              <a:schemeClr val="accent2"/>
+            </a:solidFill>
+          </a:ln>
+        </p:spPr>
+        <p:style>
+          <a:lnRef idx="2">
+            <a:schemeClr val="accent1">
+              <a:shade val="50000"/>
+            </a:schemeClr>
+          </a:lnRef>
+          <a:fillRef idx="1">
+            <a:schemeClr val="accent1"/>
+          </a:fillRef>
+          <a:effectRef idx="0">
+            <a:schemeClr val="accent1"/>
+          </a:effectRef>
+          <a:fontRef idx="minor">
+            <a:schemeClr val="lt1"/>
+          </a:fontRef>
+        </p:style>
+        <p:txBody>
+          <a:bodyPr rtlCol="0" anchor="ctr"/>
+          <a:lstStyle/>
+          <a:p>
+            <a:pPr algn="ctr"/>
+            <a:endParaRPr lang="fr-FR"/>
+          </a:p>
+        </p:txBody>
+      </p:sp>
+      <p:sp>
+        <p:nvSpPr>
+          <p:cNvPr id="7" name="Oval 6">
+            <a:extLst>
+              <a:ext uri="{FF2B5EF4-FFF2-40B4-BE49-F238E27FC236}">
+                <a16:creationId xmlns:a16="http://schemas.microsoft.com/office/drawing/2014/main" id="{76D02779-E000-4C50-9095-B2B55A2E1C0F}"/>
+              </a:ext>
+            </a:extLst>
+          </p:cNvPr>
+          <p:cNvSpPr/>
+          <p:nvPr/>
+        </p:nvSpPr>
+        <p:spPr>
+          <a:xfrm>
+            <a:off x="3468103" y="4578016"/>
+            <a:ext cx="760996" cy="625642"/>
+          </a:xfrm>
+          <a:prstGeom prst="ellipse">
+            <a:avLst/>
+          </a:prstGeom>
+          <a:solidFill>
+            <a:schemeClr val="accent4">
+              <a:lumMod val="40000"/>
+              <a:lumOff val="60000"/>
+            </a:schemeClr>
+          </a:solidFill>
+          <a:ln w="38100">
+            <a:solidFill>
+              <a:schemeClr val="accent4"/>
+            </a:solidFill>
+          </a:ln>
+        </p:spPr>
+        <p:style>
+          <a:lnRef idx="2">
+            <a:schemeClr val="accent1">
+              <a:shade val="50000"/>
+            </a:schemeClr>
+          </a:lnRef>
+          <a:fillRef idx="1">
+            <a:schemeClr val="accent1"/>
+          </a:fillRef>
+          <a:effectRef idx="0">
+            <a:schemeClr val="accent1"/>
+          </a:effectRef>
+          <a:fontRef idx="minor">
+            <a:schemeClr val="lt1"/>
+          </a:fontRef>
+        </p:style>
+        <p:txBody>
+          <a:bodyPr rtlCol="0" anchor="ctr"/>
+          <a:lstStyle/>
+          <a:p>
+            <a:pPr algn="ctr"/>
+            <a:endParaRPr lang="fr-FR"/>
+          </a:p>
+        </p:txBody>
+      </p:sp>
+      <p:sp>
+        <p:nvSpPr>
+          <p:cNvPr id="8" name="Kotak Teks 7">
+            <a:extLst>
+              <a:ext uri="{FF2B5EF4-FFF2-40B4-BE49-F238E27FC236}">
+                <a16:creationId xmlns:a16="http://schemas.microsoft.com/office/drawing/2014/main" id="{6637DBFC-4B7F-4648-ABEE-894383234771}"/>
+              </a:ext>
+            </a:extLst>
+          </p:cNvPr>
+          <p:cNvSpPr txBox="1"/>
+          <p:nvPr/>
+        </p:nvSpPr>
+        <p:spPr>
+          <a:xfrm>
+            <a:off x="8127242" y="3104866"/>
+            <a:ext cx="3026021" cy="1569660"/>
+          </a:xfrm>
+          <a:prstGeom prst="rect">
+            <a:avLst/>
+          </a:prstGeom>
+          <a:noFill/>
+        </p:spPr>
+        <p:txBody>
+          <a:bodyPr wrap="none" rtlCol="0">
+            <a:spAutoFit/>
+          </a:bodyPr>
+          <a:lstStyle/>
+          <a:p>
+            <a:pPr marL="285750" indent="-285750">
+              <a:buFont typeface="Wingdings" panose="05000000000000000000" pitchFamily="2" charset="2"/>
+              <a:buChar char="§"/>
+            </a:pPr>
+            <a:r>
+              <a:rPr lang="fr-FR" sz="2400" dirty="0">
+                <a:solidFill>
+                  <a:schemeClr val="accent1"/>
+                </a:solidFill>
+              </a:rPr>
+              <a:t>Data Science</a:t>
+            </a:r>
+          </a:p>
+          <a:p>
+            <a:pPr marL="285750" indent="-285750">
+              <a:buFont typeface="Wingdings" panose="05000000000000000000" pitchFamily="2" charset="2"/>
+              <a:buChar char="§"/>
+            </a:pPr>
+            <a:r>
+              <a:rPr lang="fr-FR" sz="2400" dirty="0">
+                <a:solidFill>
+                  <a:schemeClr val="accent6"/>
+                </a:solidFill>
+              </a:rPr>
+              <a:t>Artificial Intelligence</a:t>
+            </a:r>
+          </a:p>
+          <a:p>
+            <a:pPr marL="285750" indent="-285750">
+              <a:buFont typeface="Wingdings" panose="05000000000000000000" pitchFamily="2" charset="2"/>
+              <a:buChar char="§"/>
+            </a:pPr>
+            <a:r>
+              <a:rPr lang="fr-FR" sz="2400" dirty="0">
+                <a:solidFill>
+                  <a:schemeClr val="accent2"/>
+                </a:solidFill>
+              </a:rPr>
+              <a:t>Machine Learning</a:t>
+            </a:r>
+          </a:p>
+          <a:p>
+            <a:pPr marL="285750" indent="-285750">
+              <a:buFont typeface="Wingdings" panose="05000000000000000000" pitchFamily="2" charset="2"/>
+              <a:buChar char="§"/>
+            </a:pPr>
+            <a:r>
+              <a:rPr lang="fr-FR" sz="2400" dirty="0">
+                <a:solidFill>
+                  <a:schemeClr val="accent4"/>
+                </a:solidFill>
+              </a:rPr>
+              <a:t>Deep Learning</a:t>
+            </a:r>
+          </a:p>
+        </p:txBody>
+      </p:sp>
+      <p:sp>
+        <p:nvSpPr>
+          <p:cNvPr id="9" name="Kotak Teks 8">
+            <a:extLst>
+              <a:ext uri="{FF2B5EF4-FFF2-40B4-BE49-F238E27FC236}">
+                <a16:creationId xmlns:a16="http://schemas.microsoft.com/office/drawing/2014/main" id="{FB75705D-604A-4C9B-AB82-32228B789EBE}"/>
+              </a:ext>
+            </a:extLst>
+          </p:cNvPr>
+          <p:cNvSpPr txBox="1"/>
+          <p:nvPr/>
+        </p:nvSpPr>
+        <p:spPr>
+          <a:xfrm>
+            <a:off x="1290259" y="2818263"/>
+            <a:ext cx="1666803" cy="369332"/>
+          </a:xfrm>
+          <a:prstGeom prst="rect">
+            <a:avLst/>
+          </a:prstGeom>
+          <a:noFill/>
+        </p:spPr>
+        <p:txBody>
+          <a:bodyPr wrap="none" rtlCol="0">
+            <a:spAutoFit/>
+          </a:bodyPr>
+          <a:lstStyle/>
+          <a:p>
+            <a:r>
+              <a:rPr lang="fr-FR" dirty="0"/>
+              <a:t>Data Processing</a:t>
+            </a:r>
+          </a:p>
+        </p:txBody>
+      </p:sp>
+      <p:sp>
+        <p:nvSpPr>
+          <p:cNvPr id="10" name="Kotak Teks 9">
+            <a:extLst>
+              <a:ext uri="{FF2B5EF4-FFF2-40B4-BE49-F238E27FC236}">
+                <a16:creationId xmlns:a16="http://schemas.microsoft.com/office/drawing/2014/main" id="{84C02D68-F9AA-4248-9D0C-A6DC4405CE94}"/>
+              </a:ext>
+            </a:extLst>
+          </p:cNvPr>
+          <p:cNvSpPr txBox="1"/>
+          <p:nvPr/>
+        </p:nvSpPr>
+        <p:spPr>
+          <a:xfrm>
+            <a:off x="1175872" y="3301074"/>
+            <a:ext cx="1855316" cy="369332"/>
+          </a:xfrm>
+          <a:prstGeom prst="rect">
+            <a:avLst/>
+          </a:prstGeom>
+          <a:noFill/>
+        </p:spPr>
+        <p:txBody>
+          <a:bodyPr wrap="none" rtlCol="0">
+            <a:spAutoFit/>
+          </a:bodyPr>
+          <a:lstStyle/>
+          <a:p>
+            <a:r>
+              <a:rPr lang="fr-FR" dirty="0"/>
+              <a:t>Data Visualization</a:t>
+            </a:r>
+          </a:p>
+        </p:txBody>
+      </p:sp>
+      <p:sp>
+        <p:nvSpPr>
+          <p:cNvPr id="11" name="Kotak Teks 10">
+            <a:extLst>
+              <a:ext uri="{FF2B5EF4-FFF2-40B4-BE49-F238E27FC236}">
+                <a16:creationId xmlns:a16="http://schemas.microsoft.com/office/drawing/2014/main" id="{6575468B-1CD9-4B35-A0A9-52C6A650B64C}"/>
+              </a:ext>
+            </a:extLst>
+          </p:cNvPr>
+          <p:cNvSpPr txBox="1"/>
+          <p:nvPr/>
+        </p:nvSpPr>
+        <p:spPr>
+          <a:xfrm>
+            <a:off x="1175872" y="3853276"/>
+            <a:ext cx="1707134" cy="369332"/>
+          </a:xfrm>
+          <a:prstGeom prst="rect">
+            <a:avLst/>
+          </a:prstGeom>
+          <a:noFill/>
+        </p:spPr>
+        <p:txBody>
+          <a:bodyPr wrap="none" rtlCol="0">
+            <a:spAutoFit/>
+          </a:bodyPr>
+          <a:lstStyle/>
+          <a:p>
+            <a:r>
+              <a:rPr lang="fr-FR" dirty="0"/>
+              <a:t>Data Integration</a:t>
+            </a:r>
+          </a:p>
+        </p:txBody>
+      </p:sp>
+      <p:sp>
+        <p:nvSpPr>
+          <p:cNvPr id="12" name="Kotak Teks 11">
+            <a:extLst>
+              <a:ext uri="{FF2B5EF4-FFF2-40B4-BE49-F238E27FC236}">
+                <a16:creationId xmlns:a16="http://schemas.microsoft.com/office/drawing/2014/main" id="{8C37CEA9-4621-4D76-BC42-7CFD5C15E0A0}"/>
+              </a:ext>
+            </a:extLst>
+          </p:cNvPr>
+          <p:cNvSpPr txBox="1"/>
+          <p:nvPr/>
+        </p:nvSpPr>
+        <p:spPr>
+          <a:xfrm>
+            <a:off x="1249735" y="4435846"/>
+            <a:ext cx="1785938" cy="369332"/>
+          </a:xfrm>
+          <a:prstGeom prst="rect">
+            <a:avLst/>
+          </a:prstGeom>
+          <a:noFill/>
+        </p:spPr>
+        <p:txBody>
+          <a:bodyPr wrap="none" rtlCol="0">
+            <a:spAutoFit/>
+          </a:bodyPr>
+          <a:lstStyle/>
+          <a:p>
+            <a:r>
+              <a:rPr lang="fr-FR" dirty="0"/>
+              <a:t>Data Engineering</a:t>
+            </a:r>
+          </a:p>
+        </p:txBody>
+      </p:sp>
+      <p:sp>
+        <p:nvSpPr>
+          <p:cNvPr id="17" name="Kotak Teks 16">
+            <a:extLst>
+              <a:ext uri="{FF2B5EF4-FFF2-40B4-BE49-F238E27FC236}">
+                <a16:creationId xmlns:a16="http://schemas.microsoft.com/office/drawing/2014/main" id="{8B5BBFB0-E6EB-4F7C-9951-D5AF656BA20F}"/>
+              </a:ext>
+            </a:extLst>
+          </p:cNvPr>
+          <p:cNvSpPr txBox="1"/>
+          <p:nvPr/>
+        </p:nvSpPr>
+        <p:spPr>
+          <a:xfrm>
+            <a:off x="5257921" y="3160721"/>
+            <a:ext cx="1148841" cy="369332"/>
+          </a:xfrm>
+          <a:prstGeom prst="rect">
+            <a:avLst/>
+          </a:prstGeom>
+          <a:noFill/>
+        </p:spPr>
+        <p:txBody>
+          <a:bodyPr wrap="none" rtlCol="0">
+            <a:spAutoFit/>
+          </a:bodyPr>
+          <a:lstStyle/>
+          <a:p>
+            <a:r>
+              <a:rPr lang="fr-FR" dirty="0"/>
+              <a:t>Reasoning</a:t>
+            </a:r>
+          </a:p>
+        </p:txBody>
+      </p:sp>
+      <p:sp>
+        <p:nvSpPr>
+          <p:cNvPr id="18" name="Kotak Teks 17">
+            <a:extLst>
+              <a:ext uri="{FF2B5EF4-FFF2-40B4-BE49-F238E27FC236}">
+                <a16:creationId xmlns:a16="http://schemas.microsoft.com/office/drawing/2014/main" id="{A980DB64-D33C-4F2E-8504-8DE1963E2F60}"/>
+              </a:ext>
+            </a:extLst>
+          </p:cNvPr>
+          <p:cNvSpPr txBox="1"/>
+          <p:nvPr/>
+        </p:nvSpPr>
+        <p:spPr>
+          <a:xfrm>
+            <a:off x="5443640" y="3807281"/>
+            <a:ext cx="1689052" cy="369332"/>
+          </a:xfrm>
+          <a:prstGeom prst="rect">
+            <a:avLst/>
+          </a:prstGeom>
+          <a:noFill/>
+        </p:spPr>
+        <p:txBody>
+          <a:bodyPr wrap="none" rtlCol="0">
+            <a:spAutoFit/>
+          </a:bodyPr>
+          <a:lstStyle/>
+          <a:p>
+            <a:r>
+              <a:rPr lang="fr-FR" dirty="0"/>
+              <a:t>Rules Extraction</a:t>
+            </a:r>
+          </a:p>
+        </p:txBody>
+      </p:sp>
+      <p:sp>
+        <p:nvSpPr>
+          <p:cNvPr id="19" name="Kotak Teks 18">
+            <a:extLst>
+              <a:ext uri="{FF2B5EF4-FFF2-40B4-BE49-F238E27FC236}">
+                <a16:creationId xmlns:a16="http://schemas.microsoft.com/office/drawing/2014/main" id="{1B30DB71-DB37-45AE-BFE0-AC7D664E38FC}"/>
+              </a:ext>
+            </a:extLst>
+          </p:cNvPr>
+          <p:cNvSpPr txBox="1"/>
+          <p:nvPr/>
+        </p:nvSpPr>
+        <p:spPr>
+          <a:xfrm>
+            <a:off x="5443640" y="4406597"/>
+            <a:ext cx="914738" cy="369332"/>
+          </a:xfrm>
+          <a:prstGeom prst="rect">
+            <a:avLst/>
+          </a:prstGeom>
+          <a:noFill/>
+        </p:spPr>
+        <p:txBody>
+          <a:bodyPr wrap="none" rtlCol="0">
+            <a:spAutoFit/>
+          </a:bodyPr>
+          <a:lstStyle/>
+          <a:p>
+            <a:r>
+              <a:rPr lang="fr-FR" dirty="0"/>
+              <a:t>AI Tasks</a:t>
+            </a:r>
+          </a:p>
+        </p:txBody>
+      </p:sp>
+    </p:spTree>
+    <p:extLst>
+      <p:ext uri="{BB962C8B-B14F-4D97-AF65-F5344CB8AC3E}">
+        <p14:creationId xmlns:p14="http://schemas.microsoft.com/office/powerpoint/2010/main" val="4183739478"/>
+      </p:ext>
+    </p:extLst>
+  </p:cSld>
+  <p:clrMapOvr>
+    <a:masterClrMapping/>
+  </p:clrMapOvr>
+</p:sld>
+</file>
+
+<file path=ppt/slides/slide17.xml><?xml version="1.0" encoding="utf-8"?>
+<p:sld xmlns:a="http://schemas.openxmlformats.org/drawingml/2006/main" xmlns:r="http://schemas.openxmlformats.org/officeDocument/2006/relationships" xmlns:p="http://schemas.openxmlformats.org/presentationml/2006/main">
+  <p:cSld>
+    <p:spTree>
+      <p:nvGrpSpPr>
+        <p:cNvPr id="1" name=""/>
+        <p:cNvGrpSpPr/>
+        <p:nvPr/>
+      </p:nvGrpSpPr>
+      <p:grpSpPr>
+        <a:xfrm>
+          <a:off x="0" y="0"/>
+          <a:ext cx="0" cy="0"/>
+          <a:chOff x="0" y="0"/>
+          <a:chExt cx="0" cy="0"/>
+        </a:xfrm>
+      </p:grpSpPr>
+      <p:sp>
+        <p:nvSpPr>
+          <p:cNvPr id="2" name="Judul 1">
+            <a:extLst>
+              <a:ext uri="{FF2B5EF4-FFF2-40B4-BE49-F238E27FC236}">
+                <a16:creationId xmlns:a16="http://schemas.microsoft.com/office/drawing/2014/main" id="{B328AD1F-1AEC-4FC4-8A51-22474071C879}"/>
+              </a:ext>
+            </a:extLst>
+          </p:cNvPr>
+          <p:cNvSpPr>
+            <a:spLocks noGrp="1"/>
+          </p:cNvSpPr>
+          <p:nvPr>
+            <p:ph type="title"/>
+          </p:nvPr>
+        </p:nvSpPr>
+        <p:spPr/>
+        <p:txBody>
+          <a:bodyPr/>
+          <a:lstStyle/>
+          <a:p>
+            <a:r>
+              <a:rPr lang="fr-FR" dirty="0"/>
+              <a:t>Statistika dan Machine Learning</a:t>
+            </a:r>
+          </a:p>
+        </p:txBody>
+      </p:sp>
+      <p:sp>
+        <p:nvSpPr>
+          <p:cNvPr id="3" name="Tampungan Konten 2">
+            <a:extLst>
+              <a:ext uri="{FF2B5EF4-FFF2-40B4-BE49-F238E27FC236}">
+                <a16:creationId xmlns:a16="http://schemas.microsoft.com/office/drawing/2014/main" id="{0023C0B4-90EA-421C-A1EF-3A44B5773110}"/>
+              </a:ext>
+            </a:extLst>
+          </p:cNvPr>
+          <p:cNvSpPr>
+            <a:spLocks noGrp="1"/>
+          </p:cNvSpPr>
+          <p:nvPr>
+            <p:ph idx="1"/>
+          </p:nvPr>
+        </p:nvSpPr>
+        <p:spPr/>
+        <p:txBody>
+          <a:bodyPr/>
+          <a:lstStyle/>
+          <a:p>
+            <a:r>
+              <a:rPr lang="fr-FR" dirty="0"/>
+              <a:t>Statistika:</a:t>
+            </a:r>
+          </a:p>
+          <a:p>
+            <a:pPr lvl="1"/>
+            <a:r>
+              <a:rPr lang="fr-FR" dirty="0"/>
+              <a:t>Memodelkan hubungan antarvariabel dengan asumsi-asumsi tertentu</a:t>
+            </a:r>
+          </a:p>
+          <a:p>
+            <a:pPr lvl="1"/>
+            <a:r>
+              <a:rPr lang="fr-FR" dirty="0"/>
+              <a:t>Cenderung menganalisis data yang sedikit</a:t>
+            </a:r>
+          </a:p>
+          <a:p>
+            <a:r>
+              <a:rPr lang="fr-FR" dirty="0"/>
+              <a:t>Machine learning:</a:t>
+            </a:r>
+          </a:p>
+          <a:p>
+            <a:pPr lvl="1"/>
+            <a:r>
+              <a:rPr lang="fr-FR" dirty="0"/>
+              <a:t>Berorientasi pada baik/buruknya hasil yang diperoleh tanpa mempertimbangkan asumsi tertentu</a:t>
+            </a:r>
+          </a:p>
+          <a:p>
+            <a:pPr lvl="1"/>
+            <a:r>
+              <a:rPr lang="fr-FR" dirty="0"/>
+              <a:t>Cenderung bekerja pada data dengan jumlah besar</a:t>
+            </a:r>
+          </a:p>
+        </p:txBody>
+      </p:sp>
+    </p:spTree>
+    <p:extLst>
+      <p:ext uri="{BB962C8B-B14F-4D97-AF65-F5344CB8AC3E}">
+        <p14:creationId xmlns:p14="http://schemas.microsoft.com/office/powerpoint/2010/main" val="519514981"/>
+      </p:ext>
+    </p:extLst>
+  </p:cSld>
+  <p:clrMapOvr>
+    <a:masterClrMapping/>
+  </p:clrMapOvr>
+</p:sld>
+</file>
+
+<file path=ppt/slides/slide18.xml><?xml version="1.0" encoding="utf-8"?>
+<p:sld xmlns:a="http://schemas.openxmlformats.org/drawingml/2006/main" xmlns:r="http://schemas.openxmlformats.org/officeDocument/2006/relationships" xmlns:p="http://schemas.openxmlformats.org/presentationml/2006/main">
+  <p:cSld>
+    <p:spTree>
+      <p:nvGrpSpPr>
+        <p:cNvPr id="1" name=""/>
+        <p:cNvGrpSpPr/>
+        <p:nvPr/>
+      </p:nvGrpSpPr>
+      <p:grpSpPr>
+        <a:xfrm>
+          <a:off x="0" y="0"/>
+          <a:ext cx="0" cy="0"/>
+          <a:chOff x="0" y="0"/>
+          <a:chExt cx="0" cy="0"/>
+        </a:xfrm>
+      </p:grpSpPr>
+      <p:sp>
+        <p:nvSpPr>
+          <p:cNvPr id="2" name="Judul 1">
+            <a:extLst>
+              <a:ext uri="{FF2B5EF4-FFF2-40B4-BE49-F238E27FC236}">
+                <a16:creationId xmlns:a16="http://schemas.microsoft.com/office/drawing/2014/main" id="{708CA5EF-5325-48F0-ACA0-8238E70A470A}"/>
+              </a:ext>
+            </a:extLst>
+          </p:cNvPr>
+          <p:cNvSpPr>
+            <a:spLocks noGrp="1"/>
+          </p:cNvSpPr>
+          <p:nvPr>
+            <p:ph type="title"/>
+          </p:nvPr>
+        </p:nvSpPr>
+        <p:spPr/>
+        <p:txBody>
+          <a:bodyPr/>
+          <a:lstStyle/>
+          <a:p>
+            <a:r>
+              <a:rPr lang="fr-FR" dirty="0"/>
+              <a:t>Tugas-tugas Machine Learning</a:t>
+            </a:r>
+          </a:p>
+        </p:txBody>
+      </p:sp>
+      <p:sp>
+        <p:nvSpPr>
+          <p:cNvPr id="3" name="Tampungan Konten 2">
+            <a:extLst>
+              <a:ext uri="{FF2B5EF4-FFF2-40B4-BE49-F238E27FC236}">
+                <a16:creationId xmlns:a16="http://schemas.microsoft.com/office/drawing/2014/main" id="{2D853C11-8116-44AA-A199-6879A194D566}"/>
+              </a:ext>
+            </a:extLst>
+          </p:cNvPr>
+          <p:cNvSpPr>
+            <a:spLocks noGrp="1"/>
+          </p:cNvSpPr>
+          <p:nvPr>
+            <p:ph idx="1"/>
+          </p:nvPr>
+        </p:nvSpPr>
+        <p:spPr/>
+        <p:txBody>
+          <a:bodyPr/>
+          <a:lstStyle/>
+          <a:p>
+            <a:r>
+              <a:rPr lang="fr-FR" dirty="0"/>
+              <a:t>Supervised Learning</a:t>
+            </a:r>
+          </a:p>
+          <a:p>
+            <a:pPr lvl="1"/>
+            <a:r>
+              <a:rPr lang="fr-FR" dirty="0"/>
+              <a:t>Prediksi</a:t>
+            </a:r>
+          </a:p>
+          <a:p>
+            <a:pPr lvl="1"/>
+            <a:r>
+              <a:rPr lang="fr-FR" dirty="0"/>
+              <a:t>Regresi</a:t>
+            </a:r>
+          </a:p>
+          <a:p>
+            <a:r>
+              <a:rPr lang="fr-FR" dirty="0"/>
+              <a:t>Unsupervised Learning</a:t>
+            </a:r>
+          </a:p>
+          <a:p>
+            <a:pPr lvl="1"/>
+            <a:r>
+              <a:rPr lang="fr-FR" dirty="0"/>
+              <a:t>Clustering</a:t>
+            </a:r>
+          </a:p>
+          <a:p>
+            <a:pPr lvl="1"/>
+            <a:r>
+              <a:rPr lang="fr-FR" dirty="0"/>
+              <a:t>Association</a:t>
+            </a:r>
+          </a:p>
+          <a:p>
+            <a:r>
+              <a:rPr lang="fr-FR" dirty="0"/>
+              <a:t>Beberapa cabang lain:</a:t>
+            </a:r>
+          </a:p>
+          <a:p>
+            <a:pPr lvl="1"/>
+            <a:r>
+              <a:rPr lang="fr-FR" dirty="0"/>
+              <a:t>Semi supervised learning</a:t>
+            </a:r>
+          </a:p>
+          <a:p>
+            <a:pPr lvl="1"/>
+            <a:r>
+              <a:rPr lang="fr-FR" dirty="0"/>
+              <a:t>Reinforcement Learning</a:t>
+            </a:r>
+          </a:p>
+        </p:txBody>
+      </p:sp>
+    </p:spTree>
+    <p:extLst>
+      <p:ext uri="{BB962C8B-B14F-4D97-AF65-F5344CB8AC3E}">
+        <p14:creationId xmlns:p14="http://schemas.microsoft.com/office/powerpoint/2010/main" val="3369986201"/>
+      </p:ext>
+    </p:extLst>
+  </p:cSld>
+  <p:clrMapOvr>
+    <a:masterClrMapping/>
+  </p:clrMapOvr>
+</p:sld>
+</file>
+
+<file path=ppt/slides/slide19.xml><?xml version="1.0" encoding="utf-8"?>
+<p:sld xmlns:a="http://schemas.openxmlformats.org/drawingml/2006/main" xmlns:r="http://schemas.openxmlformats.org/officeDocument/2006/relationships" xmlns:p="http://schemas.openxmlformats.org/presentationml/2006/main">
+  <p:cSld>
+    <p:spTree>
+      <p:nvGrpSpPr>
+        <p:cNvPr id="1" name=""/>
+        <p:cNvGrpSpPr/>
+        <p:nvPr/>
+      </p:nvGrpSpPr>
+      <p:grpSpPr>
+        <a:xfrm>
+          <a:off x="0" y="0"/>
+          <a:ext cx="0" cy="0"/>
+          <a:chOff x="0" y="0"/>
+          <a:chExt cx="0" cy="0"/>
+        </a:xfrm>
+      </p:grpSpPr>
+      <p:sp>
+        <p:nvSpPr>
+          <p:cNvPr id="2" name="Judul 1">
+            <a:extLst>
+              <a:ext uri="{FF2B5EF4-FFF2-40B4-BE49-F238E27FC236}">
+                <a16:creationId xmlns:a16="http://schemas.microsoft.com/office/drawing/2014/main" id="{1F837A3E-1F04-4EFC-8A3D-2168C485AEF7}"/>
+              </a:ext>
+            </a:extLst>
+          </p:cNvPr>
+          <p:cNvSpPr>
+            <a:spLocks noGrp="1"/>
+          </p:cNvSpPr>
+          <p:nvPr>
+            <p:ph type="title"/>
+          </p:nvPr>
+        </p:nvSpPr>
+        <p:spPr/>
+        <p:txBody>
+          <a:bodyPr/>
+          <a:lstStyle/>
+          <a:p>
+            <a:r>
+              <a:rPr lang="fr-FR" dirty="0"/>
+              <a:t>Machine Learning Saat Ini</a:t>
+            </a:r>
+          </a:p>
+        </p:txBody>
+      </p:sp>
+      <p:sp>
+        <p:nvSpPr>
+          <p:cNvPr id="3" name="Tampungan Konten 2">
+            <a:extLst>
+              <a:ext uri="{FF2B5EF4-FFF2-40B4-BE49-F238E27FC236}">
+                <a16:creationId xmlns:a16="http://schemas.microsoft.com/office/drawing/2014/main" id="{255E3F14-C8B9-4544-AA0C-4927795FB880}"/>
+              </a:ext>
+            </a:extLst>
+          </p:cNvPr>
+          <p:cNvSpPr>
+            <a:spLocks noGrp="1"/>
+          </p:cNvSpPr>
+          <p:nvPr>
+            <p:ph idx="1"/>
+          </p:nvPr>
+        </p:nvSpPr>
+        <p:spPr/>
+        <p:txBody>
+          <a:bodyPr/>
+          <a:lstStyle/>
+          <a:p>
+            <a:r>
+              <a:rPr lang="fr-FR" dirty="0"/>
+              <a:t>Mengalahkan pemain profesional Go terbaik</a:t>
+            </a:r>
+          </a:p>
+          <a:p>
+            <a:r>
+              <a:rPr lang="fr-FR" dirty="0"/>
+              <a:t>Deteksi Hate-speech (Natural Language Processing)</a:t>
+            </a:r>
+          </a:p>
+          <a:p>
+            <a:r>
+              <a:rPr lang="fr-FR" dirty="0"/>
+              <a:t>Pemodelan virtual untuk paving tahan banjir</a:t>
+            </a:r>
+          </a:p>
+          <a:p>
+            <a:r>
+              <a:rPr lang="fr-FR" dirty="0"/>
+              <a:t>Prediksi kemenangan FIFA World Cup 2018</a:t>
+            </a:r>
+          </a:p>
+          <a:p>
+            <a:r>
+              <a:rPr lang="fr-FR" dirty="0"/>
+              <a:t>Membuat musik secara otomatis tinggal klik</a:t>
+            </a:r>
+          </a:p>
+          <a:p>
+            <a:endParaRPr lang="fr-FR" dirty="0"/>
+          </a:p>
+        </p:txBody>
+      </p:sp>
+    </p:spTree>
+    <p:extLst>
+      <p:ext uri="{BB962C8B-B14F-4D97-AF65-F5344CB8AC3E}">
+        <p14:creationId xmlns:p14="http://schemas.microsoft.com/office/powerpoint/2010/main" val="1017367340"/>
       </p:ext>
     </p:extLst>
   </p:cSld>
@@ -4953,6 +7357,86 @@
     <p:extLst>
       <p:ext uri="{BB962C8B-B14F-4D97-AF65-F5344CB8AC3E}">
         <p14:creationId xmlns:p14="http://schemas.microsoft.com/office/powerpoint/2010/main" val="3520653730"/>
+      </p:ext>
+    </p:extLst>
+  </p:cSld>
+  <p:clrMapOvr>
+    <a:masterClrMapping/>
+  </p:clrMapOvr>
+</p:sld>
+</file>
+
+<file path=ppt/slides/slide20.xml><?xml version="1.0" encoding="utf-8"?>
+<p:sld xmlns:a="http://schemas.openxmlformats.org/drawingml/2006/main" xmlns:r="http://schemas.openxmlformats.org/officeDocument/2006/relationships" xmlns:p="http://schemas.openxmlformats.org/presentationml/2006/main">
+  <p:cSld>
+    <p:spTree>
+      <p:nvGrpSpPr>
+        <p:cNvPr id="1" name=""/>
+        <p:cNvGrpSpPr/>
+        <p:nvPr/>
+      </p:nvGrpSpPr>
+      <p:grpSpPr>
+        <a:xfrm>
+          <a:off x="0" y="0"/>
+          <a:ext cx="0" cy="0"/>
+          <a:chOff x="0" y="0"/>
+          <a:chExt cx="0" cy="0"/>
+        </a:xfrm>
+      </p:grpSpPr>
+      <p:sp>
+        <p:nvSpPr>
+          <p:cNvPr id="2" name="Judul 1">
+            <a:extLst>
+              <a:ext uri="{FF2B5EF4-FFF2-40B4-BE49-F238E27FC236}">
+                <a16:creationId xmlns:a16="http://schemas.microsoft.com/office/drawing/2014/main" id="{AE96D235-6FB3-4731-9B1F-E6C4BC55A997}"/>
+              </a:ext>
+            </a:extLst>
+          </p:cNvPr>
+          <p:cNvSpPr>
+            <a:spLocks noGrp="1"/>
+          </p:cNvSpPr>
+          <p:nvPr>
+            <p:ph type="title"/>
+          </p:nvPr>
+        </p:nvSpPr>
+        <p:spPr/>
+        <p:txBody>
+          <a:bodyPr/>
+          <a:lstStyle/>
+          <a:p>
+            <a:endParaRPr lang="fr-FR"/>
+          </a:p>
+        </p:txBody>
+      </p:sp>
+      <p:sp>
+        <p:nvSpPr>
+          <p:cNvPr id="3" name="Tampungan Konten 2">
+            <a:extLst>
+              <a:ext uri="{FF2B5EF4-FFF2-40B4-BE49-F238E27FC236}">
+                <a16:creationId xmlns:a16="http://schemas.microsoft.com/office/drawing/2014/main" id="{BE01B3E4-1106-4B50-9D1E-65CD7C4B4351}"/>
+              </a:ext>
+            </a:extLst>
+          </p:cNvPr>
+          <p:cNvSpPr>
+            <a:spLocks noGrp="1"/>
+          </p:cNvSpPr>
+          <p:nvPr>
+            <p:ph idx="1"/>
+          </p:nvPr>
+        </p:nvSpPr>
+        <p:spPr/>
+        <p:txBody>
+          <a:bodyPr/>
+          <a:lstStyle/>
+          <a:p>
+            <a:endParaRPr lang="fr-FR"/>
+          </a:p>
+        </p:txBody>
+      </p:sp>
+    </p:spTree>
+    <p:extLst>
+      <p:ext uri="{BB962C8B-B14F-4D97-AF65-F5344CB8AC3E}">
+        <p14:creationId xmlns:p14="http://schemas.microsoft.com/office/powerpoint/2010/main" val="3672253545"/>
       </p:ext>
     </p:extLst>
   </p:cSld>
@@ -5470,7 +7954,7 @@
         <p:spPr/>
         <p:txBody>
           <a:bodyPr>
-            <a:normAutofit fontScale="85000" lnSpcReduction="20000"/>
+            <a:normAutofit/>
           </a:bodyPr>
           <a:lstStyle/>
           <a:p>
@@ -5539,117 +8023,344 @@
             <a:br>
               <a:rPr lang="en-US" dirty="0"/>
             </a:br>
-            <a:r>
-              <a:rPr lang="en-US" dirty="0"/>
-              <a:t>• </a:t>
-            </a:r>
-            <a:r>
-              <a:rPr lang="en-US" b="1" dirty="0"/>
+            <a:endParaRPr lang="fr-FR" dirty="0"/>
+          </a:p>
+        </p:txBody>
+      </p:sp>
+      <p:sp>
+        <p:nvSpPr>
+          <p:cNvPr id="4" name="Oval 3">
+            <a:extLst>
+              <a:ext uri="{FF2B5EF4-FFF2-40B4-BE49-F238E27FC236}">
+                <a16:creationId xmlns:a16="http://schemas.microsoft.com/office/drawing/2014/main" id="{57457AA9-B70A-4631-B58A-387BE9FB7345}"/>
+              </a:ext>
+            </a:extLst>
+          </p:cNvPr>
+          <p:cNvSpPr/>
+          <p:nvPr/>
+        </p:nvSpPr>
+        <p:spPr>
+          <a:xfrm>
+            <a:off x="1562101" y="3370116"/>
+            <a:ext cx="1981200" cy="1052946"/>
+          </a:xfrm>
+          <a:prstGeom prst="ellipse">
+            <a:avLst/>
+          </a:prstGeom>
+        </p:spPr>
+        <p:style>
+          <a:lnRef idx="2">
+            <a:schemeClr val="accent4"/>
+          </a:lnRef>
+          <a:fillRef idx="1">
+            <a:schemeClr val="lt1"/>
+          </a:fillRef>
+          <a:effectRef idx="0">
+            <a:schemeClr val="accent4"/>
+          </a:effectRef>
+          <a:fontRef idx="minor">
+            <a:schemeClr val="dk1"/>
+          </a:fontRef>
+        </p:style>
+        <p:txBody>
+          <a:bodyPr rtlCol="0" anchor="ctr"/>
+          <a:lstStyle/>
+          <a:p>
+            <a:pPr algn="ctr"/>
+            <a:r>
+              <a:rPr lang="fr-FR" sz="3600" dirty="0"/>
               <a:t>Data</a:t>
             </a:r>
-            <a:r>
-              <a:rPr lang="en-US" dirty="0"/>
-              <a:t> - Pada 2013, ‘big data’ </a:t>
-            </a:r>
-            <a:r>
-              <a:rPr lang="en-US" dirty="0" err="1"/>
-              <a:t>adalah</a:t>
-            </a:r>
-            <a:r>
-              <a:rPr lang="en-US" dirty="0"/>
-              <a:t> </a:t>
-            </a:r>
-            <a:r>
-              <a:rPr lang="en-US" i="1" dirty="0"/>
-              <a:t>buzzword </a:t>
-            </a:r>
-            <a:r>
-              <a:rPr lang="en-US" dirty="0" err="1"/>
-              <a:t>utama</a:t>
-            </a:r>
-            <a:r>
-              <a:rPr lang="en-US" dirty="0"/>
-              <a:t>. </a:t>
-            </a:r>
-            <a:r>
-              <a:rPr lang="en-US" dirty="0" err="1"/>
-              <a:t>Menurut</a:t>
-            </a:r>
-            <a:r>
-              <a:rPr lang="en-US" dirty="0"/>
-              <a:t> IBM, 90% data di </a:t>
-            </a:r>
-            <a:r>
-              <a:rPr lang="en-US" dirty="0" err="1"/>
-              <a:t>seluruh</a:t>
-            </a:r>
-            <a:r>
-              <a:rPr lang="en-US" dirty="0"/>
-              <a:t> </a:t>
-            </a:r>
-            <a:r>
-              <a:rPr lang="en-US" dirty="0" err="1"/>
-              <a:t>duniaThink</a:t>
-            </a:r>
-            <a:r>
-              <a:rPr lang="en-US" dirty="0"/>
-              <a:t> back to 2013 when ‘big data’ was the buzzword. According to IBM, 90% of the entire world's recorded data was created in the last two years! That works into AI, as it needs vast amounts of data to train necessary algorithms. And the right training data set is absolutely essential for accurate AI-based predictions.</a:t>
-            </a:r>
-            <a:br>
-              <a:rPr lang="en-US" dirty="0"/>
-            </a:br>
-            <a:br>
-              <a:rPr lang="en-US" dirty="0"/>
-            </a:br>
-            <a:r>
-              <a:rPr lang="en-US" dirty="0"/>
-              <a:t>• </a:t>
-            </a:r>
-            <a:r>
-              <a:rPr lang="en-US" b="1" dirty="0"/>
-              <a:t>Computing Power</a:t>
-            </a:r>
-            <a:r>
-              <a:rPr lang="en-US" dirty="0"/>
-              <a:t> – Specifically, cloud. Over the last couple of years, cloud services have become a commodity nearly all industries rely on. Beyond storage and the principle extract, transform, load (ETL,) you now have accessible, affordable and powerful analytics at your disposal.</a:t>
-            </a:r>
-            <a:br>
-              <a:rPr lang="en-US" dirty="0"/>
-            </a:br>
-            <a:br>
-              <a:rPr lang="en-US" dirty="0"/>
-            </a:br>
-            <a:r>
-              <a:rPr lang="en-US" dirty="0"/>
-              <a:t>• </a:t>
-            </a:r>
-            <a:r>
-              <a:rPr lang="en-US" b="1" dirty="0"/>
-              <a:t>Algorithms</a:t>
-            </a:r>
-            <a:r>
-              <a:rPr lang="en-US" dirty="0"/>
-              <a:t> - When referring to algorithms in AI, the majority are </a:t>
-            </a:r>
-            <a:r>
-              <a:rPr lang="en-US" dirty="0" err="1"/>
-              <a:t>utilised</a:t>
-            </a:r>
-            <a:r>
-              <a:rPr lang="en-US" dirty="0"/>
-              <a:t> by machines to learn – hence the term ‘machine learning’ (ML). While the algorithms used in AI &amp; ML have been around for decades, we haven’t had the necessary computational power nor architecture to fully exploit them – until now.</a:t>
-            </a:r>
-            <a:endParaRPr lang="fr-FR" dirty="0"/>
-          </a:p>
-          <a:p>
-            <a:pPr lvl="1"/>
-            <a:endParaRPr lang="fr-FR" dirty="0"/>
-          </a:p>
-          <a:p>
-            <a:endParaRPr lang="fr-FR" dirty="0"/>
-          </a:p>
-        </p:txBody>
-      </p:sp>
+          </a:p>
+        </p:txBody>
+      </p:sp>
+      <p:sp>
+        <p:nvSpPr>
+          <p:cNvPr id="5" name="Oval 4">
+            <a:extLst>
+              <a:ext uri="{FF2B5EF4-FFF2-40B4-BE49-F238E27FC236}">
+                <a16:creationId xmlns:a16="http://schemas.microsoft.com/office/drawing/2014/main" id="{06A9AA24-9584-436A-94A1-978E4660800B}"/>
+              </a:ext>
+            </a:extLst>
+          </p:cNvPr>
+          <p:cNvSpPr/>
+          <p:nvPr/>
+        </p:nvSpPr>
+        <p:spPr>
+          <a:xfrm>
+            <a:off x="4267201" y="3290453"/>
+            <a:ext cx="2639290" cy="1212273"/>
+          </a:xfrm>
+          <a:prstGeom prst="ellipse">
+            <a:avLst/>
+          </a:prstGeom>
+        </p:spPr>
+        <p:style>
+          <a:lnRef idx="2">
+            <a:schemeClr val="accent2"/>
+          </a:lnRef>
+          <a:fillRef idx="1">
+            <a:schemeClr val="lt1"/>
+          </a:fillRef>
+          <a:effectRef idx="0">
+            <a:schemeClr val="accent2"/>
+          </a:effectRef>
+          <a:fontRef idx="minor">
+            <a:schemeClr val="dk1"/>
+          </a:fontRef>
+        </p:style>
+        <p:txBody>
+          <a:bodyPr rtlCol="0" anchor="ctr"/>
+          <a:lstStyle/>
+          <a:p>
+            <a:pPr algn="ctr"/>
+            <a:r>
+              <a:rPr lang="fr-FR" sz="2400" dirty="0"/>
+              <a:t>Kekuatan Komputer</a:t>
+            </a:r>
+          </a:p>
+        </p:txBody>
+      </p:sp>
+      <p:sp>
+        <p:nvSpPr>
+          <p:cNvPr id="6" name="Oval 5">
+            <a:extLst>
+              <a:ext uri="{FF2B5EF4-FFF2-40B4-BE49-F238E27FC236}">
+                <a16:creationId xmlns:a16="http://schemas.microsoft.com/office/drawing/2014/main" id="{2C448396-C6B4-4C12-8B20-EEDD1018F6BD}"/>
+              </a:ext>
+            </a:extLst>
+          </p:cNvPr>
+          <p:cNvSpPr/>
+          <p:nvPr/>
+        </p:nvSpPr>
+        <p:spPr>
+          <a:xfrm>
+            <a:off x="7450282" y="3290453"/>
+            <a:ext cx="2639290" cy="1212273"/>
+          </a:xfrm>
+          <a:prstGeom prst="ellipse">
+            <a:avLst/>
+          </a:prstGeom>
+        </p:spPr>
+        <p:style>
+          <a:lnRef idx="2">
+            <a:schemeClr val="accent6"/>
+          </a:lnRef>
+          <a:fillRef idx="1">
+            <a:schemeClr val="lt1"/>
+          </a:fillRef>
+          <a:effectRef idx="0">
+            <a:schemeClr val="accent6"/>
+          </a:effectRef>
+          <a:fontRef idx="minor">
+            <a:schemeClr val="dk1"/>
+          </a:fontRef>
+        </p:style>
+        <p:txBody>
+          <a:bodyPr rtlCol="0" anchor="ctr"/>
+          <a:lstStyle/>
+          <a:p>
+            <a:pPr algn="ctr"/>
+            <a:r>
+              <a:rPr lang="fr-FR" sz="2400" dirty="0"/>
+              <a:t>Algoritme</a:t>
+            </a:r>
+          </a:p>
+        </p:txBody>
+      </p:sp>
+      <p:sp>
+        <p:nvSpPr>
+          <p:cNvPr id="7" name="Oval 6">
+            <a:extLst>
+              <a:ext uri="{FF2B5EF4-FFF2-40B4-BE49-F238E27FC236}">
+                <a16:creationId xmlns:a16="http://schemas.microsoft.com/office/drawing/2014/main" id="{7F50EF36-CA57-45EE-AEA2-117140FE67FC}"/>
+              </a:ext>
+            </a:extLst>
+          </p:cNvPr>
+          <p:cNvSpPr/>
+          <p:nvPr/>
+        </p:nvSpPr>
+        <p:spPr>
+          <a:xfrm>
+            <a:off x="4267201" y="5032374"/>
+            <a:ext cx="2639290" cy="1212273"/>
+          </a:xfrm>
+          <a:prstGeom prst="ellipse">
+            <a:avLst/>
+          </a:prstGeom>
+          <a:solidFill>
+            <a:schemeClr val="accent1"/>
+          </a:solidFill>
+          <a:ln>
+            <a:noFill/>
+          </a:ln>
+        </p:spPr>
+        <p:style>
+          <a:lnRef idx="2">
+            <a:schemeClr val="accent1">
+              <a:shade val="50000"/>
+            </a:schemeClr>
+          </a:lnRef>
+          <a:fillRef idx="1">
+            <a:schemeClr val="accent1"/>
+          </a:fillRef>
+          <a:effectRef idx="0">
+            <a:schemeClr val="accent1"/>
+          </a:effectRef>
+          <a:fontRef idx="minor">
+            <a:schemeClr val="lt1"/>
+          </a:fontRef>
+        </p:style>
+        <p:txBody>
+          <a:bodyPr rtlCol="0" anchor="ctr"/>
+          <a:lstStyle/>
+          <a:p>
+            <a:pPr algn="ctr"/>
+            <a:r>
+              <a:rPr lang="fr-FR" sz="4800" dirty="0"/>
+              <a:t>AI</a:t>
+            </a:r>
+          </a:p>
+        </p:txBody>
+      </p:sp>
+      <p:cxnSp>
+        <p:nvCxnSpPr>
+          <p:cNvPr id="9" name="Konektor Panah Lurus 8">
+            <a:extLst>
+              <a:ext uri="{FF2B5EF4-FFF2-40B4-BE49-F238E27FC236}">
+                <a16:creationId xmlns:a16="http://schemas.microsoft.com/office/drawing/2014/main" id="{13B665A3-B2B0-48DC-B78A-449EB0FA3FC7}"/>
+              </a:ext>
+            </a:extLst>
+          </p:cNvPr>
+          <p:cNvCxnSpPr>
+            <a:cxnSpLocks/>
+            <a:stCxn id="4" idx="4"/>
+            <a:endCxn id="7" idx="1"/>
+          </p:cNvCxnSpPr>
+          <p:nvPr/>
+        </p:nvCxnSpPr>
+        <p:spPr>
+          <a:xfrm>
+            <a:off x="2552701" y="4423062"/>
+            <a:ext cx="2101015" cy="786845"/>
+          </a:xfrm>
+          <a:prstGeom prst="straightConnector1">
+            <a:avLst/>
+          </a:prstGeom>
+          <a:ln w="28575">
+            <a:solidFill>
+              <a:schemeClr val="tx1"/>
+            </a:solidFill>
+            <a:tailEnd type="triangle"/>
+          </a:ln>
+        </p:spPr>
+        <p:style>
+          <a:lnRef idx="1">
+            <a:schemeClr val="accent1"/>
+          </a:lnRef>
+          <a:fillRef idx="0">
+            <a:schemeClr val="accent1"/>
+          </a:fillRef>
+          <a:effectRef idx="0">
+            <a:schemeClr val="accent1"/>
+          </a:effectRef>
+          <a:fontRef idx="minor">
+            <a:schemeClr val="tx1"/>
+          </a:fontRef>
+        </p:style>
+      </p:cxnSp>
+      <p:cxnSp>
+        <p:nvCxnSpPr>
+          <p:cNvPr id="11" name="Konektor Panah Lurus 10">
+            <a:extLst>
+              <a:ext uri="{FF2B5EF4-FFF2-40B4-BE49-F238E27FC236}">
+                <a16:creationId xmlns:a16="http://schemas.microsoft.com/office/drawing/2014/main" id="{EFCE908B-3BB1-4DA2-92C9-E99D57E680A4}"/>
+              </a:ext>
+            </a:extLst>
+          </p:cNvPr>
+          <p:cNvCxnSpPr>
+            <a:cxnSpLocks/>
+            <a:stCxn id="5" idx="4"/>
+            <a:endCxn id="7" idx="0"/>
+          </p:cNvCxnSpPr>
+          <p:nvPr/>
+        </p:nvCxnSpPr>
+        <p:spPr>
+          <a:xfrm>
+            <a:off x="5586846" y="4502726"/>
+            <a:ext cx="0" cy="529648"/>
+          </a:xfrm>
+          <a:prstGeom prst="straightConnector1">
+            <a:avLst/>
+          </a:prstGeom>
+          <a:ln w="28575">
+            <a:solidFill>
+              <a:schemeClr val="tx1"/>
+            </a:solidFill>
+            <a:tailEnd type="triangle"/>
+          </a:ln>
+        </p:spPr>
+        <p:style>
+          <a:lnRef idx="1">
+            <a:schemeClr val="accent1"/>
+          </a:lnRef>
+          <a:fillRef idx="0">
+            <a:schemeClr val="accent1"/>
+          </a:fillRef>
+          <a:effectRef idx="0">
+            <a:schemeClr val="accent1"/>
+          </a:effectRef>
+          <a:fontRef idx="minor">
+            <a:schemeClr val="tx1"/>
+          </a:fontRef>
+        </p:style>
+      </p:cxnSp>
+      <p:cxnSp>
+        <p:nvCxnSpPr>
+          <p:cNvPr id="14" name="Konektor Panah Lurus 13">
+            <a:extLst>
+              <a:ext uri="{FF2B5EF4-FFF2-40B4-BE49-F238E27FC236}">
+                <a16:creationId xmlns:a16="http://schemas.microsoft.com/office/drawing/2014/main" id="{087586B9-20DE-4DE7-8C94-5371EC3B055D}"/>
+              </a:ext>
+            </a:extLst>
+          </p:cNvPr>
+          <p:cNvCxnSpPr>
+            <a:cxnSpLocks/>
+            <a:stCxn id="6" idx="4"/>
+            <a:endCxn id="7" idx="7"/>
+          </p:cNvCxnSpPr>
+          <p:nvPr/>
+        </p:nvCxnSpPr>
+        <p:spPr>
+          <a:xfrm flipH="1">
+            <a:off x="6519976" y="4502726"/>
+            <a:ext cx="2249951" cy="707181"/>
+          </a:xfrm>
+          <a:prstGeom prst="straightConnector1">
+            <a:avLst/>
+          </a:prstGeom>
+          <a:ln w="28575">
+            <a:solidFill>
+              <a:schemeClr val="tx1"/>
+            </a:solidFill>
+            <a:tailEnd type="triangle"/>
+          </a:ln>
+        </p:spPr>
+        <p:style>
+          <a:lnRef idx="1">
+            <a:schemeClr val="accent1"/>
+          </a:lnRef>
+          <a:fillRef idx="0">
+            <a:schemeClr val="accent1"/>
+          </a:fillRef>
+          <a:effectRef idx="0">
+            <a:schemeClr val="accent1"/>
+          </a:effectRef>
+          <a:fontRef idx="minor">
+            <a:schemeClr val="tx1"/>
+          </a:fontRef>
+        </p:style>
+      </p:cxnSp>
     </p:spTree>
     <p:extLst>
       <p:ext uri="{BB962C8B-B14F-4D97-AF65-F5344CB8AC3E}">
@@ -5682,10 +8393,69 @@
       </p:grpSpPr>
       <p:sp>
         <p:nvSpPr>
+          <p:cNvPr id="18" name="Persegi Panjang 17">
+            <a:extLst>
+              <a:ext uri="{FF2B5EF4-FFF2-40B4-BE49-F238E27FC236}">
+                <a16:creationId xmlns:a16="http://schemas.microsoft.com/office/drawing/2014/main" id="{435F74A4-AC60-433B-9FD7-F667F37D6E3A}"/>
+              </a:ext>
+            </a:extLst>
+          </p:cNvPr>
+          <p:cNvSpPr/>
+          <p:nvPr/>
+        </p:nvSpPr>
+        <p:spPr>
+          <a:xfrm>
+            <a:off x="6255327" y="2279072"/>
+            <a:ext cx="3635085" cy="1052946"/>
+          </a:xfrm>
+          <a:prstGeom prst="rect">
+            <a:avLst/>
+          </a:prstGeom>
+          <a:noFill/>
+          <a:ln>
+            <a:solidFill>
+              <a:schemeClr val="accent4"/>
+            </a:solidFill>
+          </a:ln>
+        </p:spPr>
+        <p:style>
+          <a:lnRef idx="2">
+            <a:schemeClr val="accent1">
+              <a:shade val="50000"/>
+            </a:schemeClr>
+          </a:lnRef>
+          <a:fillRef idx="1">
+            <a:schemeClr val="accent1"/>
+          </a:fillRef>
+          <a:effectRef idx="0">
+            <a:schemeClr val="accent1"/>
+          </a:effectRef>
+          <a:fontRef idx="minor">
+            <a:schemeClr val="lt1"/>
+          </a:fontRef>
+        </p:style>
+        <p:txBody>
+          <a:bodyPr rtlCol="0" anchor="ctr"/>
+          <a:lstStyle/>
+          <a:p>
+            <a:pPr algn="ctr"/>
+            <a:r>
+              <a:rPr lang="fr-FR" dirty="0">
+                <a:solidFill>
+                  <a:schemeClr val="tx1"/>
+                </a:solidFill>
+              </a:rPr>
+              <a:t>90% data di seluruh dunia saat ini dibuat sejak 2 tahun sebelumnya</a:t>
+            </a:r>
+          </a:p>
+        </p:txBody>
+      </p:sp>
+      <p:sp>
+        <p:nvSpPr>
           <p:cNvPr id="2" name="Judul 1">
             <a:extLst>
               <a:ext uri="{FF2B5EF4-FFF2-40B4-BE49-F238E27FC236}">
-                <a16:creationId xmlns:a16="http://schemas.microsoft.com/office/drawing/2014/main" id="{39DB207B-1C2D-49BB-9490-B2353AA5999A}"/>
+                <a16:creationId xmlns:a16="http://schemas.microsoft.com/office/drawing/2014/main" id="{EF82A4EB-1170-42B3-9CC2-E06A0FB99D01}"/>
               </a:ext>
             </a:extLst>
           </p:cNvPr>
@@ -5703,164 +8473,361 @@
           <a:p>
             <a:r>
               <a:rPr lang="fr-FR" dirty="0"/>
-              <a:t>Era Artificial Intelligence: Pertumbuhan Data</a:t>
-            </a:r>
-          </a:p>
-        </p:txBody>
-      </p:sp>
-      <p:sp>
-        <p:nvSpPr>
-          <p:cNvPr id="3" name="Tampungan Konten 2">
-            <a:extLst>
-              <a:ext uri="{FF2B5EF4-FFF2-40B4-BE49-F238E27FC236}">
-                <a16:creationId xmlns:a16="http://schemas.microsoft.com/office/drawing/2014/main" id="{CF3A5276-A149-42FA-BE7E-90C801BDBD70}"/>
-              </a:ext>
-            </a:extLst>
-          </p:cNvPr>
-          <p:cNvSpPr>
-            <a:spLocks noGrp="1"/>
-          </p:cNvSpPr>
-          <p:nvPr>
-            <p:ph idx="1"/>
-          </p:nvPr>
-        </p:nvSpPr>
-        <p:spPr/>
-        <p:txBody>
-          <a:bodyPr>
-            <a:normAutofit fontScale="85000" lnSpcReduction="20000"/>
+              <a:t>Era Artificial Intelligence</a:t>
+            </a:r>
+          </a:p>
+        </p:txBody>
+      </p:sp>
+      <p:sp>
+        <p:nvSpPr>
+          <p:cNvPr id="6" name="Oval 5">
+            <a:extLst>
+              <a:ext uri="{FF2B5EF4-FFF2-40B4-BE49-F238E27FC236}">
+                <a16:creationId xmlns:a16="http://schemas.microsoft.com/office/drawing/2014/main" id="{700CE686-AE63-4F4F-9841-D1615FF5491B}"/>
+              </a:ext>
+            </a:extLst>
+          </p:cNvPr>
+          <p:cNvSpPr/>
+          <p:nvPr/>
+        </p:nvSpPr>
+        <p:spPr>
+          <a:xfrm>
+            <a:off x="1310988" y="2019589"/>
+            <a:ext cx="1981200" cy="1052946"/>
+          </a:xfrm>
+          <a:prstGeom prst="ellipse">
+            <a:avLst/>
+          </a:prstGeom>
+        </p:spPr>
+        <p:style>
+          <a:lnRef idx="2">
+            <a:schemeClr val="accent4"/>
+          </a:lnRef>
+          <a:fillRef idx="1">
+            <a:schemeClr val="lt1"/>
+          </a:fillRef>
+          <a:effectRef idx="0">
+            <a:schemeClr val="accent4"/>
+          </a:effectRef>
+          <a:fontRef idx="minor">
+            <a:schemeClr val="dk1"/>
+          </a:fontRef>
+        </p:style>
+        <p:txBody>
+          <a:bodyPr rtlCol="0" anchor="ctr"/>
+          <a:lstStyle/>
+          <a:p>
+            <a:pPr algn="ctr"/>
+            <a:r>
+              <a:rPr lang="fr-FR" sz="3600" dirty="0"/>
+              <a:t>Data</a:t>
+            </a:r>
+          </a:p>
+        </p:txBody>
+      </p:sp>
+      <p:sp>
+        <p:nvSpPr>
+          <p:cNvPr id="9" name="Oval 8">
+            <a:extLst>
+              <a:ext uri="{FF2B5EF4-FFF2-40B4-BE49-F238E27FC236}">
+                <a16:creationId xmlns:a16="http://schemas.microsoft.com/office/drawing/2014/main" id="{8E08B3A2-BBC7-4910-869A-4A9E2B6F2C19}"/>
+              </a:ext>
+            </a:extLst>
+          </p:cNvPr>
+          <p:cNvSpPr/>
+          <p:nvPr/>
+        </p:nvSpPr>
+        <p:spPr>
+          <a:xfrm>
+            <a:off x="981943" y="4228810"/>
+            <a:ext cx="2639290" cy="1212273"/>
+          </a:xfrm>
+          <a:prstGeom prst="ellipse">
+            <a:avLst/>
+          </a:prstGeom>
+          <a:solidFill>
+            <a:schemeClr val="accent1"/>
+          </a:solidFill>
+          <a:ln>
+            <a:noFill/>
+          </a:ln>
+        </p:spPr>
+        <p:style>
+          <a:lnRef idx="2">
+            <a:schemeClr val="accent1">
+              <a:shade val="50000"/>
+            </a:schemeClr>
+          </a:lnRef>
+          <a:fillRef idx="1">
+            <a:schemeClr val="accent1"/>
+          </a:fillRef>
+          <a:effectRef idx="0">
+            <a:schemeClr val="accent1"/>
+          </a:effectRef>
+          <a:fontRef idx="minor">
+            <a:schemeClr val="lt1"/>
+          </a:fontRef>
+        </p:style>
+        <p:txBody>
+          <a:bodyPr rtlCol="0" anchor="ctr"/>
+          <a:lstStyle/>
+          <a:p>
+            <a:pPr algn="ctr"/>
+            <a:r>
+              <a:rPr lang="fr-FR" sz="4800" dirty="0"/>
+              <a:t>AI</a:t>
+            </a:r>
+          </a:p>
+        </p:txBody>
+      </p:sp>
+      <p:cxnSp>
+        <p:nvCxnSpPr>
+          <p:cNvPr id="10" name="Konektor Panah Lurus 9">
+            <a:extLst>
+              <a:ext uri="{FF2B5EF4-FFF2-40B4-BE49-F238E27FC236}">
+                <a16:creationId xmlns:a16="http://schemas.microsoft.com/office/drawing/2014/main" id="{1B30A204-F859-4892-9A14-227CC6426BE8}"/>
+              </a:ext>
+            </a:extLst>
+          </p:cNvPr>
+          <p:cNvCxnSpPr>
+            <a:cxnSpLocks/>
+            <a:stCxn id="6" idx="4"/>
+            <a:endCxn id="9" idx="0"/>
+          </p:cNvCxnSpPr>
+          <p:nvPr/>
+        </p:nvCxnSpPr>
+        <p:spPr>
+          <a:xfrm>
+            <a:off x="2301588" y="3072535"/>
+            <a:ext cx="0" cy="1156275"/>
+          </a:xfrm>
+          <a:prstGeom prst="straightConnector1">
+            <a:avLst/>
+          </a:prstGeom>
+          <a:ln w="28575">
+            <a:solidFill>
+              <a:schemeClr val="tx1"/>
+            </a:solidFill>
+            <a:tailEnd type="triangle"/>
+          </a:ln>
+        </p:spPr>
+        <p:style>
+          <a:lnRef idx="1">
+            <a:schemeClr val="accent1"/>
+          </a:lnRef>
+          <a:fillRef idx="0">
+            <a:schemeClr val="accent1"/>
+          </a:fillRef>
+          <a:effectRef idx="0">
+            <a:schemeClr val="accent1"/>
+          </a:effectRef>
+          <a:fontRef idx="minor">
+            <a:schemeClr val="tx1"/>
+          </a:fontRef>
+        </p:style>
+      </p:cxnSp>
+      <p:sp>
+        <p:nvSpPr>
+          <p:cNvPr id="17" name="Persegi: Sudut Lengkung 16">
+            <a:extLst>
+              <a:ext uri="{FF2B5EF4-FFF2-40B4-BE49-F238E27FC236}">
+                <a16:creationId xmlns:a16="http://schemas.microsoft.com/office/drawing/2014/main" id="{8C6C3EF9-9078-4681-B60A-B6154278B6F2}"/>
+              </a:ext>
+            </a:extLst>
+          </p:cNvPr>
+          <p:cNvSpPr/>
+          <p:nvPr/>
+        </p:nvSpPr>
+        <p:spPr>
+          <a:xfrm>
+            <a:off x="5728858" y="1825242"/>
+            <a:ext cx="1406232" cy="581891"/>
+          </a:xfrm>
+          <a:prstGeom prst="roundRect">
+            <a:avLst/>
+          </a:prstGeom>
+        </p:spPr>
+        <p:style>
+          <a:lnRef idx="2">
+            <a:schemeClr val="accent4">
+              <a:shade val="50000"/>
+            </a:schemeClr>
+          </a:lnRef>
+          <a:fillRef idx="1">
+            <a:schemeClr val="accent4"/>
+          </a:fillRef>
+          <a:effectRef idx="0">
+            <a:schemeClr val="accent4"/>
+          </a:effectRef>
+          <a:fontRef idx="minor">
+            <a:schemeClr val="lt1"/>
+          </a:fontRef>
+        </p:style>
+        <p:txBody>
+          <a:bodyPr rtlCol="0" anchor="ctr"/>
+          <a:lstStyle/>
+          <a:p>
+            <a:pPr algn="ctr"/>
+            <a:r>
+              <a:rPr lang="fr-FR" sz="3600" dirty="0"/>
+              <a:t>2013</a:t>
+            </a:r>
+          </a:p>
+        </p:txBody>
+      </p:sp>
+      <p:sp>
+        <p:nvSpPr>
+          <p:cNvPr id="19" name="Kotak Teks 18">
+            <a:extLst>
+              <a:ext uri="{FF2B5EF4-FFF2-40B4-BE49-F238E27FC236}">
+                <a16:creationId xmlns:a16="http://schemas.microsoft.com/office/drawing/2014/main" id="{13EB272F-E7CA-425F-8F12-F58D54DE55BD}"/>
+              </a:ext>
+            </a:extLst>
+          </p:cNvPr>
+          <p:cNvSpPr txBox="1"/>
+          <p:nvPr/>
+        </p:nvSpPr>
+        <p:spPr>
+          <a:xfrm>
+            <a:off x="7135090" y="1906182"/>
+            <a:ext cx="960391" cy="369332"/>
+          </a:xfrm>
+          <a:prstGeom prst="rect">
+            <a:avLst/>
+          </a:prstGeom>
+          <a:noFill/>
+        </p:spPr>
+        <p:txBody>
+          <a:bodyPr wrap="none" rtlCol="0">
+            <a:spAutoFit/>
           </a:bodyPr>
           <a:lstStyle/>
           <a:p>
             <a:r>
+              <a:rPr lang="fr-FR" dirty="0"/>
+              <a:t>Big Data</a:t>
+            </a:r>
+          </a:p>
+        </p:txBody>
+      </p:sp>
+      <p:sp>
+        <p:nvSpPr>
+          <p:cNvPr id="20" name="Panah: Bawah 19">
+            <a:extLst>
+              <a:ext uri="{FF2B5EF4-FFF2-40B4-BE49-F238E27FC236}">
+                <a16:creationId xmlns:a16="http://schemas.microsoft.com/office/drawing/2014/main" id="{FF7F6578-9BD1-441B-AF44-4B673AAD663D}"/>
+              </a:ext>
+            </a:extLst>
+          </p:cNvPr>
+          <p:cNvSpPr/>
+          <p:nvPr/>
+        </p:nvSpPr>
+        <p:spPr>
+          <a:xfrm>
+            <a:off x="7536873" y="3429000"/>
+            <a:ext cx="1033895" cy="1052946"/>
+          </a:xfrm>
+          <a:prstGeom prst="downArrow">
+            <a:avLst>
+              <a:gd name="adj1" fmla="val 47320"/>
+              <a:gd name="adj2" fmla="val 50000"/>
+            </a:avLst>
+          </a:prstGeom>
+          <a:solidFill>
+            <a:schemeClr val="tx1"/>
+          </a:solidFill>
+          <a:ln>
+            <a:noFill/>
+          </a:ln>
+        </p:spPr>
+        <p:style>
+          <a:lnRef idx="2">
+            <a:schemeClr val="accent1">
+              <a:shade val="50000"/>
+            </a:schemeClr>
+          </a:lnRef>
+          <a:fillRef idx="1">
+            <a:schemeClr val="accent1"/>
+          </a:fillRef>
+          <a:effectRef idx="0">
+            <a:schemeClr val="accent1"/>
+          </a:effectRef>
+          <a:fontRef idx="minor">
+            <a:schemeClr val="lt1"/>
+          </a:fontRef>
+        </p:style>
+        <p:txBody>
+          <a:bodyPr rtlCol="0" anchor="ctr"/>
+          <a:lstStyle/>
+          <a:p>
+            <a:pPr algn="ctr"/>
+            <a:endParaRPr lang="fr-FR"/>
+          </a:p>
+        </p:txBody>
+      </p:sp>
+      <p:sp>
+        <p:nvSpPr>
+          <p:cNvPr id="21" name="Persegi Panjang 20">
+            <a:extLst>
+              <a:ext uri="{FF2B5EF4-FFF2-40B4-BE49-F238E27FC236}">
+                <a16:creationId xmlns:a16="http://schemas.microsoft.com/office/drawing/2014/main" id="{2DEB9D86-02EA-419A-A4A9-FCE8099F02AC}"/>
+              </a:ext>
+            </a:extLst>
+          </p:cNvPr>
+          <p:cNvSpPr/>
+          <p:nvPr/>
+        </p:nvSpPr>
+        <p:spPr>
+          <a:xfrm>
+            <a:off x="6255327" y="4558146"/>
+            <a:ext cx="3635085" cy="1052946"/>
+          </a:xfrm>
+          <a:prstGeom prst="rect">
+            <a:avLst/>
+          </a:prstGeom>
+          <a:noFill/>
+          <a:ln>
+            <a:solidFill>
+              <a:schemeClr val="accent1"/>
+            </a:solidFill>
+          </a:ln>
+        </p:spPr>
+        <p:style>
+          <a:lnRef idx="2">
+            <a:schemeClr val="accent1">
+              <a:shade val="50000"/>
+            </a:schemeClr>
+          </a:lnRef>
+          <a:fillRef idx="1">
+            <a:schemeClr val="accent1"/>
+          </a:fillRef>
+          <a:effectRef idx="0">
+            <a:schemeClr val="accent1"/>
+          </a:effectRef>
+          <a:fontRef idx="minor">
+            <a:schemeClr val="lt1"/>
+          </a:fontRef>
+        </p:style>
+        <p:txBody>
+          <a:bodyPr rtlCol="0" anchor="ctr"/>
+          <a:lstStyle/>
+          <a:p>
+            <a:pPr algn="ctr"/>
+            <a:r>
               <a:rPr lang="fr-FR" dirty="0">
-                <a:hlinkClick r:id="rId2"/>
+                <a:solidFill>
+                  <a:schemeClr val="tx1"/>
+                </a:solidFill>
               </a:rPr>
-              <a:t>https://www.forbes.com/sites/bernardmarr/2015/09/30/big-data-20-mind-boggling-facts-everyone-must-read/#2f21b37d17b1</a:t>
-            </a:r>
-            <a:endParaRPr lang="fr-FR" dirty="0"/>
-          </a:p>
-          <a:p>
-            <a:r>
-              <a:rPr lang="en-US" dirty="0"/>
-              <a:t>Data is growing faster than ever before and by the year 2020, about </a:t>
-            </a:r>
-            <a:r>
-              <a:rPr lang="en-US" dirty="0">
-                <a:hlinkClick r:id="rId3"/>
-              </a:rPr>
-              <a:t>1.7 megabytes</a:t>
-            </a:r>
-            <a:r>
-              <a:rPr lang="en-US" dirty="0"/>
-              <a:t> of new information will be created every second for every human being on the planet.</a:t>
-            </a:r>
-          </a:p>
-          <a:p>
-            <a:r>
-              <a:rPr lang="en-US" dirty="0"/>
-              <a:t>By then, our accumulated digital universe of data will grow from 4.4 </a:t>
-            </a:r>
-            <a:r>
-              <a:rPr lang="en-US" dirty="0" err="1"/>
-              <a:t>zettabyets</a:t>
-            </a:r>
-            <a:r>
-              <a:rPr lang="en-US" dirty="0"/>
-              <a:t> today to around </a:t>
-            </a:r>
-            <a:r>
-              <a:rPr lang="en-US" dirty="0">
-                <a:hlinkClick r:id="rId4"/>
-              </a:rPr>
-              <a:t>44 zettabytes</a:t>
-            </a:r>
-            <a:r>
-              <a:rPr lang="en-US" dirty="0"/>
-              <a:t>, or 44 </a:t>
-            </a:r>
-            <a:r>
-              <a:rPr lang="en-US" i="1" dirty="0" err="1"/>
-              <a:t>trillion</a:t>
-            </a:r>
-            <a:r>
-              <a:rPr lang="en-US" dirty="0" err="1"/>
-              <a:t>gigabytes</a:t>
-            </a:r>
-            <a:endParaRPr lang="en-US" dirty="0"/>
-          </a:p>
-          <a:p>
-            <a:r>
-              <a:rPr lang="en-US" dirty="0"/>
-              <a:t>In 2015, a staggering </a:t>
-            </a:r>
-            <a:r>
-              <a:rPr lang="en-US" dirty="0">
-                <a:hlinkClick r:id="rId5"/>
-              </a:rPr>
-              <a:t>1 trillion photos</a:t>
-            </a:r>
-            <a:r>
-              <a:rPr lang="en-US" dirty="0"/>
-              <a:t> will be taken and billions of them will be shared online. By 2017, nearly 80% of photos will be taken on smart phones.</a:t>
-            </a:r>
-          </a:p>
-          <a:p>
-            <a:r>
-              <a:rPr lang="en-US" dirty="0"/>
-              <a:t>This year, over </a:t>
-            </a:r>
-            <a:r>
-              <a:rPr lang="en-US" dirty="0">
-                <a:hlinkClick r:id="rId6"/>
-              </a:rPr>
-              <a:t>1.4 billion</a:t>
-            </a:r>
-            <a:r>
-              <a:rPr lang="en-US" dirty="0"/>
-              <a:t> smart phones will be shipped - all packed with sensors capable of collecting all kinds of data, not to mention the data the users create themselves.</a:t>
-            </a:r>
-          </a:p>
-          <a:p>
-            <a:r>
-              <a:rPr lang="en-US" dirty="0"/>
-              <a:t>And one of my </a:t>
-            </a:r>
-            <a:r>
-              <a:rPr lang="en-US" dirty="0" err="1"/>
-              <a:t>favourite</a:t>
-            </a:r>
-            <a:r>
-              <a:rPr lang="en-US" dirty="0"/>
-              <a:t> facts: At the moment less than </a:t>
-            </a:r>
-            <a:r>
-              <a:rPr lang="en-US" dirty="0">
-                <a:hlinkClick r:id="rId7"/>
-              </a:rPr>
-              <a:t>0.5%</a:t>
-            </a:r>
-            <a:r>
-              <a:rPr lang="en-US" dirty="0"/>
-              <a:t> of all data is ever </a:t>
-            </a:r>
-            <a:r>
-              <a:rPr lang="en-US" dirty="0" err="1"/>
-              <a:t>analysed</a:t>
-            </a:r>
-            <a:r>
-              <a:rPr lang="en-US" dirty="0"/>
-              <a:t> and used, just imagine the potential here.</a:t>
-            </a:r>
-          </a:p>
-          <a:p>
-            <a:endParaRPr lang="fr-FR" dirty="0"/>
+              <a:t>Semakin banyak data (yang bagus) akan meningkatkan performa AI</a:t>
+            </a:r>
           </a:p>
         </p:txBody>
       </p:sp>
     </p:spTree>
     <p:extLst>
       <p:ext uri="{BB962C8B-B14F-4D97-AF65-F5344CB8AC3E}">
-        <p14:creationId xmlns:p14="http://schemas.microsoft.com/office/powerpoint/2010/main" val="1121772583"/>
+        <p14:creationId xmlns:p14="http://schemas.microsoft.com/office/powerpoint/2010/main" val="2798116177"/>
       </p:ext>
     </p:extLst>
   </p:cSld>
@@ -5889,10 +8856,69 @@
       </p:grpSpPr>
       <p:sp>
         <p:nvSpPr>
+          <p:cNvPr id="18" name="Persegi Panjang 17">
+            <a:extLst>
+              <a:ext uri="{FF2B5EF4-FFF2-40B4-BE49-F238E27FC236}">
+                <a16:creationId xmlns:a16="http://schemas.microsoft.com/office/drawing/2014/main" id="{435F74A4-AC60-433B-9FD7-F667F37D6E3A}"/>
+              </a:ext>
+            </a:extLst>
+          </p:cNvPr>
+          <p:cNvSpPr/>
+          <p:nvPr/>
+        </p:nvSpPr>
+        <p:spPr>
+          <a:xfrm>
+            <a:off x="6255327" y="2279072"/>
+            <a:ext cx="3635085" cy="1052946"/>
+          </a:xfrm>
+          <a:prstGeom prst="rect">
+            <a:avLst/>
+          </a:prstGeom>
+          <a:noFill/>
+          <a:ln>
+            <a:solidFill>
+              <a:schemeClr val="accent4"/>
+            </a:solidFill>
+          </a:ln>
+        </p:spPr>
+        <p:style>
+          <a:lnRef idx="2">
+            <a:schemeClr val="accent1">
+              <a:shade val="50000"/>
+            </a:schemeClr>
+          </a:lnRef>
+          <a:fillRef idx="1">
+            <a:schemeClr val="accent1"/>
+          </a:fillRef>
+          <a:effectRef idx="0">
+            <a:schemeClr val="accent1"/>
+          </a:effectRef>
+          <a:fontRef idx="minor">
+            <a:schemeClr val="lt1"/>
+          </a:fontRef>
+        </p:style>
+        <p:txBody>
+          <a:bodyPr rtlCol="0" anchor="ctr"/>
+          <a:lstStyle/>
+          <a:p>
+            <a:pPr algn="ctr"/>
+            <a:r>
+              <a:rPr lang="fr-FR" dirty="0">
+                <a:solidFill>
+                  <a:schemeClr val="tx1"/>
+                </a:solidFill>
+              </a:rPr>
+              <a:t>Komputer mampu mengolah data dengan cepat dan dengan murah</a:t>
+            </a:r>
+          </a:p>
+        </p:txBody>
+      </p:sp>
+      <p:sp>
+        <p:nvSpPr>
           <p:cNvPr id="2" name="Judul 1">
             <a:extLst>
               <a:ext uri="{FF2B5EF4-FFF2-40B4-BE49-F238E27FC236}">
-                <a16:creationId xmlns:a16="http://schemas.microsoft.com/office/drawing/2014/main" id="{9FAC6700-7C43-4BE2-9F19-AC0F1A8E1A13}"/>
+                <a16:creationId xmlns:a16="http://schemas.microsoft.com/office/drawing/2014/main" id="{EF82A4EB-1170-42B3-9CC2-E06A0FB99D01}"/>
               </a:ext>
             </a:extLst>
           </p:cNvPr>
@@ -5910,60 +8936,369 @@
           <a:p>
             <a:r>
               <a:rPr lang="fr-FR" dirty="0"/>
-              <a:t>Apa itu Machine Learning?</a:t>
-            </a:r>
-          </a:p>
-        </p:txBody>
-      </p:sp>
-      <p:sp>
-        <p:nvSpPr>
-          <p:cNvPr id="3" name="Tampungan Konten 2">
-            <a:extLst>
-              <a:ext uri="{FF2B5EF4-FFF2-40B4-BE49-F238E27FC236}">
-                <a16:creationId xmlns:a16="http://schemas.microsoft.com/office/drawing/2014/main" id="{AAFF9AEC-C8A8-4BDF-A670-2642ACA7FA1B}"/>
-              </a:ext>
-            </a:extLst>
-          </p:cNvPr>
-          <p:cNvSpPr>
-            <a:spLocks noGrp="1"/>
-          </p:cNvSpPr>
-          <p:nvPr>
-            <p:ph idx="1"/>
-          </p:nvPr>
-        </p:nvSpPr>
-        <p:spPr/>
-        <p:txBody>
-          <a:bodyPr/>
+              <a:t>Era Artificial Intelligence</a:t>
+            </a:r>
+          </a:p>
+        </p:txBody>
+      </p:sp>
+      <p:sp>
+        <p:nvSpPr>
+          <p:cNvPr id="6" name="Oval 5">
+            <a:extLst>
+              <a:ext uri="{FF2B5EF4-FFF2-40B4-BE49-F238E27FC236}">
+                <a16:creationId xmlns:a16="http://schemas.microsoft.com/office/drawing/2014/main" id="{700CE686-AE63-4F4F-9841-D1615FF5491B}"/>
+              </a:ext>
+            </a:extLst>
+          </p:cNvPr>
+          <p:cNvSpPr/>
+          <p:nvPr/>
+        </p:nvSpPr>
+        <p:spPr>
+          <a:xfrm>
+            <a:off x="446812" y="1825242"/>
+            <a:ext cx="3709552" cy="1441640"/>
+          </a:xfrm>
+          <a:prstGeom prst="ellipse">
+            <a:avLst/>
+          </a:prstGeom>
+          <a:ln>
+            <a:solidFill>
+              <a:schemeClr val="accent2"/>
+            </a:solidFill>
+          </a:ln>
+        </p:spPr>
+        <p:style>
+          <a:lnRef idx="2">
+            <a:schemeClr val="accent4"/>
+          </a:lnRef>
+          <a:fillRef idx="1">
+            <a:schemeClr val="lt1"/>
+          </a:fillRef>
+          <a:effectRef idx="0">
+            <a:schemeClr val="accent4"/>
+          </a:effectRef>
+          <a:fontRef idx="minor">
+            <a:schemeClr val="dk1"/>
+          </a:fontRef>
+        </p:style>
+        <p:txBody>
+          <a:bodyPr rtlCol="0" anchor="ctr"/>
+          <a:lstStyle/>
+          <a:p>
+            <a:pPr algn="ctr"/>
+            <a:r>
+              <a:rPr lang="fr-FR" sz="3600" dirty="0"/>
+              <a:t>Kekuatan Komputer</a:t>
+            </a:r>
+          </a:p>
+        </p:txBody>
+      </p:sp>
+      <p:sp>
+        <p:nvSpPr>
+          <p:cNvPr id="9" name="Oval 8">
+            <a:extLst>
+              <a:ext uri="{FF2B5EF4-FFF2-40B4-BE49-F238E27FC236}">
+                <a16:creationId xmlns:a16="http://schemas.microsoft.com/office/drawing/2014/main" id="{8E08B3A2-BBC7-4910-869A-4A9E2B6F2C19}"/>
+              </a:ext>
+            </a:extLst>
+          </p:cNvPr>
+          <p:cNvSpPr/>
+          <p:nvPr/>
+        </p:nvSpPr>
+        <p:spPr>
+          <a:xfrm>
+            <a:off x="981943" y="4228810"/>
+            <a:ext cx="2639290" cy="1212273"/>
+          </a:xfrm>
+          <a:prstGeom prst="ellipse">
+            <a:avLst/>
+          </a:prstGeom>
+          <a:solidFill>
+            <a:schemeClr val="accent1"/>
+          </a:solidFill>
+          <a:ln>
+            <a:noFill/>
+          </a:ln>
+        </p:spPr>
+        <p:style>
+          <a:lnRef idx="2">
+            <a:schemeClr val="accent1">
+              <a:shade val="50000"/>
+            </a:schemeClr>
+          </a:lnRef>
+          <a:fillRef idx="1">
+            <a:schemeClr val="accent1"/>
+          </a:fillRef>
+          <a:effectRef idx="0">
+            <a:schemeClr val="accent1"/>
+          </a:effectRef>
+          <a:fontRef idx="minor">
+            <a:schemeClr val="lt1"/>
+          </a:fontRef>
+        </p:style>
+        <p:txBody>
+          <a:bodyPr rtlCol="0" anchor="ctr"/>
+          <a:lstStyle/>
+          <a:p>
+            <a:pPr algn="ctr"/>
+            <a:r>
+              <a:rPr lang="fr-FR" sz="4800" dirty="0"/>
+              <a:t>AI</a:t>
+            </a:r>
+          </a:p>
+        </p:txBody>
+      </p:sp>
+      <p:cxnSp>
+        <p:nvCxnSpPr>
+          <p:cNvPr id="10" name="Konektor Panah Lurus 9">
+            <a:extLst>
+              <a:ext uri="{FF2B5EF4-FFF2-40B4-BE49-F238E27FC236}">
+                <a16:creationId xmlns:a16="http://schemas.microsoft.com/office/drawing/2014/main" id="{1B30A204-F859-4892-9A14-227CC6426BE8}"/>
+              </a:ext>
+            </a:extLst>
+          </p:cNvPr>
+          <p:cNvCxnSpPr>
+            <a:cxnSpLocks/>
+            <a:stCxn id="6" idx="4"/>
+            <a:endCxn id="9" idx="0"/>
+          </p:cNvCxnSpPr>
+          <p:nvPr/>
+        </p:nvCxnSpPr>
+        <p:spPr>
+          <a:xfrm>
+            <a:off x="2301588" y="3266882"/>
+            <a:ext cx="0" cy="961928"/>
+          </a:xfrm>
+          <a:prstGeom prst="straightConnector1">
+            <a:avLst/>
+          </a:prstGeom>
+          <a:ln w="28575">
+            <a:solidFill>
+              <a:schemeClr val="tx1"/>
+            </a:solidFill>
+            <a:tailEnd type="triangle"/>
+          </a:ln>
+        </p:spPr>
+        <p:style>
+          <a:lnRef idx="1">
+            <a:schemeClr val="accent1"/>
+          </a:lnRef>
+          <a:fillRef idx="0">
+            <a:schemeClr val="accent1"/>
+          </a:fillRef>
+          <a:effectRef idx="0">
+            <a:schemeClr val="accent1"/>
+          </a:effectRef>
+          <a:fontRef idx="minor">
+            <a:schemeClr val="tx1"/>
+          </a:fontRef>
+        </p:style>
+      </p:cxnSp>
+      <p:sp>
+        <p:nvSpPr>
+          <p:cNvPr id="17" name="Persegi: Sudut Lengkung 16">
+            <a:extLst>
+              <a:ext uri="{FF2B5EF4-FFF2-40B4-BE49-F238E27FC236}">
+                <a16:creationId xmlns:a16="http://schemas.microsoft.com/office/drawing/2014/main" id="{8C6C3EF9-9078-4681-B60A-B6154278B6F2}"/>
+              </a:ext>
+            </a:extLst>
+          </p:cNvPr>
+          <p:cNvSpPr/>
+          <p:nvPr/>
+        </p:nvSpPr>
+        <p:spPr>
+          <a:xfrm>
+            <a:off x="5728857" y="1825242"/>
+            <a:ext cx="2182087" cy="581891"/>
+          </a:xfrm>
+          <a:prstGeom prst="roundRect">
+            <a:avLst/>
+          </a:prstGeom>
+          <a:solidFill>
+            <a:schemeClr val="accent2"/>
+          </a:solidFill>
+        </p:spPr>
+        <p:style>
+          <a:lnRef idx="2">
+            <a:schemeClr val="accent4">
+              <a:shade val="50000"/>
+            </a:schemeClr>
+          </a:lnRef>
+          <a:fillRef idx="1">
+            <a:schemeClr val="accent4"/>
+          </a:fillRef>
+          <a:effectRef idx="0">
+            <a:schemeClr val="accent4"/>
+          </a:effectRef>
+          <a:fontRef idx="minor">
+            <a:schemeClr val="lt1"/>
+          </a:fontRef>
+        </p:style>
+        <p:txBody>
+          <a:bodyPr rtlCol="0" anchor="ctr"/>
+          <a:lstStyle/>
+          <a:p>
+            <a:pPr algn="ctr"/>
+            <a:r>
+              <a:rPr lang="fr-FR" sz="2000" dirty="0"/>
+              <a:t>Cloud Computing</a:t>
+            </a:r>
+          </a:p>
+        </p:txBody>
+      </p:sp>
+      <p:sp>
+        <p:nvSpPr>
+          <p:cNvPr id="19" name="Kotak Teks 18">
+            <a:extLst>
+              <a:ext uri="{FF2B5EF4-FFF2-40B4-BE49-F238E27FC236}">
+                <a16:creationId xmlns:a16="http://schemas.microsoft.com/office/drawing/2014/main" id="{13EB272F-E7CA-425F-8F12-F58D54DE55BD}"/>
+              </a:ext>
+            </a:extLst>
+          </p:cNvPr>
+          <p:cNvSpPr txBox="1"/>
+          <p:nvPr/>
+        </p:nvSpPr>
+        <p:spPr>
+          <a:xfrm>
+            <a:off x="8009872" y="1906182"/>
+            <a:ext cx="2000035" cy="369332"/>
+          </a:xfrm>
+          <a:prstGeom prst="rect">
+            <a:avLst/>
+          </a:prstGeom>
+          <a:noFill/>
+        </p:spPr>
+        <p:txBody>
+          <a:bodyPr wrap="none" rtlCol="0">
+            <a:spAutoFit/>
+          </a:bodyPr>
           <a:lstStyle/>
           <a:p>
             <a:r>
               <a:rPr lang="fr-FR" dirty="0"/>
-              <a:t>Machine Learning:</a:t>
-            </a:r>
-          </a:p>
-          <a:p>
-            <a:pPr lvl="1"/>
-            <a:r>
-              <a:rPr lang="fr-FR" dirty="0"/>
-              <a:t>Upaya mesin untuk « belajar » mengenai karakteristik suatu kasus/data agar mendekati hasil terbaik dengan algoritma tertentu</a:t>
-            </a:r>
-          </a:p>
-          <a:p>
-            <a:pPr lvl="1"/>
-            <a:r>
-              <a:rPr lang="fr-FR" dirty="0"/>
-              <a:t>AI menggunakan machine learning untuk membantu menentukan keputusan</a:t>
-            </a:r>
-          </a:p>
-          <a:p>
-            <a:endParaRPr lang="fr-FR" dirty="0"/>
+              <a:t>Sistem Terdistribusi</a:t>
+            </a:r>
+          </a:p>
+        </p:txBody>
+      </p:sp>
+      <p:sp>
+        <p:nvSpPr>
+          <p:cNvPr id="20" name="Panah: Bawah 19">
+            <a:extLst>
+              <a:ext uri="{FF2B5EF4-FFF2-40B4-BE49-F238E27FC236}">
+                <a16:creationId xmlns:a16="http://schemas.microsoft.com/office/drawing/2014/main" id="{FF7F6578-9BD1-441B-AF44-4B673AAD663D}"/>
+              </a:ext>
+            </a:extLst>
+          </p:cNvPr>
+          <p:cNvSpPr/>
+          <p:nvPr/>
+        </p:nvSpPr>
+        <p:spPr>
+          <a:xfrm>
+            <a:off x="7536873" y="3429000"/>
+            <a:ext cx="1033895" cy="1052946"/>
+          </a:xfrm>
+          <a:prstGeom prst="downArrow">
+            <a:avLst>
+              <a:gd name="adj1" fmla="val 47320"/>
+              <a:gd name="adj2" fmla="val 50000"/>
+            </a:avLst>
+          </a:prstGeom>
+          <a:solidFill>
+            <a:schemeClr val="tx1"/>
+          </a:solidFill>
+          <a:ln>
+            <a:noFill/>
+          </a:ln>
+        </p:spPr>
+        <p:style>
+          <a:lnRef idx="2">
+            <a:schemeClr val="accent1">
+              <a:shade val="50000"/>
+            </a:schemeClr>
+          </a:lnRef>
+          <a:fillRef idx="1">
+            <a:schemeClr val="accent1"/>
+          </a:fillRef>
+          <a:effectRef idx="0">
+            <a:schemeClr val="accent1"/>
+          </a:effectRef>
+          <a:fontRef idx="minor">
+            <a:schemeClr val="lt1"/>
+          </a:fontRef>
+        </p:style>
+        <p:txBody>
+          <a:bodyPr rtlCol="0" anchor="ctr"/>
+          <a:lstStyle/>
+          <a:p>
+            <a:pPr algn="ctr"/>
+            <a:endParaRPr lang="fr-FR"/>
+          </a:p>
+        </p:txBody>
+      </p:sp>
+      <p:sp>
+        <p:nvSpPr>
+          <p:cNvPr id="21" name="Persegi Panjang 20">
+            <a:extLst>
+              <a:ext uri="{FF2B5EF4-FFF2-40B4-BE49-F238E27FC236}">
+                <a16:creationId xmlns:a16="http://schemas.microsoft.com/office/drawing/2014/main" id="{2DEB9D86-02EA-419A-A4A9-FCE8099F02AC}"/>
+              </a:ext>
+            </a:extLst>
+          </p:cNvPr>
+          <p:cNvSpPr/>
+          <p:nvPr/>
+        </p:nvSpPr>
+        <p:spPr>
+          <a:xfrm>
+            <a:off x="6255327" y="4558146"/>
+            <a:ext cx="3635085" cy="1052946"/>
+          </a:xfrm>
+          <a:prstGeom prst="rect">
+            <a:avLst/>
+          </a:prstGeom>
+          <a:noFill/>
+          <a:ln>
+            <a:solidFill>
+              <a:schemeClr val="accent1"/>
+            </a:solidFill>
+          </a:ln>
+        </p:spPr>
+        <p:style>
+          <a:lnRef idx="2">
+            <a:schemeClr val="accent1">
+              <a:shade val="50000"/>
+            </a:schemeClr>
+          </a:lnRef>
+          <a:fillRef idx="1">
+            <a:schemeClr val="accent1"/>
+          </a:fillRef>
+          <a:effectRef idx="0">
+            <a:schemeClr val="accent1"/>
+          </a:effectRef>
+          <a:fontRef idx="minor">
+            <a:schemeClr val="lt1"/>
+          </a:fontRef>
+        </p:style>
+        <p:txBody>
+          <a:bodyPr rtlCol="0" anchor="ctr"/>
+          <a:lstStyle/>
+          <a:p>
+            <a:pPr algn="ctr"/>
+            <a:r>
+              <a:rPr lang="fr-FR" dirty="0">
+                <a:solidFill>
+                  <a:schemeClr val="tx1"/>
+                </a:solidFill>
+              </a:rPr>
+              <a:t>Analisis dengan AI akan semakin aksesibel dan mudah</a:t>
+            </a:r>
           </a:p>
         </p:txBody>
       </p:sp>
     </p:spTree>
     <p:extLst>
       <p:ext uri="{BB962C8B-B14F-4D97-AF65-F5344CB8AC3E}">
-        <p14:creationId xmlns:p14="http://schemas.microsoft.com/office/powerpoint/2010/main" val="3658862510"/>
+        <p14:creationId xmlns:p14="http://schemas.microsoft.com/office/powerpoint/2010/main" val="3137534204"/>
       </p:ext>
     </p:extLst>
   </p:cSld>
@@ -5992,10 +9327,10 @@
       </p:grpSpPr>
       <p:sp>
         <p:nvSpPr>
-          <p:cNvPr id="7" name="Persegi Panjang 6">
-            <a:extLst>
-              <a:ext uri="{FF2B5EF4-FFF2-40B4-BE49-F238E27FC236}">
-                <a16:creationId xmlns:a16="http://schemas.microsoft.com/office/drawing/2014/main" id="{38FBBED4-D0ED-433B-A048-3DC201602FE2}"/>
+          <p:cNvPr id="18" name="Persegi Panjang 17">
+            <a:extLst>
+              <a:ext uri="{FF2B5EF4-FFF2-40B4-BE49-F238E27FC236}">
+                <a16:creationId xmlns:a16="http://schemas.microsoft.com/office/drawing/2014/main" id="{435F74A4-AC60-433B-9FD7-F667F37D6E3A}"/>
               </a:ext>
             </a:extLst>
           </p:cNvPr>
@@ -6004,12 +9339,18 @@
         </p:nvSpPr>
         <p:spPr>
           <a:xfrm>
-            <a:off x="4512861" y="1944805"/>
-            <a:ext cx="2795516" cy="2333768"/>
+            <a:off x="6255327" y="2279072"/>
+            <a:ext cx="4856017" cy="1052946"/>
           </a:xfrm>
           <a:prstGeom prst="rect">
             <a:avLst/>
           </a:prstGeom>
+          <a:noFill/>
+          <a:ln>
+            <a:solidFill>
+              <a:schemeClr val="accent4"/>
+            </a:solidFill>
+          </a:ln>
         </p:spPr>
         <p:style>
           <a:lnRef idx="2">
@@ -6028,12 +9369,17 @@
           </a:fontRef>
         </p:style>
         <p:txBody>
-          <a:bodyPr rtlCol="0" anchor="t"/>
-          <a:lstStyle/>
-          <a:p>
-            <a:r>
-              <a:rPr lang="fr-FR" dirty="0"/>
-              <a:t>AI</a:t>
+          <a:bodyPr rtlCol="0" anchor="ctr"/>
+          <a:lstStyle/>
+          <a:p>
+            <a:pPr algn="ctr"/>
+            <a:r>
+              <a:rPr lang="fr-FR" dirty="0">
+                <a:solidFill>
+                  <a:schemeClr val="tx1"/>
+                </a:solidFill>
+              </a:rPr>
+              <a:t>Algoritme yang kompleks semakin didukung dan mudah untuk diimplementasikan karena kekuatan komputasi</a:t>
             </a:r>
           </a:p>
         </p:txBody>
@@ -6043,7 +9389,7 @@
           <p:cNvPr id="2" name="Judul 1">
             <a:extLst>
               <a:ext uri="{FF2B5EF4-FFF2-40B4-BE49-F238E27FC236}">
-                <a16:creationId xmlns:a16="http://schemas.microsoft.com/office/drawing/2014/main" id="{9FAC6700-7C43-4BE2-9F19-AC0F1A8E1A13}"/>
+                <a16:creationId xmlns:a16="http://schemas.microsoft.com/office/drawing/2014/main" id="{EF82A4EB-1170-42B3-9CC2-E06A0FB99D01}"/>
               </a:ext>
             </a:extLst>
           </p:cNvPr>
@@ -6061,17 +9407,17 @@
           <a:p>
             <a:r>
               <a:rPr lang="fr-FR" dirty="0"/>
-              <a:t>Apa itu Machine Learning?</a:t>
-            </a:r>
-          </a:p>
-        </p:txBody>
-      </p:sp>
-      <p:sp>
-        <p:nvSpPr>
-          <p:cNvPr id="4" name="Persegi Panjang 3">
-            <a:extLst>
-              <a:ext uri="{FF2B5EF4-FFF2-40B4-BE49-F238E27FC236}">
-                <a16:creationId xmlns:a16="http://schemas.microsoft.com/office/drawing/2014/main" id="{75FFA2F6-E461-4E63-AA54-1B7B1C8F81AF}"/>
+              <a:t>Era Artificial Intelligence</a:t>
+            </a:r>
+          </a:p>
+        </p:txBody>
+      </p:sp>
+      <p:sp>
+        <p:nvSpPr>
+          <p:cNvPr id="6" name="Oval 5">
+            <a:extLst>
+              <a:ext uri="{FF2B5EF4-FFF2-40B4-BE49-F238E27FC236}">
+                <a16:creationId xmlns:a16="http://schemas.microsoft.com/office/drawing/2014/main" id="{700CE686-AE63-4F4F-9841-D1615FF5491B}"/>
               </a:ext>
             </a:extLst>
           </p:cNvPr>
@@ -6080,12 +9426,70 @@
         </p:nvSpPr>
         <p:spPr>
           <a:xfrm>
-            <a:off x="1262419" y="3181562"/>
-            <a:ext cx="1603611" cy="914400"/>
-          </a:xfrm>
-          <a:prstGeom prst="rect">
+            <a:off x="446812" y="1825242"/>
+            <a:ext cx="3709552" cy="1441640"/>
+          </a:xfrm>
+          <a:prstGeom prst="ellipse">
             <a:avLst/>
           </a:prstGeom>
+          <a:ln>
+            <a:solidFill>
+              <a:schemeClr val="accent6"/>
+            </a:solidFill>
+          </a:ln>
+        </p:spPr>
+        <p:style>
+          <a:lnRef idx="2">
+            <a:schemeClr val="accent4"/>
+          </a:lnRef>
+          <a:fillRef idx="1">
+            <a:schemeClr val="lt1"/>
+          </a:fillRef>
+          <a:effectRef idx="0">
+            <a:schemeClr val="accent4"/>
+          </a:effectRef>
+          <a:fontRef idx="minor">
+            <a:schemeClr val="dk1"/>
+          </a:fontRef>
+        </p:style>
+        <p:txBody>
+          <a:bodyPr rtlCol="0" anchor="ctr"/>
+          <a:lstStyle/>
+          <a:p>
+            <a:pPr algn="ctr"/>
+            <a:r>
+              <a:rPr lang="fr-FR" sz="3600" dirty="0"/>
+              <a:t>Algoritme</a:t>
+            </a:r>
+          </a:p>
+        </p:txBody>
+      </p:sp>
+      <p:sp>
+        <p:nvSpPr>
+          <p:cNvPr id="9" name="Oval 8">
+            <a:extLst>
+              <a:ext uri="{FF2B5EF4-FFF2-40B4-BE49-F238E27FC236}">
+                <a16:creationId xmlns:a16="http://schemas.microsoft.com/office/drawing/2014/main" id="{8E08B3A2-BBC7-4910-869A-4A9E2B6F2C19}"/>
+              </a:ext>
+            </a:extLst>
+          </p:cNvPr>
+          <p:cNvSpPr/>
+          <p:nvPr/>
+        </p:nvSpPr>
+        <p:spPr>
+          <a:xfrm>
+            <a:off x="981943" y="4228810"/>
+            <a:ext cx="2639290" cy="1212273"/>
+          </a:xfrm>
+          <a:prstGeom prst="ellipse">
+            <a:avLst/>
+          </a:prstGeom>
+          <a:solidFill>
+            <a:schemeClr val="accent1"/>
+          </a:solidFill>
+          <a:ln>
+            <a:noFill/>
+          </a:ln>
         </p:spPr>
         <p:style>
           <a:lnRef idx="2">
@@ -6109,18 +9513,64 @@
           <a:p>
             <a:pPr algn="ctr"/>
             <a:r>
-              <a:rPr lang="fr-FR" dirty="0"/>
-              <a:t>Data</a:t>
-            </a:r>
-          </a:p>
-        </p:txBody>
-      </p:sp>
-      <p:sp>
-        <p:nvSpPr>
-          <p:cNvPr id="5" name="Persegi Panjang 4">
-            <a:extLst>
-              <a:ext uri="{FF2B5EF4-FFF2-40B4-BE49-F238E27FC236}">
-                <a16:creationId xmlns:a16="http://schemas.microsoft.com/office/drawing/2014/main" id="{82CAE6DD-3A48-4137-846C-42DD5A03E76F}"/>
+              <a:rPr lang="fr-FR" sz="4800" dirty="0"/>
+              <a:t>AI</a:t>
+            </a:r>
+          </a:p>
+        </p:txBody>
+      </p:sp>
+      <p:cxnSp>
+        <p:nvCxnSpPr>
+          <p:cNvPr id="10" name="Konektor Panah Lurus 9">
+            <a:extLst>
+              <a:ext uri="{FF2B5EF4-FFF2-40B4-BE49-F238E27FC236}">
+                <a16:creationId xmlns:a16="http://schemas.microsoft.com/office/drawing/2014/main" id="{1B30A204-F859-4892-9A14-227CC6426BE8}"/>
+              </a:ext>
+            </a:extLst>
+          </p:cNvPr>
+          <p:cNvCxnSpPr>
+            <a:cxnSpLocks/>
+            <a:stCxn id="6" idx="4"/>
+            <a:endCxn id="9" idx="0"/>
+          </p:cNvCxnSpPr>
+          <p:nvPr/>
+        </p:nvCxnSpPr>
+        <p:spPr>
+          <a:xfrm>
+            <a:off x="2301588" y="3266882"/>
+            <a:ext cx="0" cy="961928"/>
+          </a:xfrm>
+          <a:prstGeom prst="straightConnector1">
+            <a:avLst/>
+          </a:prstGeom>
+          <a:ln w="28575">
+            <a:solidFill>
+              <a:schemeClr val="tx1"/>
+            </a:solidFill>
+            <a:tailEnd type="triangle"/>
+          </a:ln>
+        </p:spPr>
+        <p:style>
+          <a:lnRef idx="1">
+            <a:schemeClr val="accent1"/>
+          </a:lnRef>
+          <a:fillRef idx="0">
+            <a:schemeClr val="accent1"/>
+          </a:fillRef>
+          <a:effectRef idx="0">
+            <a:schemeClr val="accent1"/>
+          </a:effectRef>
+          <a:fontRef idx="minor">
+            <a:schemeClr val="tx1"/>
+          </a:fontRef>
+        </p:style>
+      </p:cxnSp>
+      <p:sp>
+        <p:nvSpPr>
+          <p:cNvPr id="17" name="Persegi: Sudut Lengkung 16">
+            <a:extLst>
+              <a:ext uri="{FF2B5EF4-FFF2-40B4-BE49-F238E27FC236}">
+                <a16:creationId xmlns:a16="http://schemas.microsoft.com/office/drawing/2014/main" id="{8C6C3EF9-9078-4681-B60A-B6154278B6F2}"/>
               </a:ext>
             </a:extLst>
           </p:cNvPr>
@@ -6129,12 +9579,76 @@
         </p:nvSpPr>
         <p:spPr>
           <a:xfrm>
-            <a:off x="4615218" y="3157678"/>
-            <a:ext cx="1603611" cy="914400"/>
-          </a:xfrm>
-          <a:prstGeom prst="rect">
+            <a:off x="5728857" y="1825242"/>
+            <a:ext cx="2182087" cy="581891"/>
+          </a:xfrm>
+          <a:prstGeom prst="roundRect">
             <a:avLst/>
           </a:prstGeom>
+          <a:solidFill>
+            <a:schemeClr val="accent6"/>
+          </a:solidFill>
+          <a:ln>
+            <a:noFill/>
+          </a:ln>
+        </p:spPr>
+        <p:style>
+          <a:lnRef idx="2">
+            <a:schemeClr val="accent4">
+              <a:shade val="50000"/>
+            </a:schemeClr>
+          </a:lnRef>
+          <a:fillRef idx="1">
+            <a:schemeClr val="accent4"/>
+          </a:fillRef>
+          <a:effectRef idx="0">
+            <a:schemeClr val="accent4"/>
+          </a:effectRef>
+          <a:fontRef idx="minor">
+            <a:schemeClr val="lt1"/>
+          </a:fontRef>
+        </p:style>
+        <p:txBody>
+          <a:bodyPr rtlCol="0" anchor="ctr"/>
+          <a:lstStyle/>
+          <a:p>
+            <a:pPr algn="ctr"/>
+            <a:r>
+              <a:rPr lang="fr-FR" sz="2000" dirty="0"/>
+              <a:t>Algoritme</a:t>
+            </a:r>
+          </a:p>
+        </p:txBody>
+      </p:sp>
+      <p:sp>
+        <p:nvSpPr>
+          <p:cNvPr id="20" name="Panah: Bawah 19">
+            <a:extLst>
+              <a:ext uri="{FF2B5EF4-FFF2-40B4-BE49-F238E27FC236}">
+                <a16:creationId xmlns:a16="http://schemas.microsoft.com/office/drawing/2014/main" id="{FF7F6578-9BD1-441B-AF44-4B673AAD663D}"/>
+              </a:ext>
+            </a:extLst>
+          </p:cNvPr>
+          <p:cNvSpPr/>
+          <p:nvPr/>
+        </p:nvSpPr>
+        <p:spPr>
+          <a:xfrm>
+            <a:off x="8166387" y="3429000"/>
+            <a:ext cx="1033895" cy="1052946"/>
+          </a:xfrm>
+          <a:prstGeom prst="downArrow">
+            <a:avLst>
+              <a:gd name="adj1" fmla="val 47320"/>
+              <a:gd name="adj2" fmla="val 50000"/>
+            </a:avLst>
+          </a:prstGeom>
+          <a:solidFill>
+            <a:schemeClr val="tx1"/>
+          </a:solidFill>
+          <a:ln>
+            <a:noFill/>
+          </a:ln>
         </p:spPr>
         <p:style>
           <a:lnRef idx="2">
@@ -6157,61 +9671,16 @@
           <a:lstStyle/>
           <a:p>
             <a:pPr algn="ctr"/>
-            <a:r>
-              <a:rPr lang="fr-FR" dirty="0"/>
-              <a:t>Machine Learning</a:t>
-            </a:r>
-          </a:p>
-        </p:txBody>
-      </p:sp>
-      <p:cxnSp>
-        <p:nvCxnSpPr>
-          <p:cNvPr id="10" name="Konektor Panah Lurus 9">
-            <a:extLst>
-              <a:ext uri="{FF2B5EF4-FFF2-40B4-BE49-F238E27FC236}">
-                <a16:creationId xmlns:a16="http://schemas.microsoft.com/office/drawing/2014/main" id="{1847FE03-38D7-45F8-998F-733AB22FB476}"/>
-              </a:ext>
-            </a:extLst>
-          </p:cNvPr>
-          <p:cNvCxnSpPr>
-            <a:stCxn id="4" idx="3"/>
-            <a:endCxn id="5" idx="1"/>
-          </p:cNvCxnSpPr>
-          <p:nvPr/>
-        </p:nvCxnSpPr>
-        <p:spPr>
-          <a:xfrm flipV="1">
-            <a:off x="2866030" y="3614878"/>
-            <a:ext cx="1749188" cy="23884"/>
-          </a:xfrm>
-          <a:prstGeom prst="straightConnector1">
-            <a:avLst/>
-          </a:prstGeom>
-          <a:ln>
-            <a:tailEnd type="triangle"/>
-          </a:ln>
-        </p:spPr>
-        <p:style>
-          <a:lnRef idx="1">
-            <a:schemeClr val="accent1"/>
-          </a:lnRef>
-          <a:fillRef idx="0">
-            <a:schemeClr val="accent1"/>
-          </a:fillRef>
-          <a:effectRef idx="0">
-            <a:schemeClr val="accent1"/>
-          </a:effectRef>
-          <a:fontRef idx="minor">
-            <a:schemeClr val="tx1"/>
-          </a:fontRef>
-        </p:style>
-      </p:cxnSp>
-      <p:sp>
-        <p:nvSpPr>
-          <p:cNvPr id="12" name="Persegi Panjang 11">
-            <a:extLst>
-              <a:ext uri="{FF2B5EF4-FFF2-40B4-BE49-F238E27FC236}">
-                <a16:creationId xmlns:a16="http://schemas.microsoft.com/office/drawing/2014/main" id="{6696CC56-768D-4DAC-993F-3D110198BC57}"/>
+            <a:endParaRPr lang="fr-FR"/>
+          </a:p>
+        </p:txBody>
+      </p:sp>
+      <p:sp>
+        <p:nvSpPr>
+          <p:cNvPr id="21" name="Persegi Panjang 20">
+            <a:extLst>
+              <a:ext uri="{FF2B5EF4-FFF2-40B4-BE49-F238E27FC236}">
+                <a16:creationId xmlns:a16="http://schemas.microsoft.com/office/drawing/2014/main" id="{2DEB9D86-02EA-419A-A4A9-FCE8099F02AC}"/>
               </a:ext>
             </a:extLst>
           </p:cNvPr>
@@ -6220,12 +9689,18 @@
         </p:nvSpPr>
         <p:spPr>
           <a:xfrm>
-            <a:off x="8475259" y="2654489"/>
-            <a:ext cx="1398895" cy="914400"/>
+            <a:off x="6255327" y="4558146"/>
+            <a:ext cx="4856017" cy="1052946"/>
           </a:xfrm>
           <a:prstGeom prst="rect">
             <a:avLst/>
           </a:prstGeom>
+          <a:noFill/>
+          <a:ln>
+            <a:solidFill>
+              <a:schemeClr val="accent1"/>
+            </a:solidFill>
+          </a:ln>
         </p:spPr>
         <p:style>
           <a:lnRef idx="2">
@@ -6249,86 +9724,12 @@
           <a:p>
             <a:pPr algn="ctr"/>
             <a:r>
-              <a:rPr lang="fr-FR" dirty="0"/>
-              <a:t>Keputusan</a:t>
-            </a:r>
-          </a:p>
-        </p:txBody>
-      </p:sp>
-      <p:cxnSp>
-        <p:nvCxnSpPr>
-          <p:cNvPr id="13" name="Konektor Panah Lurus 12">
-            <a:extLst>
-              <a:ext uri="{FF2B5EF4-FFF2-40B4-BE49-F238E27FC236}">
-                <a16:creationId xmlns:a16="http://schemas.microsoft.com/office/drawing/2014/main" id="{85929407-4FD4-40D4-8CF9-FE3A2CE19C01}"/>
-              </a:ext>
-            </a:extLst>
-          </p:cNvPr>
-          <p:cNvCxnSpPr>
-            <a:cxnSpLocks/>
-            <a:stCxn id="7" idx="3"/>
-            <a:endCxn id="12" idx="1"/>
-          </p:cNvCxnSpPr>
-          <p:nvPr/>
-        </p:nvCxnSpPr>
-        <p:spPr>
-          <a:xfrm>
-            <a:off x="7308377" y="3111689"/>
-            <a:ext cx="1166882" cy="0"/>
-          </a:xfrm>
-          <a:prstGeom prst="straightConnector1">
-            <a:avLst/>
-          </a:prstGeom>
-          <a:ln>
-            <a:tailEnd type="triangle"/>
-          </a:ln>
-        </p:spPr>
-        <p:style>
-          <a:lnRef idx="1">
-            <a:schemeClr val="accent1"/>
-          </a:lnRef>
-          <a:fillRef idx="0">
-            <a:schemeClr val="accent1"/>
-          </a:fillRef>
-          <a:effectRef idx="0">
-            <a:schemeClr val="accent1"/>
-          </a:effectRef>
-          <a:fontRef idx="minor">
-            <a:schemeClr val="tx1"/>
-          </a:fontRef>
-        </p:style>
-      </p:cxnSp>
-      <p:sp>
-        <p:nvSpPr>
-          <p:cNvPr id="18" name="Kotak Teks 17">
-            <a:extLst>
-              <a:ext uri="{FF2B5EF4-FFF2-40B4-BE49-F238E27FC236}">
-                <a16:creationId xmlns:a16="http://schemas.microsoft.com/office/drawing/2014/main" id="{53555BDA-AE51-4724-AED5-750A16F470A9}"/>
-              </a:ext>
-            </a:extLst>
-          </p:cNvPr>
-          <p:cNvSpPr txBox="1"/>
-          <p:nvPr/>
-        </p:nvSpPr>
-        <p:spPr>
-          <a:xfrm>
-            <a:off x="1828800" y="5854890"/>
-            <a:ext cx="8459432" cy="369332"/>
-          </a:xfrm>
-          <a:prstGeom prst="rect">
-            <a:avLst/>
-          </a:prstGeom>
-          <a:noFill/>
-        </p:spPr>
-        <p:txBody>
-          <a:bodyPr wrap="none" rtlCol="0">
-            <a:spAutoFit/>
-          </a:bodyPr>
-          <a:lstStyle/>
-          <a:p>
-            <a:r>
-              <a:rPr lang="fr-FR" dirty="0"/>
-              <a:t>Semakin baik hasil Machine Learning-nya, semakin baik keputusan yang bisa diperoleh AI</a:t>
+              <a:rPr lang="fr-FR" dirty="0">
+                <a:solidFill>
+                  <a:schemeClr val="tx1"/>
+                </a:solidFill>
+              </a:rPr>
+              <a:t>Analisis AI akan semakin akurat dan semakin « kreatif » menyesuaikan dengan karakteristik data yang ada</a:t>
             </a:r>
           </a:p>
         </p:txBody>
@@ -6336,7 +9737,7 @@
     </p:spTree>
     <p:extLst>
       <p:ext uri="{BB962C8B-B14F-4D97-AF65-F5344CB8AC3E}">
-        <p14:creationId xmlns:p14="http://schemas.microsoft.com/office/powerpoint/2010/main" val="2202440231"/>
+        <p14:creationId xmlns:p14="http://schemas.microsoft.com/office/powerpoint/2010/main" val="482864300"/>
       </p:ext>
     </p:extLst>
   </p:cSld>
@@ -6365,10 +9766,111 @@
       </p:grpSpPr>
       <p:sp>
         <p:nvSpPr>
+          <p:cNvPr id="12" name="Persegi Panjang 11">
+            <a:extLst>
+              <a:ext uri="{FF2B5EF4-FFF2-40B4-BE49-F238E27FC236}">
+                <a16:creationId xmlns:a16="http://schemas.microsoft.com/office/drawing/2014/main" id="{44711850-C664-4ED8-800E-BAD3E2FFE6CB}"/>
+              </a:ext>
+            </a:extLst>
+          </p:cNvPr>
+          <p:cNvSpPr/>
+          <p:nvPr/>
+        </p:nvSpPr>
+        <p:spPr>
+          <a:xfrm>
+            <a:off x="6425958" y="4419600"/>
+            <a:ext cx="3757132" cy="1658418"/>
+          </a:xfrm>
+          <a:prstGeom prst="rect">
+            <a:avLst/>
+          </a:prstGeom>
+          <a:solidFill>
+            <a:schemeClr val="accent2"/>
+          </a:solidFill>
+          <a:ln>
+            <a:noFill/>
+          </a:ln>
+        </p:spPr>
+        <p:style>
+          <a:lnRef idx="2">
+            <a:schemeClr val="accent1">
+              <a:shade val="50000"/>
+            </a:schemeClr>
+          </a:lnRef>
+          <a:fillRef idx="1">
+            <a:schemeClr val="accent1"/>
+          </a:fillRef>
+          <a:effectRef idx="0">
+            <a:schemeClr val="accent1"/>
+          </a:effectRef>
+          <a:fontRef idx="minor">
+            <a:schemeClr val="lt1"/>
+          </a:fontRef>
+        </p:style>
+        <p:txBody>
+          <a:bodyPr rtlCol="0" anchor="ctr"/>
+          <a:lstStyle/>
+          <a:p>
+            <a:pPr algn="ctr"/>
+            <a:endParaRPr lang="fr-FR"/>
+          </a:p>
+        </p:txBody>
+      </p:sp>
+      <p:sp>
+        <p:nvSpPr>
+          <p:cNvPr id="11" name="Persegi Panjang 10">
+            <a:extLst>
+              <a:ext uri="{FF2B5EF4-FFF2-40B4-BE49-F238E27FC236}">
+                <a16:creationId xmlns:a16="http://schemas.microsoft.com/office/drawing/2014/main" id="{E2582210-5A39-45CB-B824-2DE4129AF0AD}"/>
+              </a:ext>
+            </a:extLst>
+          </p:cNvPr>
+          <p:cNvSpPr/>
+          <p:nvPr/>
+        </p:nvSpPr>
+        <p:spPr>
+          <a:xfrm>
+            <a:off x="6425958" y="2923308"/>
+            <a:ext cx="3757132" cy="1510145"/>
+          </a:xfrm>
+          <a:prstGeom prst="rect">
+            <a:avLst/>
+          </a:prstGeom>
+          <a:ln>
+            <a:noFill/>
+          </a:ln>
+        </p:spPr>
+        <p:style>
+          <a:lnRef idx="2">
+            <a:schemeClr val="accent1">
+              <a:shade val="50000"/>
+            </a:schemeClr>
+          </a:lnRef>
+          <a:fillRef idx="1">
+            <a:schemeClr val="accent1"/>
+          </a:fillRef>
+          <a:effectRef idx="0">
+            <a:schemeClr val="accent1"/>
+          </a:effectRef>
+          <a:fontRef idx="minor">
+            <a:schemeClr val="lt1"/>
+          </a:fontRef>
+        </p:style>
+        <p:txBody>
+          <a:bodyPr rtlCol="0" anchor="ctr"/>
+          <a:lstStyle/>
+          <a:p>
+            <a:pPr algn="ctr"/>
+            <a:endParaRPr lang="fr-FR"/>
+          </a:p>
+        </p:txBody>
+      </p:sp>
+      <p:sp>
+        <p:nvSpPr>
           <p:cNvPr id="2" name="Judul 1">
             <a:extLst>
               <a:ext uri="{FF2B5EF4-FFF2-40B4-BE49-F238E27FC236}">
-                <a16:creationId xmlns:a16="http://schemas.microsoft.com/office/drawing/2014/main" id="{9FAC6700-7C43-4BE2-9F19-AC0F1A8E1A13}"/>
+                <a16:creationId xmlns:a16="http://schemas.microsoft.com/office/drawing/2014/main" id="{39DB207B-1C2D-49BB-9490-B2353AA5999A}"/>
               </a:ext>
             </a:extLst>
           </p:cNvPr>
@@ -6386,7 +9888,7 @@
           <a:p>
             <a:r>
               <a:rPr lang="fr-FR" dirty="0"/>
-              <a:t>Perbedaan Artificial Intelligence, Data Science, dan Machine Learning</a:t>
+              <a:t>Era Artificial Intelligence: Pertumbuhan Data</a:t>
             </a:r>
           </a:p>
         </p:txBody>
@@ -6396,7 +9898,7 @@
           <p:cNvPr id="3" name="Tampungan Konten 2">
             <a:extLst>
               <a:ext uri="{FF2B5EF4-FFF2-40B4-BE49-F238E27FC236}">
-                <a16:creationId xmlns:a16="http://schemas.microsoft.com/office/drawing/2014/main" id="{AAFF9AEC-C8A8-4BDF-A670-2642ACA7FA1B}"/>
+                <a16:creationId xmlns:a16="http://schemas.microsoft.com/office/drawing/2014/main" id="{CF3A5276-A149-42FA-BE7E-90C801BDBD70}"/>
               </a:ext>
             </a:extLst>
           </p:cNvPr>
@@ -6409,75 +9911,223 @@
         </p:nvSpPr>
         <p:spPr/>
         <p:txBody>
-          <a:bodyPr/>
-          <a:lstStyle/>
-          <a:p>
-            <a:r>
-              <a:rPr lang="fr-FR" dirty="0"/>
-              <a:t>Data Science:</a:t>
-            </a:r>
-          </a:p>
-          <a:p>
-            <a:pPr lvl="1"/>
-            <a:r>
-              <a:rPr lang="fr-FR" dirty="0"/>
-              <a:t>Bidang ilmu yang mencakup semua hal terkait data</a:t>
-            </a:r>
-          </a:p>
-          <a:p>
-            <a:pPr lvl="2"/>
-            <a:r>
-              <a:rPr lang="fr-FR" dirty="0"/>
-              <a:t>Pembersihan data</a:t>
-            </a:r>
-          </a:p>
-          <a:p>
-            <a:pPr lvl="2"/>
-            <a:r>
-              <a:rPr lang="fr-FR" dirty="0"/>
-              <a:t>Koleksi data</a:t>
-            </a:r>
-          </a:p>
-          <a:p>
-            <a:pPr lvl="2"/>
-            <a:r>
-              <a:rPr lang="fr-FR" dirty="0"/>
-              <a:t>Penarikan kesimpulan</a:t>
-            </a:r>
-          </a:p>
-          <a:p>
-            <a:pPr lvl="2"/>
-            <a:r>
-              <a:rPr lang="fr-FR" dirty="0"/>
-              <a:t>Statistika</a:t>
-            </a:r>
-          </a:p>
-          <a:p>
-            <a:pPr lvl="2"/>
-            <a:r>
-              <a:rPr lang="fr-FR" dirty="0"/>
-              <a:t>Dst</a:t>
-            </a:r>
-          </a:p>
-          <a:p>
-            <a:pPr lvl="1"/>
-            <a:r>
-              <a:rPr lang="fr-FR" dirty="0"/>
-              <a:t>Cenderung melibatkan manusia dalam prosesnya, tetapi tetap juga membutuhkan otomatisasi dalam beberapa hal</a:t>
-            </a:r>
-          </a:p>
-          <a:p>
+          <a:bodyPr>
+            <a:normAutofit/>
+          </a:bodyPr>
+          <a:lstStyle/>
+          <a:p>
+            <a:r>
+              <a:rPr lang="fr-FR" dirty="0">
+                <a:hlinkClick r:id="rId2"/>
+              </a:rPr>
+              <a:t>https://www.forbes.com/sites/bernardmarr/2015/09/30/big-data-20-mind-boggling-facts-everyone-must-read/#2f21b37d17b1</a:t>
+            </a:r>
             <a:endParaRPr lang="fr-FR" dirty="0"/>
           </a:p>
-          <a:p>
-            <a:endParaRPr lang="fr-FR" dirty="0"/>
+        </p:txBody>
+      </p:sp>
+      <p:sp>
+        <p:nvSpPr>
+          <p:cNvPr id="4" name="Kotak Teks 3">
+            <a:extLst>
+              <a:ext uri="{FF2B5EF4-FFF2-40B4-BE49-F238E27FC236}">
+                <a16:creationId xmlns:a16="http://schemas.microsoft.com/office/drawing/2014/main" id="{2E7960A5-393E-4871-8F14-3B8C78AF1198}"/>
+              </a:ext>
+            </a:extLst>
+          </p:cNvPr>
+          <p:cNvSpPr txBox="1"/>
+          <p:nvPr/>
+        </p:nvSpPr>
+        <p:spPr>
+          <a:xfrm>
+            <a:off x="1066799" y="2923308"/>
+            <a:ext cx="5359159" cy="3154710"/>
+          </a:xfrm>
+          <a:prstGeom prst="rect">
+            <a:avLst/>
+          </a:prstGeom>
+          <a:solidFill>
+            <a:schemeClr val="accent6"/>
+          </a:solidFill>
+          <a:ln>
+            <a:noFill/>
+          </a:ln>
+        </p:spPr>
+        <p:txBody>
+          <a:bodyPr wrap="none" rtlCol="0">
+            <a:spAutoFit/>
+          </a:bodyPr>
+          <a:lstStyle/>
+          <a:p>
+            <a:r>
+              <a:rPr lang="fr-FR" sz="19900" dirty="0">
+                <a:solidFill>
+                  <a:schemeClr val="bg1"/>
+                </a:solidFill>
+              </a:rPr>
+              <a:t>2020</a:t>
+            </a:r>
+          </a:p>
+        </p:txBody>
+      </p:sp>
+      <p:pic>
+        <p:nvPicPr>
+          <p:cNvPr id="8" name="Grafik 7" descr="Stopwatch">
+            <a:extLst>
+              <a:ext uri="{FF2B5EF4-FFF2-40B4-BE49-F238E27FC236}">
+                <a16:creationId xmlns:a16="http://schemas.microsoft.com/office/drawing/2014/main" id="{2277B0C9-DEC5-4CEA-9A53-1AF06B1FF21E}"/>
+              </a:ext>
+            </a:extLst>
+          </p:cNvPr>
+          <p:cNvPicPr>
+            <a:picLocks noChangeAspect="1"/>
+          </p:cNvPicPr>
+          <p:nvPr/>
+        </p:nvPicPr>
+        <p:blipFill>
+          <a:blip r:embed="rId3">
+            <a:extLst>
+              <a:ext uri="{28A0092B-C50C-407E-A947-70E740481C1C}">
+                <a14:useLocalDpi xmlns:a14="http://schemas.microsoft.com/office/drawing/2010/main" val="0"/>
+              </a:ext>
+              <a:ext uri="{96DAC541-7B7A-43D3-8B79-37D633B846F1}">
+                <asvg:svgBlip xmlns:asvg="http://schemas.microsoft.com/office/drawing/2016/SVG/main" r:embed="rId4"/>
+              </a:ext>
+            </a:extLst>
+          </a:blip>
+          <a:stretch>
+            <a:fillRect/>
+          </a:stretch>
+        </p:blipFill>
+        <p:spPr>
+          <a:xfrm>
+            <a:off x="6425958" y="2923308"/>
+            <a:ext cx="1510145" cy="1510145"/>
+          </a:xfrm>
+          <a:prstGeom prst="rect">
+            <a:avLst/>
+          </a:prstGeom>
+        </p:spPr>
+      </p:pic>
+      <p:sp>
+        <p:nvSpPr>
+          <p:cNvPr id="9" name="Kotak Teks 8">
+            <a:extLst>
+              <a:ext uri="{FF2B5EF4-FFF2-40B4-BE49-F238E27FC236}">
+                <a16:creationId xmlns:a16="http://schemas.microsoft.com/office/drawing/2014/main" id="{7A41C1A4-6536-49BB-90FC-EB84A0DD4049}"/>
+              </a:ext>
+            </a:extLst>
+          </p:cNvPr>
+          <p:cNvSpPr txBox="1"/>
+          <p:nvPr/>
+        </p:nvSpPr>
+        <p:spPr>
+          <a:xfrm>
+            <a:off x="8091054" y="3186547"/>
+            <a:ext cx="875561" cy="1015663"/>
+          </a:xfrm>
+          <a:prstGeom prst="rect">
+            <a:avLst/>
+          </a:prstGeom>
+          <a:noFill/>
+          <a:ln>
+            <a:noFill/>
+          </a:ln>
+        </p:spPr>
+        <p:txBody>
+          <a:bodyPr wrap="none" rtlCol="0">
+            <a:spAutoFit/>
+          </a:bodyPr>
+          <a:lstStyle/>
+          <a:p>
+            <a:r>
+              <a:rPr lang="fr-FR" sz="6000" dirty="0"/>
+              <a:t>1s</a:t>
+            </a:r>
+          </a:p>
+        </p:txBody>
+      </p:sp>
+      <p:pic>
+        <p:nvPicPr>
+          <p:cNvPr id="13" name="Grafik 12" descr="Man">
+            <a:extLst>
+              <a:ext uri="{FF2B5EF4-FFF2-40B4-BE49-F238E27FC236}">
+                <a16:creationId xmlns:a16="http://schemas.microsoft.com/office/drawing/2014/main" id="{D50411F7-812B-47E7-A244-C08ADAFE9BE8}"/>
+              </a:ext>
+            </a:extLst>
+          </p:cNvPr>
+          <p:cNvPicPr>
+            <a:picLocks noChangeAspect="1"/>
+          </p:cNvPicPr>
+          <p:nvPr/>
+        </p:nvPicPr>
+        <p:blipFill>
+          <a:blip r:embed="rId5">
+            <a:extLst>
+              <a:ext uri="{28A0092B-C50C-407E-A947-70E740481C1C}">
+                <a14:useLocalDpi xmlns:a14="http://schemas.microsoft.com/office/drawing/2010/main" val="0"/>
+              </a:ext>
+              <a:ext uri="{96DAC541-7B7A-43D3-8B79-37D633B846F1}">
+                <asvg:svgBlip xmlns:asvg="http://schemas.microsoft.com/office/drawing/2016/SVG/main" r:embed="rId6"/>
+              </a:ext>
+            </a:extLst>
+          </a:blip>
+          <a:stretch>
+            <a:fillRect/>
+          </a:stretch>
+        </p:blipFill>
+        <p:spPr>
+          <a:xfrm>
+            <a:off x="6992898" y="4854836"/>
+            <a:ext cx="914400" cy="914400"/>
+          </a:xfrm>
+          <a:prstGeom prst="rect">
+            <a:avLst/>
+          </a:prstGeom>
+        </p:spPr>
+      </p:pic>
+      <p:sp>
+        <p:nvSpPr>
+          <p:cNvPr id="14" name="Kotak Teks 13">
+            <a:extLst>
+              <a:ext uri="{FF2B5EF4-FFF2-40B4-BE49-F238E27FC236}">
+                <a16:creationId xmlns:a16="http://schemas.microsoft.com/office/drawing/2014/main" id="{14490864-C169-4D8C-8AD3-89081F92FB45}"/>
+              </a:ext>
+            </a:extLst>
+          </p:cNvPr>
+          <p:cNvSpPr txBox="1"/>
+          <p:nvPr/>
+        </p:nvSpPr>
+        <p:spPr>
+          <a:xfrm>
+            <a:off x="7693828" y="4958093"/>
+            <a:ext cx="1922321" cy="707886"/>
+          </a:xfrm>
+          <a:prstGeom prst="rect">
+            <a:avLst/>
+          </a:prstGeom>
+          <a:noFill/>
+          <a:ln>
+            <a:noFill/>
+          </a:ln>
+        </p:spPr>
+        <p:txBody>
+          <a:bodyPr wrap="none" rtlCol="0">
+            <a:spAutoFit/>
+          </a:bodyPr>
+          <a:lstStyle/>
+          <a:p>
+            <a:r>
+              <a:rPr lang="fr-FR" sz="4000" dirty="0"/>
+              <a:t>≈1.7 MB</a:t>
+            </a:r>
           </a:p>
         </p:txBody>
       </p:sp>
     </p:spTree>
     <p:extLst>
       <p:ext uri="{BB962C8B-B14F-4D97-AF65-F5344CB8AC3E}">
-        <p14:creationId xmlns:p14="http://schemas.microsoft.com/office/powerpoint/2010/main" val="2528395948"/>
+        <p14:creationId xmlns:p14="http://schemas.microsoft.com/office/powerpoint/2010/main" val="1121772583"/>
       </p:ext>
     </p:extLst>
   </p:cSld>
